--- a/Offensive Security Tactics for Linux Professionals -  Introduction.pptx
+++ b/Offensive Security Tactics for Linux Professionals -  Introduction.pptx
@@ -5,19 +5,18 @@
     <p:sldMasterId id="2147483648" r:id="rId1"/>
   </p:sldMasterIdLst>
   <p:notesMasterIdLst>
-    <p:notesMasterId r:id="rId12"/>
+    <p:notesMasterId r:id="rId11"/>
   </p:notesMasterIdLst>
   <p:sldIdLst>
     <p:sldId id="256" r:id="rId2"/>
-    <p:sldId id="269" r:id="rId3"/>
-    <p:sldId id="261" r:id="rId4"/>
-    <p:sldId id="267" r:id="rId5"/>
-    <p:sldId id="266" r:id="rId6"/>
-    <p:sldId id="265" r:id="rId7"/>
-    <p:sldId id="264" r:id="rId8"/>
-    <p:sldId id="268" r:id="rId9"/>
-    <p:sldId id="270" r:id="rId10"/>
-    <p:sldId id="271" r:id="rId11"/>
+    <p:sldId id="261" r:id="rId3"/>
+    <p:sldId id="267" r:id="rId4"/>
+    <p:sldId id="266" r:id="rId5"/>
+    <p:sldId id="265" r:id="rId6"/>
+    <p:sldId id="264" r:id="rId7"/>
+    <p:sldId id="268" r:id="rId8"/>
+    <p:sldId id="270" r:id="rId9"/>
+    <p:sldId id="271" r:id="rId10"/>
   </p:sldIdLst>
   <p:sldSz cx="12192000" cy="6858000"/>
   <p:notesSz cx="6858000" cy="9144000"/>
@@ -16266,90 +16265,6 @@
           <a:bodyPr/>
           <a:lstStyle/>
           <a:p>
-            <a:endParaRPr lang="en-GB" dirty="0"/>
-          </a:p>
-        </p:txBody>
-      </p:sp>
-      <p:sp>
-        <p:nvSpPr>
-          <p:cNvPr id="4" name="Slide Number Placeholder 3"/>
-          <p:cNvSpPr>
-            <a:spLocks noGrp="1"/>
-          </p:cNvSpPr>
-          <p:nvPr>
-            <p:ph type="sldNum" sz="quarter" idx="5"/>
-          </p:nvPr>
-        </p:nvSpPr>
-        <p:spPr/>
-        <p:txBody>
-          <a:bodyPr/>
-          <a:lstStyle/>
-          <a:p>
-            <a:fld id="{F338B0AB-549E-4F24-AF95-BCB1475A5C9F}" type="slidenum">
-              <a:rPr lang="en-GB" smtClean="0"/>
-              <a:t>2</a:t>
-            </a:fld>
-            <a:endParaRPr lang="en-GB"/>
-          </a:p>
-        </p:txBody>
-      </p:sp>
-    </p:spTree>
-    <p:extLst>
-      <p:ext uri="{BB962C8B-B14F-4D97-AF65-F5344CB8AC3E}">
-        <p14:creationId xmlns:p14="http://schemas.microsoft.com/office/powerpoint/2010/main" val="3569264515"/>
-      </p:ext>
-    </p:extLst>
-  </p:cSld>
-  <p:clrMapOvr>
-    <a:masterClrMapping/>
-  </p:clrMapOvr>
-</p:notes>
-</file>
-
-<file path=ppt/notesSlides/notesSlide3.xml><?xml version="1.0" encoding="utf-8"?>
-<p:notes xmlns:a="http://schemas.openxmlformats.org/drawingml/2006/main" xmlns:r="http://schemas.openxmlformats.org/officeDocument/2006/relationships" xmlns:p="http://schemas.openxmlformats.org/presentationml/2006/main">
-  <p:cSld>
-    <p:spTree>
-      <p:nvGrpSpPr>
-        <p:cNvPr id="1" name=""/>
-        <p:cNvGrpSpPr/>
-        <p:nvPr/>
-      </p:nvGrpSpPr>
-      <p:grpSpPr>
-        <a:xfrm>
-          <a:off x="0" y="0"/>
-          <a:ext cx="0" cy="0"/>
-          <a:chOff x="0" y="0"/>
-          <a:chExt cx="0" cy="0"/>
-        </a:xfrm>
-      </p:grpSpPr>
-      <p:sp>
-        <p:nvSpPr>
-          <p:cNvPr id="2" name="Slide Image Placeholder 1"/>
-          <p:cNvSpPr>
-            <a:spLocks noGrp="1" noRot="1" noChangeAspect="1"/>
-          </p:cNvSpPr>
-          <p:nvPr>
-            <p:ph type="sldImg"/>
-          </p:nvPr>
-        </p:nvSpPr>
-        <p:spPr/>
-      </p:sp>
-      <p:sp>
-        <p:nvSpPr>
-          <p:cNvPr id="3" name="Notes Placeholder 2"/>
-          <p:cNvSpPr>
-            <a:spLocks noGrp="1"/>
-          </p:cNvSpPr>
-          <p:nvPr>
-            <p:ph type="body" idx="1"/>
-          </p:nvPr>
-        </p:nvSpPr>
-        <p:spPr/>
-        <p:txBody>
-          <a:bodyPr/>
-          <a:lstStyle/>
-          <a:p>
             <a:r>
               <a:rPr lang="en-GB" dirty="0"/>
               <a:t>Open source intelligence. Using social media and public records available on the internet to gather as much information as possible on your target organisation. This process is usually conducted by an adversary to find information about your organisation which is publicly available, could be password dumps, misconfigured web pages, versions of systems, breached credentials. </a:t>
@@ -16434,7 +16349,7 @@
           <a:p>
             <a:fld id="{F338B0AB-549E-4F24-AF95-BCB1475A5C9F}" type="slidenum">
               <a:rPr lang="en-GB" smtClean="0"/>
-              <a:t>3</a:t>
+              <a:t>2</a:t>
             </a:fld>
             <a:endParaRPr lang="en-GB"/>
           </a:p>
@@ -16453,7 +16368,7 @@
 </p:notes>
 </file>
 
-<file path=ppt/notesSlides/notesSlide4.xml><?xml version="1.0" encoding="utf-8"?>
+<file path=ppt/notesSlides/notesSlide3.xml><?xml version="1.0" encoding="utf-8"?>
 <p:notes xmlns:a="http://schemas.openxmlformats.org/drawingml/2006/main" xmlns:r="http://schemas.openxmlformats.org/officeDocument/2006/relationships" xmlns:p="http://schemas.openxmlformats.org/presentationml/2006/main">
   <p:cSld>
     <p:spTree>
@@ -16530,7 +16445,7 @@
           <a:p>
             <a:fld id="{F338B0AB-549E-4F24-AF95-BCB1475A5C9F}" type="slidenum">
               <a:rPr lang="en-GB" smtClean="0"/>
-              <a:t>4</a:t>
+              <a:t>3</a:t>
             </a:fld>
             <a:endParaRPr lang="en-GB"/>
           </a:p>
@@ -16549,7 +16464,7 @@
 </p:notes>
 </file>
 
-<file path=ppt/notesSlides/notesSlide5.xml><?xml version="1.0" encoding="utf-8"?>
+<file path=ppt/notesSlides/notesSlide4.xml><?xml version="1.0" encoding="utf-8"?>
 <p:notes xmlns:a="http://schemas.openxmlformats.org/drawingml/2006/main" xmlns:r="http://schemas.openxmlformats.org/officeDocument/2006/relationships" xmlns:p="http://schemas.openxmlformats.org/presentationml/2006/main">
   <p:cSld>
     <p:spTree>
@@ -16614,7 +16529,7 @@
           <a:p>
             <a:fld id="{F338B0AB-549E-4F24-AF95-BCB1475A5C9F}" type="slidenum">
               <a:rPr lang="en-GB" smtClean="0"/>
-              <a:t>5</a:t>
+              <a:t>4</a:t>
             </a:fld>
             <a:endParaRPr lang="en-GB"/>
           </a:p>
@@ -16633,7 +16548,7 @@
 </p:notes>
 </file>
 
-<file path=ppt/notesSlides/notesSlide6.xml><?xml version="1.0" encoding="utf-8"?>
+<file path=ppt/notesSlides/notesSlide5.xml><?xml version="1.0" encoding="utf-8"?>
 <p:notes xmlns:a="http://schemas.openxmlformats.org/drawingml/2006/main" xmlns:r="http://schemas.openxmlformats.org/officeDocument/2006/relationships" xmlns:p="http://schemas.openxmlformats.org/presentationml/2006/main">
   <p:cSld>
     <p:spTree>
@@ -16734,7 +16649,7 @@
           <a:p>
             <a:fld id="{F338B0AB-549E-4F24-AF95-BCB1475A5C9F}" type="slidenum">
               <a:rPr lang="en-GB" smtClean="0"/>
-              <a:t>6</a:t>
+              <a:t>5</a:t>
             </a:fld>
             <a:endParaRPr lang="en-GB"/>
           </a:p>
@@ -16753,7 +16668,7 @@
 </p:notes>
 </file>
 
-<file path=ppt/notesSlides/notesSlide7.xml><?xml version="1.0" encoding="utf-8"?>
+<file path=ppt/notesSlides/notesSlide6.xml><?xml version="1.0" encoding="utf-8"?>
 <p:notes xmlns:a="http://schemas.openxmlformats.org/drawingml/2006/main" xmlns:r="http://schemas.openxmlformats.org/officeDocument/2006/relationships" xmlns:p="http://schemas.openxmlformats.org/presentationml/2006/main">
   <p:cSld>
     <p:spTree>
@@ -16821,6 +16736,90 @@
           <a:p>
             <a:fld id="{F338B0AB-549E-4F24-AF95-BCB1475A5C9F}" type="slidenum">
               <a:rPr lang="en-GB" smtClean="0"/>
+              <a:t>6</a:t>
+            </a:fld>
+            <a:endParaRPr lang="en-GB"/>
+          </a:p>
+        </p:txBody>
+      </p:sp>
+    </p:spTree>
+    <p:extLst>
+      <p:ext uri="{BB962C8B-B14F-4D97-AF65-F5344CB8AC3E}">
+        <p14:creationId xmlns:p14="http://schemas.microsoft.com/office/powerpoint/2010/main" val="3135669644"/>
+      </p:ext>
+    </p:extLst>
+  </p:cSld>
+  <p:clrMapOvr>
+    <a:masterClrMapping/>
+  </p:clrMapOvr>
+</p:notes>
+</file>
+
+<file path=ppt/notesSlides/notesSlide7.xml><?xml version="1.0" encoding="utf-8"?>
+<p:notes xmlns:a="http://schemas.openxmlformats.org/drawingml/2006/main" xmlns:r="http://schemas.openxmlformats.org/officeDocument/2006/relationships" xmlns:p="http://schemas.openxmlformats.org/presentationml/2006/main">
+  <p:cSld>
+    <p:spTree>
+      <p:nvGrpSpPr>
+        <p:cNvPr id="1" name=""/>
+        <p:cNvGrpSpPr/>
+        <p:nvPr/>
+      </p:nvGrpSpPr>
+      <p:grpSpPr>
+        <a:xfrm>
+          <a:off x="0" y="0"/>
+          <a:ext cx="0" cy="0"/>
+          <a:chOff x="0" y="0"/>
+          <a:chExt cx="0" cy="0"/>
+        </a:xfrm>
+      </p:grpSpPr>
+      <p:sp>
+        <p:nvSpPr>
+          <p:cNvPr id="2" name="Slide Image Placeholder 1"/>
+          <p:cNvSpPr>
+            <a:spLocks noGrp="1" noRot="1" noChangeAspect="1"/>
+          </p:cNvSpPr>
+          <p:nvPr>
+            <p:ph type="sldImg"/>
+          </p:nvPr>
+        </p:nvSpPr>
+        <p:spPr/>
+      </p:sp>
+      <p:sp>
+        <p:nvSpPr>
+          <p:cNvPr id="3" name="Notes Placeholder 2"/>
+          <p:cNvSpPr>
+            <a:spLocks noGrp="1"/>
+          </p:cNvSpPr>
+          <p:nvPr>
+            <p:ph type="body" idx="1"/>
+          </p:nvPr>
+        </p:nvSpPr>
+        <p:spPr/>
+        <p:txBody>
+          <a:bodyPr/>
+          <a:lstStyle/>
+          <a:p>
+            <a:endParaRPr lang="en-GB" dirty="0"/>
+          </a:p>
+        </p:txBody>
+      </p:sp>
+      <p:sp>
+        <p:nvSpPr>
+          <p:cNvPr id="4" name="Slide Number Placeholder 3"/>
+          <p:cNvSpPr>
+            <a:spLocks noGrp="1"/>
+          </p:cNvSpPr>
+          <p:nvPr>
+            <p:ph type="sldNum" sz="quarter" idx="5"/>
+          </p:nvPr>
+        </p:nvSpPr>
+        <p:spPr/>
+        <p:txBody>
+          <a:bodyPr/>
+          <a:lstStyle/>
+          <a:p>
+            <a:fld id="{F338B0AB-549E-4F24-AF95-BCB1475A5C9F}" type="slidenum">
+              <a:rPr lang="en-GB" smtClean="0"/>
               <a:t>7</a:t>
             </a:fld>
             <a:endParaRPr lang="en-GB"/>
@@ -16830,7 +16829,7 @@
     </p:spTree>
     <p:extLst>
       <p:ext uri="{BB962C8B-B14F-4D97-AF65-F5344CB8AC3E}">
-        <p14:creationId xmlns:p14="http://schemas.microsoft.com/office/powerpoint/2010/main" val="3135669644"/>
+        <p14:creationId xmlns:p14="http://schemas.microsoft.com/office/powerpoint/2010/main" val="2361376114"/>
       </p:ext>
     </p:extLst>
   </p:cSld>
@@ -16906,90 +16905,6 @@
             <a:fld id="{F338B0AB-549E-4F24-AF95-BCB1475A5C9F}" type="slidenum">
               <a:rPr lang="en-GB" smtClean="0"/>
               <a:t>8</a:t>
-            </a:fld>
-            <a:endParaRPr lang="en-GB"/>
-          </a:p>
-        </p:txBody>
-      </p:sp>
-    </p:spTree>
-    <p:extLst>
-      <p:ext uri="{BB962C8B-B14F-4D97-AF65-F5344CB8AC3E}">
-        <p14:creationId xmlns:p14="http://schemas.microsoft.com/office/powerpoint/2010/main" val="2361376114"/>
-      </p:ext>
-    </p:extLst>
-  </p:cSld>
-  <p:clrMapOvr>
-    <a:masterClrMapping/>
-  </p:clrMapOvr>
-</p:notes>
-</file>
-
-<file path=ppt/notesSlides/notesSlide9.xml><?xml version="1.0" encoding="utf-8"?>
-<p:notes xmlns:a="http://schemas.openxmlformats.org/drawingml/2006/main" xmlns:r="http://schemas.openxmlformats.org/officeDocument/2006/relationships" xmlns:p="http://schemas.openxmlformats.org/presentationml/2006/main">
-  <p:cSld>
-    <p:spTree>
-      <p:nvGrpSpPr>
-        <p:cNvPr id="1" name=""/>
-        <p:cNvGrpSpPr/>
-        <p:nvPr/>
-      </p:nvGrpSpPr>
-      <p:grpSpPr>
-        <a:xfrm>
-          <a:off x="0" y="0"/>
-          <a:ext cx="0" cy="0"/>
-          <a:chOff x="0" y="0"/>
-          <a:chExt cx="0" cy="0"/>
-        </a:xfrm>
-      </p:grpSpPr>
-      <p:sp>
-        <p:nvSpPr>
-          <p:cNvPr id="2" name="Slide Image Placeholder 1"/>
-          <p:cNvSpPr>
-            <a:spLocks noGrp="1" noRot="1" noChangeAspect="1"/>
-          </p:cNvSpPr>
-          <p:nvPr>
-            <p:ph type="sldImg"/>
-          </p:nvPr>
-        </p:nvSpPr>
-        <p:spPr/>
-      </p:sp>
-      <p:sp>
-        <p:nvSpPr>
-          <p:cNvPr id="3" name="Notes Placeholder 2"/>
-          <p:cNvSpPr>
-            <a:spLocks noGrp="1"/>
-          </p:cNvSpPr>
-          <p:nvPr>
-            <p:ph type="body" idx="1"/>
-          </p:nvPr>
-        </p:nvSpPr>
-        <p:spPr/>
-        <p:txBody>
-          <a:bodyPr/>
-          <a:lstStyle/>
-          <a:p>
-            <a:endParaRPr lang="en-GB" dirty="0"/>
-          </a:p>
-        </p:txBody>
-      </p:sp>
-      <p:sp>
-        <p:nvSpPr>
-          <p:cNvPr id="4" name="Slide Number Placeholder 3"/>
-          <p:cNvSpPr>
-            <a:spLocks noGrp="1"/>
-          </p:cNvSpPr>
-          <p:nvPr>
-            <p:ph type="sldNum" sz="quarter" idx="5"/>
-          </p:nvPr>
-        </p:nvSpPr>
-        <p:spPr/>
-        <p:txBody>
-          <a:bodyPr/>
-          <a:lstStyle/>
-          <a:p>
-            <a:fld id="{F338B0AB-549E-4F24-AF95-BCB1475A5C9F}" type="slidenum">
-              <a:rPr lang="en-GB" smtClean="0"/>
-              <a:t>9</a:t>
             </a:fld>
             <a:endParaRPr lang="en-GB"/>
           </a:p>
@@ -20959,865 +20874,7 @@
 </p:sld>
 </file>
 
-<file path=ppt/slides/slide10.xml><?xml version="1.0" encoding="utf-8"?>
-<p:sld xmlns:a="http://schemas.openxmlformats.org/drawingml/2006/main" xmlns:r="http://schemas.openxmlformats.org/officeDocument/2006/relationships" xmlns:p="http://schemas.openxmlformats.org/presentationml/2006/main">
-  <p:cSld>
-    <p:bg>
-      <p:bgPr>
-        <a:solidFill>
-          <a:schemeClr val="bg1"/>
-        </a:solidFill>
-        <a:effectLst/>
-      </p:bgPr>
-    </p:bg>
-    <p:spTree>
-      <p:nvGrpSpPr>
-        <p:cNvPr id="1" name=""/>
-        <p:cNvGrpSpPr/>
-        <p:nvPr/>
-      </p:nvGrpSpPr>
-      <p:grpSpPr>
-        <a:xfrm>
-          <a:off x="0" y="0"/>
-          <a:ext cx="0" cy="0"/>
-          <a:chOff x="0" y="0"/>
-          <a:chExt cx="0" cy="0"/>
-        </a:xfrm>
-      </p:grpSpPr>
-      <p:sp>
-        <p:nvSpPr>
-          <p:cNvPr id="10" name="Rectangle 9">
-            <a:extLst>
-              <a:ext uri="{FF2B5EF4-FFF2-40B4-BE49-F238E27FC236}">
-                <a16:creationId xmlns:a16="http://schemas.microsoft.com/office/drawing/2014/main" id="{7905BA41-EE6E-4F80-8636-447F22DD729A}"/>
-              </a:ext>
-              <a:ext uri="{C183D7F6-B498-43B3-948B-1728B52AA6E4}">
-                <adec:decorative xmlns:adec="http://schemas.microsoft.com/office/drawing/2017/decorative" val="1"/>
-              </a:ext>
-            </a:extLst>
-          </p:cNvPr>
-          <p:cNvSpPr>
-            <a:spLocks noGrp="1" noRot="1" noChangeAspect="1" noMove="1" noResize="1" noEditPoints="1" noAdjustHandles="1" noChangeArrowheads="1" noChangeShapeType="1" noTextEdit="1"/>
-          </p:cNvSpPr>
-          <p:nvPr>
-            <p:extLst>
-              <p:ext uri="{386F3935-93C4-4BCD-93E2-E3B085C9AB24}">
-                <p16:designElem xmlns:p16="http://schemas.microsoft.com/office/powerpoint/2015/main" val="1"/>
-              </p:ext>
-            </p:extLst>
-          </p:nvPr>
-        </p:nvSpPr>
-        <p:spPr>
-          <a:xfrm>
-            <a:off x="0" y="0"/>
-            <a:ext cx="12192000" cy="6858000"/>
-          </a:xfrm>
-          <a:prstGeom prst="rect">
-            <a:avLst/>
-          </a:prstGeom>
-          <a:solidFill>
-            <a:schemeClr val="accent1"/>
-          </a:solidFill>
-          <a:ln>
-            <a:noFill/>
-          </a:ln>
-        </p:spPr>
-        <p:style>
-          <a:lnRef idx="2">
-            <a:schemeClr val="accent1">
-              <a:shade val="50000"/>
-            </a:schemeClr>
-          </a:lnRef>
-          <a:fillRef idx="1">
-            <a:schemeClr val="accent1"/>
-          </a:fillRef>
-          <a:effectRef idx="0">
-            <a:schemeClr val="accent1"/>
-          </a:effectRef>
-          <a:fontRef idx="minor">
-            <a:schemeClr val="lt1"/>
-          </a:fontRef>
-        </p:style>
-        <p:txBody>
-          <a:bodyPr rtlCol="0" anchor="ctr"/>
-          <a:lstStyle/>
-          <a:p>
-            <a:pPr marL="0" marR="0" lvl="0" indent="0" algn="ctr" defTabSz="914400" rtl="0" eaLnBrk="1" fontAlgn="auto" latinLnBrk="0" hangingPunct="1">
-              <a:lnSpc>
-                <a:spcPct val="100000"/>
-              </a:lnSpc>
-              <a:spcBef>
-                <a:spcPts val="0"/>
-              </a:spcBef>
-              <a:spcAft>
-                <a:spcPts val="0"/>
-              </a:spcAft>
-              <a:buClrTx/>
-              <a:buSzTx/>
-              <a:buFontTx/>
-              <a:buNone/>
-              <a:tabLst/>
-              <a:defRPr/>
-            </a:pPr>
-            <a:endParaRPr kumimoji="0" lang="en-US" sz="1800" b="0" i="0" u="none" strike="noStrike" kern="1200" cap="none" spc="0" normalizeH="0" baseline="0" noProof="0">
-              <a:ln>
-                <a:noFill/>
-              </a:ln>
-              <a:solidFill>
-                <a:prstClr val="white"/>
-              </a:solidFill>
-              <a:effectLst/>
-              <a:uLnTx/>
-              <a:uFillTx/>
-              <a:latin typeface="Calibri" panose="020F0502020204030204"/>
-              <a:ea typeface="+mn-ea"/>
-              <a:cs typeface="+mn-cs"/>
-            </a:endParaRPr>
-          </a:p>
-        </p:txBody>
-      </p:sp>
-      <p:sp>
-        <p:nvSpPr>
-          <p:cNvPr id="2" name="Title 1">
-            <a:extLst>
-              <a:ext uri="{FF2B5EF4-FFF2-40B4-BE49-F238E27FC236}">
-                <a16:creationId xmlns:a16="http://schemas.microsoft.com/office/drawing/2014/main" id="{5553616B-457D-4398-AB11-6167DB40EA62}"/>
-              </a:ext>
-            </a:extLst>
-          </p:cNvPr>
-          <p:cNvSpPr>
-            <a:spLocks noGrp="1"/>
-          </p:cNvSpPr>
-          <p:nvPr>
-            <p:ph type="title"/>
-          </p:nvPr>
-        </p:nvSpPr>
-        <p:spPr>
-          <a:xfrm>
-            <a:off x="1848465" y="3298722"/>
-            <a:ext cx="8495070" cy="1784402"/>
-          </a:xfrm>
-        </p:spPr>
-        <p:txBody>
-          <a:bodyPr vert="horz" lIns="91440" tIns="45720" rIns="91440" bIns="45720" rtlCol="0" anchor="b">
-            <a:normAutofit/>
-          </a:bodyPr>
-          <a:lstStyle/>
-          <a:p>
-            <a:pPr algn="ctr"/>
-            <a:r>
-              <a:rPr lang="en-US" sz="6000" kern="1200" dirty="0">
-                <a:solidFill>
-                  <a:srgbClr val="FFFFFF"/>
-                </a:solidFill>
-                <a:latin typeface="+mj-lt"/>
-                <a:ea typeface="+mj-ea"/>
-                <a:cs typeface="+mj-cs"/>
-              </a:rPr>
-              <a:t>Thank you</a:t>
-            </a:r>
-          </a:p>
-        </p:txBody>
-      </p:sp>
-      <p:sp>
-        <p:nvSpPr>
-          <p:cNvPr id="12" name="Oval 11">
-            <a:extLst>
-              <a:ext uri="{FF2B5EF4-FFF2-40B4-BE49-F238E27FC236}">
-                <a16:creationId xmlns:a16="http://schemas.microsoft.com/office/drawing/2014/main" id="{CD7549B2-EE05-4558-8C64-AC46755F2B25}"/>
-              </a:ext>
-              <a:ext uri="{C183D7F6-B498-43B3-948B-1728B52AA6E4}">
-                <adec:decorative xmlns:adec="http://schemas.microsoft.com/office/drawing/2017/decorative" val="1"/>
-              </a:ext>
-            </a:extLst>
-          </p:cNvPr>
-          <p:cNvSpPr>
-            <a:spLocks noGrp="1" noRot="1" noChangeAspect="1" noMove="1" noResize="1" noEditPoints="1" noAdjustHandles="1" noChangeArrowheads="1" noChangeShapeType="1" noTextEdit="1"/>
-          </p:cNvSpPr>
-          <p:nvPr>
-            <p:extLst>
-              <p:ext uri="{386F3935-93C4-4BCD-93E2-E3B085C9AB24}">
-                <p16:designElem xmlns:p16="http://schemas.microsoft.com/office/powerpoint/2015/main" val="1"/>
-              </p:ext>
-            </p:extLst>
-          </p:nvPr>
-        </p:nvSpPr>
-        <p:spPr>
-          <a:xfrm>
-            <a:off x="5025914" y="889251"/>
-            <a:ext cx="2140172" cy="2140172"/>
-          </a:xfrm>
-          <a:prstGeom prst="ellipse">
-            <a:avLst/>
-          </a:prstGeom>
-          <a:solidFill>
-            <a:srgbClr val="FFFFFF"/>
-          </a:solidFill>
-          <a:ln w="19050">
-            <a:solidFill>
-              <a:schemeClr val="accent1"/>
-            </a:solidFill>
-          </a:ln>
-        </p:spPr>
-        <p:style>
-          <a:lnRef idx="2">
-            <a:schemeClr val="accent1">
-              <a:shade val="50000"/>
-            </a:schemeClr>
-          </a:lnRef>
-          <a:fillRef idx="1">
-            <a:schemeClr val="accent1"/>
-          </a:fillRef>
-          <a:effectRef idx="0">
-            <a:schemeClr val="accent1"/>
-          </a:effectRef>
-          <a:fontRef idx="minor">
-            <a:schemeClr val="lt1"/>
-          </a:fontRef>
-        </p:style>
-        <p:txBody>
-          <a:bodyPr rtlCol="0" anchor="ctr"/>
-          <a:lstStyle/>
-          <a:p>
-            <a:pPr marL="0" marR="0" lvl="0" indent="0" algn="ctr" defTabSz="914400" rtl="0" eaLnBrk="1" fontAlgn="auto" latinLnBrk="0" hangingPunct="1">
-              <a:lnSpc>
-                <a:spcPct val="100000"/>
-              </a:lnSpc>
-              <a:spcBef>
-                <a:spcPts val="0"/>
-              </a:spcBef>
-              <a:spcAft>
-                <a:spcPts val="0"/>
-              </a:spcAft>
-              <a:buClrTx/>
-              <a:buSzTx/>
-              <a:buFontTx/>
-              <a:buNone/>
-              <a:tabLst/>
-              <a:defRPr/>
-            </a:pPr>
-            <a:endParaRPr kumimoji="0" lang="en-US" sz="1800" b="0" i="0" u="none" strike="noStrike" kern="1200" cap="none" spc="0" normalizeH="0" baseline="0" noProof="0">
-              <a:ln>
-                <a:noFill/>
-              </a:ln>
-              <a:solidFill>
-                <a:prstClr val="white"/>
-              </a:solidFill>
-              <a:effectLst/>
-              <a:uLnTx/>
-              <a:uFillTx/>
-              <a:latin typeface="Calibri" panose="020F0502020204030204"/>
-              <a:ea typeface="+mn-ea"/>
-              <a:cs typeface="+mn-cs"/>
-            </a:endParaRPr>
-          </a:p>
-        </p:txBody>
-      </p:sp>
-      <p:pic>
-        <p:nvPicPr>
-          <p:cNvPr id="21" name="Graphic 6" descr="Smiling Face with No Fill">
-            <a:extLst>
-              <a:ext uri="{FF2B5EF4-FFF2-40B4-BE49-F238E27FC236}">
-                <a16:creationId xmlns:a16="http://schemas.microsoft.com/office/drawing/2014/main" id="{3F4BACD9-6B50-44B9-98A9-09137A485B4F}"/>
-              </a:ext>
-            </a:extLst>
-          </p:cNvPr>
-          <p:cNvPicPr>
-            <a:picLocks noChangeAspect="1"/>
-          </p:cNvPicPr>
-          <p:nvPr/>
-        </p:nvPicPr>
-        <p:blipFill>
-          <a:blip r:embed="rId2">
-            <a:extLst>
-              <a:ext uri="{28A0092B-C50C-407E-A947-70E740481C1C}">
-                <a14:useLocalDpi xmlns:a14="http://schemas.microsoft.com/office/drawing/2010/main" val="0"/>
-              </a:ext>
-              <a:ext uri="{96DAC541-7B7A-43D3-8B79-37D633B846F1}">
-                <asvg:svgBlip xmlns:asvg="http://schemas.microsoft.com/office/drawing/2016/SVG/main" r:embed="rId3"/>
-              </a:ext>
-            </a:extLst>
-          </a:blip>
-          <a:stretch>
-            <a:fillRect/>
-          </a:stretch>
-        </p:blipFill>
-        <p:spPr>
-          <a:xfrm>
-            <a:off x="5508264" y="1371601"/>
-            <a:ext cx="1175474" cy="1175474"/>
-          </a:xfrm>
-          <a:prstGeom prst="rect">
-            <a:avLst/>
-          </a:prstGeom>
-        </p:spPr>
-      </p:pic>
-    </p:spTree>
-    <p:extLst>
-      <p:ext uri="{BB962C8B-B14F-4D97-AF65-F5344CB8AC3E}">
-        <p14:creationId xmlns:p14="http://schemas.microsoft.com/office/powerpoint/2010/main" val="2282911968"/>
-      </p:ext>
-    </p:extLst>
-  </p:cSld>
-  <p:clrMapOvr>
-    <a:masterClrMapping/>
-  </p:clrMapOvr>
-</p:sld>
-</file>
-
 <file path=ppt/slides/slide2.xml><?xml version="1.0" encoding="utf-8"?>
-<p:sld xmlns:a="http://schemas.openxmlformats.org/drawingml/2006/main" xmlns:r="http://schemas.openxmlformats.org/officeDocument/2006/relationships" xmlns:p="http://schemas.openxmlformats.org/presentationml/2006/main">
-  <p:cSld>
-    <p:bg>
-      <p:bgPr>
-        <a:solidFill>
-          <a:schemeClr val="bg1"/>
-        </a:solidFill>
-        <a:effectLst/>
-      </p:bgPr>
-    </p:bg>
-    <p:spTree>
-      <p:nvGrpSpPr>
-        <p:cNvPr id="1" name=""/>
-        <p:cNvGrpSpPr/>
-        <p:nvPr/>
-      </p:nvGrpSpPr>
-      <p:grpSpPr>
-        <a:xfrm>
-          <a:off x="0" y="0"/>
-          <a:ext cx="0" cy="0"/>
-          <a:chOff x="0" y="0"/>
-          <a:chExt cx="0" cy="0"/>
-        </a:xfrm>
-      </p:grpSpPr>
-      <p:sp useBgFill="1">
-        <p:nvSpPr>
-          <p:cNvPr id="21" name="Rectangle 20">
-            <a:extLst>
-              <a:ext uri="{FF2B5EF4-FFF2-40B4-BE49-F238E27FC236}">
-                <a16:creationId xmlns:a16="http://schemas.microsoft.com/office/drawing/2014/main" id="{1B15ED52-F352-441B-82BF-E0EA34836D08}"/>
-              </a:ext>
-              <a:ext uri="{C183D7F6-B498-43B3-948B-1728B52AA6E4}">
-                <adec:decorative xmlns:adec="http://schemas.microsoft.com/office/drawing/2017/decorative" val="1"/>
-              </a:ext>
-            </a:extLst>
-          </p:cNvPr>
-          <p:cNvSpPr>
-            <a:spLocks noGrp="1" noRot="1" noChangeAspect="1" noMove="1" noResize="1" noEditPoints="1" noAdjustHandles="1" noChangeArrowheads="1" noChangeShapeType="1" noTextEdit="1"/>
-          </p:cNvSpPr>
-          <p:nvPr>
-            <p:extLst>
-              <p:ext uri="{386F3935-93C4-4BCD-93E2-E3B085C9AB24}">
-                <p16:designElem xmlns:p16="http://schemas.microsoft.com/office/powerpoint/2015/main" val="1"/>
-              </p:ext>
-            </p:extLst>
-          </p:nvPr>
-        </p:nvSpPr>
-        <p:spPr>
-          <a:xfrm>
-            <a:off x="0" y="0"/>
-            <a:ext cx="12192000" cy="6858000"/>
-          </a:xfrm>
-          <a:prstGeom prst="rect">
-            <a:avLst/>
-          </a:prstGeom>
-          <a:ln w="12700" cap="flat" cmpd="sng" algn="ctr">
-            <a:noFill/>
-            <a:prstDash val="solid"/>
-            <a:miter lim="800000"/>
-          </a:ln>
-          <a:effectLst/>
-          <a:extLst>
-            <a:ext uri="{91240B29-F687-4F45-9708-019B960494DF}">
-              <a14:hiddenLine xmlns:a14="http://schemas.microsoft.com/office/drawing/2010/main" w="12700" cap="flat" cmpd="sng" algn="ctr">
-                <a:solidFill>
-                  <a:schemeClr val="accent1">
-                    <a:shade val="50000"/>
-                  </a:schemeClr>
-                </a:solidFill>
-                <a:prstDash val="solid"/>
-                <a:miter lim="800000"/>
-              </a14:hiddenLine>
-            </a:ext>
-          </a:extLst>
-        </p:spPr>
-        <p:style>
-          <a:lnRef idx="2">
-            <a:schemeClr val="accent1">
-              <a:shade val="50000"/>
-            </a:schemeClr>
-          </a:lnRef>
-          <a:fillRef idx="1">
-            <a:schemeClr val="accent1"/>
-          </a:fillRef>
-          <a:effectRef idx="0">
-            <a:schemeClr val="accent1"/>
-          </a:effectRef>
-          <a:fontRef idx="minor">
-            <a:schemeClr val="lt1"/>
-          </a:fontRef>
-        </p:style>
-        <p:txBody>
-          <a:bodyPr rtlCol="0" anchor="ctr"/>
-          <a:lstStyle/>
-          <a:p>
-            <a:pPr algn="ctr"/>
-            <a:endParaRPr lang="en-US"/>
-          </a:p>
-        </p:txBody>
-      </p:sp>
-      <p:sp>
-        <p:nvSpPr>
-          <p:cNvPr id="23" name="Rectangle 22">
-            <a:extLst>
-              <a:ext uri="{FF2B5EF4-FFF2-40B4-BE49-F238E27FC236}">
-                <a16:creationId xmlns:a16="http://schemas.microsoft.com/office/drawing/2014/main" id="{3B2E3793-BFE6-45A2-9B7B-E18844431C99}"/>
-              </a:ext>
-              <a:ext uri="{C183D7F6-B498-43B3-948B-1728B52AA6E4}">
-                <adec:decorative xmlns:adec="http://schemas.microsoft.com/office/drawing/2017/decorative" val="1"/>
-              </a:ext>
-            </a:extLst>
-          </p:cNvPr>
-          <p:cNvSpPr>
-            <a:spLocks noGrp="1" noRot="1" noChangeAspect="1" noMove="1" noResize="1" noEditPoints="1" noAdjustHandles="1" noChangeArrowheads="1" noChangeShapeType="1" noTextEdit="1"/>
-          </p:cNvSpPr>
-          <p:nvPr>
-            <p:extLst>
-              <p:ext uri="{386F3935-93C4-4BCD-93E2-E3B085C9AB24}">
-                <p16:designElem xmlns:p16="http://schemas.microsoft.com/office/powerpoint/2015/main" val="1"/>
-              </p:ext>
-            </p:extLst>
-          </p:nvPr>
-        </p:nvSpPr>
-        <p:spPr>
-          <a:xfrm flipH="1">
-            <a:off x="-1" y="-1"/>
-            <a:ext cx="12191998" cy="1590742"/>
-          </a:xfrm>
-          <a:prstGeom prst="rect">
-            <a:avLst/>
-          </a:prstGeom>
-          <a:gradFill>
-            <a:gsLst>
-              <a:gs pos="0">
-                <a:srgbClr val="000000"/>
-              </a:gs>
-              <a:gs pos="100000">
-                <a:schemeClr val="accent1">
-                  <a:lumMod val="75000"/>
-                </a:schemeClr>
-              </a:gs>
-            </a:gsLst>
-            <a:lin ang="8400000" scaled="0"/>
-          </a:gradFill>
-          <a:ln>
-            <a:noFill/>
-          </a:ln>
-        </p:spPr>
-        <p:style>
-          <a:lnRef idx="2">
-            <a:schemeClr val="accent1">
-              <a:shade val="50000"/>
-            </a:schemeClr>
-          </a:lnRef>
-          <a:fillRef idx="1">
-            <a:schemeClr val="accent1"/>
-          </a:fillRef>
-          <a:effectRef idx="0">
-            <a:schemeClr val="accent1"/>
-          </a:effectRef>
-          <a:fontRef idx="minor">
-            <a:schemeClr val="lt1"/>
-          </a:fontRef>
-        </p:style>
-        <p:txBody>
-          <a:bodyPr rtlCol="0" anchor="ctr"/>
-          <a:lstStyle/>
-          <a:p>
-            <a:pPr algn="ctr"/>
-            <a:endParaRPr lang="en-US"/>
-          </a:p>
-        </p:txBody>
-      </p:sp>
-      <p:sp>
-        <p:nvSpPr>
-          <p:cNvPr id="25" name="Rectangle 24">
-            <a:extLst>
-              <a:ext uri="{FF2B5EF4-FFF2-40B4-BE49-F238E27FC236}">
-                <a16:creationId xmlns:a16="http://schemas.microsoft.com/office/drawing/2014/main" id="{BC4C4868-CB8F-4AF9-9CDB-8108F2C19B67}"/>
-              </a:ext>
-              <a:ext uri="{C183D7F6-B498-43B3-948B-1728B52AA6E4}">
-                <adec:decorative xmlns:adec="http://schemas.microsoft.com/office/drawing/2017/decorative" val="1"/>
-              </a:ext>
-            </a:extLst>
-          </p:cNvPr>
-          <p:cNvSpPr>
-            <a:spLocks noGrp="1" noRot="1" noChangeAspect="1" noMove="1" noResize="1" noEditPoints="1" noAdjustHandles="1" noChangeArrowheads="1" noChangeShapeType="1" noTextEdit="1"/>
-          </p:cNvSpPr>
-          <p:nvPr>
-            <p:extLst>
-              <p:ext uri="{386F3935-93C4-4BCD-93E2-E3B085C9AB24}">
-                <p16:designElem xmlns:p16="http://schemas.microsoft.com/office/powerpoint/2015/main" val="1"/>
-              </p:ext>
-            </p:extLst>
-          </p:nvPr>
-        </p:nvSpPr>
-        <p:spPr>
-          <a:xfrm rot="10800000" flipH="1">
-            <a:off x="-3" y="0"/>
-            <a:ext cx="8115306" cy="1590742"/>
-          </a:xfrm>
-          <a:prstGeom prst="rect">
-            <a:avLst/>
-          </a:prstGeom>
-          <a:gradFill>
-            <a:gsLst>
-              <a:gs pos="20000">
-                <a:schemeClr val="accent1">
-                  <a:alpha val="0"/>
-                </a:schemeClr>
-              </a:gs>
-              <a:gs pos="100000">
-                <a:schemeClr val="accent1">
-                  <a:lumMod val="50000"/>
-                  <a:alpha val="55000"/>
-                </a:schemeClr>
-              </a:gs>
-            </a:gsLst>
-            <a:lin ang="13800000" scaled="0"/>
-          </a:gradFill>
-          <a:ln>
-            <a:noFill/>
-          </a:ln>
-        </p:spPr>
-        <p:style>
-          <a:lnRef idx="2">
-            <a:schemeClr val="accent1">
-              <a:shade val="50000"/>
-            </a:schemeClr>
-          </a:lnRef>
-          <a:fillRef idx="1">
-            <a:schemeClr val="accent1"/>
-          </a:fillRef>
-          <a:effectRef idx="0">
-            <a:schemeClr val="accent1"/>
-          </a:effectRef>
-          <a:fontRef idx="minor">
-            <a:schemeClr val="lt1"/>
-          </a:fontRef>
-        </p:style>
-        <p:txBody>
-          <a:bodyPr rtlCol="0" anchor="ctr"/>
-          <a:lstStyle/>
-          <a:p>
-            <a:pPr algn="ctr"/>
-            <a:endParaRPr lang="en-US"/>
-          </a:p>
-        </p:txBody>
-      </p:sp>
-      <p:sp>
-        <p:nvSpPr>
-          <p:cNvPr id="27" name="Rectangle 26">
-            <a:extLst>
-              <a:ext uri="{FF2B5EF4-FFF2-40B4-BE49-F238E27FC236}">
-                <a16:creationId xmlns:a16="http://schemas.microsoft.com/office/drawing/2014/main" id="{375E0459-6403-40CD-989D-56A4407CA12E}"/>
-              </a:ext>
-              <a:ext uri="{C183D7F6-B498-43B3-948B-1728B52AA6E4}">
-                <adec:decorative xmlns:adec="http://schemas.microsoft.com/office/drawing/2017/decorative" val="1"/>
-              </a:ext>
-            </a:extLst>
-          </p:cNvPr>
-          <p:cNvSpPr>
-            <a:spLocks noGrp="1" noRot="1" noChangeAspect="1" noMove="1" noResize="1" noEditPoints="1" noAdjustHandles="1" noChangeArrowheads="1" noChangeShapeType="1" noTextEdit="1"/>
-          </p:cNvSpPr>
-          <p:nvPr>
-            <p:extLst>
-              <p:ext uri="{386F3935-93C4-4BCD-93E2-E3B085C9AB24}">
-                <p16:designElem xmlns:p16="http://schemas.microsoft.com/office/powerpoint/2015/main" val="1"/>
-              </p:ext>
-            </p:extLst>
-          </p:nvPr>
-        </p:nvSpPr>
-        <p:spPr>
-          <a:xfrm flipH="1">
-            <a:off x="8115299" y="-1"/>
-            <a:ext cx="4076698" cy="1590742"/>
-          </a:xfrm>
-          <a:prstGeom prst="rect">
-            <a:avLst/>
-          </a:prstGeom>
-          <a:gradFill>
-            <a:gsLst>
-              <a:gs pos="0">
-                <a:schemeClr val="accent1">
-                  <a:alpha val="66000"/>
-                </a:schemeClr>
-              </a:gs>
-              <a:gs pos="100000">
-                <a:srgbClr val="000000">
-                  <a:alpha val="30000"/>
-                </a:srgbClr>
-              </a:gs>
-            </a:gsLst>
-            <a:lin ang="13200000" scaled="0"/>
-          </a:gradFill>
-          <a:ln>
-            <a:noFill/>
-          </a:ln>
-        </p:spPr>
-        <p:style>
-          <a:lnRef idx="2">
-            <a:schemeClr val="accent1">
-              <a:shade val="50000"/>
-            </a:schemeClr>
-          </a:lnRef>
-          <a:fillRef idx="1">
-            <a:schemeClr val="accent1"/>
-          </a:fillRef>
-          <a:effectRef idx="0">
-            <a:schemeClr val="accent1"/>
-          </a:effectRef>
-          <a:fontRef idx="minor">
-            <a:schemeClr val="lt1"/>
-          </a:fontRef>
-        </p:style>
-        <p:txBody>
-          <a:bodyPr rtlCol="0" anchor="ctr"/>
-          <a:lstStyle/>
-          <a:p>
-            <a:pPr algn="ctr"/>
-            <a:endParaRPr lang="en-US"/>
-          </a:p>
-        </p:txBody>
-      </p:sp>
-      <p:sp>
-        <p:nvSpPr>
-          <p:cNvPr id="29" name="Rectangle 28">
-            <a:extLst>
-              <a:ext uri="{FF2B5EF4-FFF2-40B4-BE49-F238E27FC236}">
-                <a16:creationId xmlns:a16="http://schemas.microsoft.com/office/drawing/2014/main" id="{53E5B1A8-3AC9-4BD1-9BBC-78CA94F2D1BA}"/>
-              </a:ext>
-              <a:ext uri="{C183D7F6-B498-43B3-948B-1728B52AA6E4}">
-                <adec:decorative xmlns:adec="http://schemas.microsoft.com/office/drawing/2017/decorative" val="1"/>
-              </a:ext>
-            </a:extLst>
-          </p:cNvPr>
-          <p:cNvSpPr>
-            <a:spLocks noGrp="1" noRot="1" noChangeAspect="1" noMove="1" noResize="1" noEditPoints="1" noAdjustHandles="1" noChangeArrowheads="1" noChangeShapeType="1" noTextEdit="1"/>
-          </p:cNvSpPr>
-          <p:nvPr>
-            <p:extLst>
-              <p:ext uri="{386F3935-93C4-4BCD-93E2-E3B085C9AB24}">
-                <p16:designElem xmlns:p16="http://schemas.microsoft.com/office/powerpoint/2015/main" val="1"/>
-              </p:ext>
-            </p:extLst>
-          </p:nvPr>
-        </p:nvSpPr>
-        <p:spPr>
-          <a:xfrm>
-            <a:off x="459350" y="-1"/>
-            <a:ext cx="11732646" cy="1597433"/>
-          </a:xfrm>
-          <a:prstGeom prst="rect">
-            <a:avLst/>
-          </a:prstGeom>
-          <a:gradFill>
-            <a:gsLst>
-              <a:gs pos="50000">
-                <a:srgbClr val="000000">
-                  <a:alpha val="0"/>
-                </a:srgbClr>
-              </a:gs>
-              <a:gs pos="99000">
-                <a:schemeClr val="accent1">
-                  <a:lumMod val="50000"/>
-                  <a:alpha val="52000"/>
-                </a:schemeClr>
-              </a:gs>
-            </a:gsLst>
-            <a:lin ang="16800000" scaled="0"/>
-          </a:gradFill>
-          <a:ln>
-            <a:noFill/>
-          </a:ln>
-        </p:spPr>
-        <p:style>
-          <a:lnRef idx="2">
-            <a:schemeClr val="accent1">
-              <a:shade val="50000"/>
-            </a:schemeClr>
-          </a:lnRef>
-          <a:fillRef idx="1">
-            <a:schemeClr val="accent1"/>
-          </a:fillRef>
-          <a:effectRef idx="0">
-            <a:schemeClr val="accent1"/>
-          </a:effectRef>
-          <a:fontRef idx="minor">
-            <a:schemeClr val="lt1"/>
-          </a:fontRef>
-        </p:style>
-        <p:txBody>
-          <a:bodyPr rtlCol="0" anchor="ctr"/>
-          <a:lstStyle/>
-          <a:p>
-            <a:pPr algn="ctr"/>
-            <a:endParaRPr lang="en-US"/>
-          </a:p>
-        </p:txBody>
-      </p:sp>
-      <p:sp>
-        <p:nvSpPr>
-          <p:cNvPr id="2" name="Title 1">
-            <a:extLst>
-              <a:ext uri="{FF2B5EF4-FFF2-40B4-BE49-F238E27FC236}">
-                <a16:creationId xmlns:a16="http://schemas.microsoft.com/office/drawing/2014/main" id="{0884ADE1-D752-4E97-8514-25AE131AC621}"/>
-              </a:ext>
-            </a:extLst>
-          </p:cNvPr>
-          <p:cNvSpPr>
-            <a:spLocks noGrp="1"/>
-          </p:cNvSpPr>
-          <p:nvPr>
-            <p:ph type="title"/>
-          </p:nvPr>
-        </p:nvSpPr>
-        <p:spPr>
-          <a:xfrm>
-            <a:off x="1371599" y="294538"/>
-            <a:ext cx="9895951" cy="1033669"/>
-          </a:xfrm>
-        </p:spPr>
-        <p:txBody>
-          <a:bodyPr>
-            <a:normAutofit/>
-          </a:bodyPr>
-          <a:lstStyle/>
-          <a:p>
-            <a:pPr algn="ctr"/>
-            <a:r>
-              <a:rPr lang="en-GB" sz="4000">
-                <a:solidFill>
-                  <a:srgbClr val="FFFFFF"/>
-                </a:solidFill>
-              </a:rPr>
-              <a:t>About me</a:t>
-            </a:r>
-            <a:endParaRPr lang="en-GB" sz="4000" dirty="0">
-              <a:solidFill>
-                <a:srgbClr val="FFFFFF"/>
-              </a:solidFill>
-            </a:endParaRPr>
-          </a:p>
-        </p:txBody>
-      </p:sp>
-      <p:sp>
-        <p:nvSpPr>
-          <p:cNvPr id="3" name="Content Placeholder 2">
-            <a:extLst>
-              <a:ext uri="{FF2B5EF4-FFF2-40B4-BE49-F238E27FC236}">
-                <a16:creationId xmlns:a16="http://schemas.microsoft.com/office/drawing/2014/main" id="{0C5EA468-0A1B-4E14-ADAC-5F2527C764FB}"/>
-              </a:ext>
-            </a:extLst>
-          </p:cNvPr>
-          <p:cNvSpPr>
-            <a:spLocks noGrp="1"/>
-          </p:cNvSpPr>
-          <p:nvPr>
-            <p:ph idx="1"/>
-          </p:nvPr>
-        </p:nvSpPr>
-        <p:spPr>
-          <a:xfrm>
-            <a:off x="1371599" y="2318197"/>
-            <a:ext cx="9724031" cy="3683358"/>
-          </a:xfrm>
-        </p:spPr>
-        <p:txBody>
-          <a:bodyPr anchor="ctr">
-            <a:noAutofit/>
-          </a:bodyPr>
-          <a:lstStyle/>
-          <a:p>
-            <a:pPr algn="ctr"/>
-            <a:r>
-              <a:rPr lang="en-GB" sz="2000" dirty="0"/>
-              <a:t>Graduate in Computer Networks &amp; Cyber Security</a:t>
-            </a:r>
-          </a:p>
-          <a:p>
-            <a:pPr algn="ctr"/>
-            <a:endParaRPr lang="en-GB" sz="2000" dirty="0"/>
-          </a:p>
-          <a:p>
-            <a:pPr algn="ctr"/>
-            <a:r>
-              <a:rPr lang="en-GB" sz="2000" dirty="0"/>
-              <a:t>Certified as OSCP (Offensive Security Certified Professional)</a:t>
-            </a:r>
-          </a:p>
-          <a:p>
-            <a:pPr algn="ctr"/>
-            <a:endParaRPr lang="en-GB" sz="2000" dirty="0"/>
-          </a:p>
-          <a:p>
-            <a:pPr algn="ctr"/>
-            <a:r>
-              <a:rPr lang="en-GB" sz="2000" dirty="0"/>
-              <a:t>Experience of Adversarial Simulation/Penetration Testing (Durham DiRAC Site)</a:t>
-            </a:r>
-          </a:p>
-          <a:p>
-            <a:pPr marL="0" indent="0" algn="ctr">
-              <a:buNone/>
-            </a:pPr>
-            <a:endParaRPr lang="en-GB" sz="2000" dirty="0"/>
-          </a:p>
-          <a:p>
-            <a:pPr algn="ctr"/>
-            <a:r>
-              <a:rPr lang="en-GB" sz="2000" dirty="0"/>
-              <a:t>Previous Training/Experience from platforms: HackTheBox/VulnHub/RootMe/Pentestit.ru</a:t>
-            </a:r>
-          </a:p>
-          <a:p>
-            <a:pPr algn="ctr"/>
-            <a:endParaRPr lang="en-GB" sz="2000" dirty="0"/>
-          </a:p>
-          <a:p>
-            <a:pPr algn="ctr"/>
-            <a:r>
-              <a:rPr lang="en-GB" sz="2000" dirty="0"/>
-              <a:t>Former Security Consultant - NEBRC (North East Business Resilience Centre)</a:t>
-            </a:r>
-          </a:p>
-          <a:p>
-            <a:pPr algn="ctr"/>
-            <a:endParaRPr lang="en-GB" sz="2000" dirty="0"/>
-          </a:p>
-          <a:p>
-            <a:pPr algn="ctr"/>
-            <a:r>
-              <a:rPr lang="en-GB" sz="2000" dirty="0"/>
-              <a:t>Student Instructor for Northumbria University (Cyber Clinic)</a:t>
-            </a:r>
-          </a:p>
-        </p:txBody>
-      </p:sp>
-    </p:spTree>
-    <p:extLst>
-      <p:ext uri="{BB962C8B-B14F-4D97-AF65-F5344CB8AC3E}">
-        <p14:creationId xmlns:p14="http://schemas.microsoft.com/office/powerpoint/2010/main" val="2472525976"/>
-      </p:ext>
-    </p:extLst>
-  </p:cSld>
-  <p:clrMapOvr>
-    <a:masterClrMapping/>
-  </p:clrMapOvr>
-</p:sld>
-</file>
-
-<file path=ppt/slides/slide3.xml><?xml version="1.0" encoding="utf-8"?>
 <p:sld xmlns:a="http://schemas.openxmlformats.org/drawingml/2006/main" xmlns:r="http://schemas.openxmlformats.org/officeDocument/2006/relationships" xmlns:p="http://schemas.openxmlformats.org/presentationml/2006/main">
   <p:cSld>
     <p:bg>
@@ -22316,7 +21373,7 @@
 </p:sld>
 </file>
 
-<file path=ppt/slides/slide4.xml><?xml version="1.0" encoding="utf-8"?>
+<file path=ppt/slides/slide3.xml><?xml version="1.0" encoding="utf-8"?>
 <p:sld xmlns:a="http://schemas.openxmlformats.org/drawingml/2006/main" xmlns:r="http://schemas.openxmlformats.org/officeDocument/2006/relationships" xmlns:p="http://schemas.openxmlformats.org/presentationml/2006/main">
   <p:cSld>
     <p:bg>
@@ -23259,7 +22316,7 @@
 </p:sld>
 </file>
 
-<file path=ppt/slides/slide5.xml><?xml version="1.0" encoding="utf-8"?>
+<file path=ppt/slides/slide4.xml><?xml version="1.0" encoding="utf-8"?>
 <p:sld xmlns:a="http://schemas.openxmlformats.org/drawingml/2006/main" xmlns:r="http://schemas.openxmlformats.org/officeDocument/2006/relationships" xmlns:p="http://schemas.openxmlformats.org/presentationml/2006/main">
   <p:cSld>
     <p:bg>
@@ -23739,7 +22796,7 @@
 </p:sld>
 </file>
 
-<file path=ppt/slides/slide6.xml><?xml version="1.0" encoding="utf-8"?>
+<file path=ppt/slides/slide5.xml><?xml version="1.0" encoding="utf-8"?>
 <p:sld xmlns:a="http://schemas.openxmlformats.org/drawingml/2006/main" xmlns:r="http://schemas.openxmlformats.org/officeDocument/2006/relationships" xmlns:p="http://schemas.openxmlformats.org/presentationml/2006/main">
   <p:cSld>
     <p:bg>
@@ -24155,7 +23212,7 @@
 </p:sld>
 </file>
 
-<file path=ppt/slides/slide7.xml><?xml version="1.0" encoding="utf-8"?>
+<file path=ppt/slides/slide6.xml><?xml version="1.0" encoding="utf-8"?>
 <p:sld xmlns:a="http://schemas.openxmlformats.org/drawingml/2006/main" xmlns:r="http://schemas.openxmlformats.org/officeDocument/2006/relationships" xmlns:p="http://schemas.openxmlformats.org/presentationml/2006/main">
   <p:cSld>
     <p:bg>
@@ -24474,7 +23531,7 @@
 </p:sld>
 </file>
 
-<file path=ppt/slides/slide8.xml><?xml version="1.0" encoding="utf-8"?>
+<file path=ppt/slides/slide7.xml><?xml version="1.0" encoding="utf-8"?>
 <p:sld xmlns:a="http://schemas.openxmlformats.org/drawingml/2006/main" xmlns:r="http://schemas.openxmlformats.org/officeDocument/2006/relationships" xmlns:p="http://schemas.openxmlformats.org/presentationml/2006/main">
   <p:cSld>
     <p:bg>
@@ -24882,7 +23939,7 @@
 </p:sld>
 </file>
 
-<file path=ppt/slides/slide9.xml><?xml version="1.0" encoding="utf-8"?>
+<file path=ppt/slides/slide8.xml><?xml version="1.0" encoding="utf-8"?>
 <p:sld xmlns:a="http://schemas.openxmlformats.org/drawingml/2006/main" xmlns:r="http://schemas.openxmlformats.org/officeDocument/2006/relationships" xmlns:p="http://schemas.openxmlformats.org/presentationml/2006/main">
   <p:cSld>
     <p:bg>
@@ -25179,6 +24236,312 @@
     <p:extLst>
       <p:ext uri="{BB962C8B-B14F-4D97-AF65-F5344CB8AC3E}">
         <p14:creationId xmlns:p14="http://schemas.microsoft.com/office/powerpoint/2010/main" val="19592940"/>
+      </p:ext>
+    </p:extLst>
+  </p:cSld>
+  <p:clrMapOvr>
+    <a:masterClrMapping/>
+  </p:clrMapOvr>
+</p:sld>
+</file>
+
+<file path=ppt/slides/slide9.xml><?xml version="1.0" encoding="utf-8"?>
+<p:sld xmlns:a="http://schemas.openxmlformats.org/drawingml/2006/main" xmlns:r="http://schemas.openxmlformats.org/officeDocument/2006/relationships" xmlns:p="http://schemas.openxmlformats.org/presentationml/2006/main">
+  <p:cSld>
+    <p:bg>
+      <p:bgPr>
+        <a:solidFill>
+          <a:schemeClr val="bg1"/>
+        </a:solidFill>
+        <a:effectLst/>
+      </p:bgPr>
+    </p:bg>
+    <p:spTree>
+      <p:nvGrpSpPr>
+        <p:cNvPr id="1" name=""/>
+        <p:cNvGrpSpPr/>
+        <p:nvPr/>
+      </p:nvGrpSpPr>
+      <p:grpSpPr>
+        <a:xfrm>
+          <a:off x="0" y="0"/>
+          <a:ext cx="0" cy="0"/>
+          <a:chOff x="0" y="0"/>
+          <a:chExt cx="0" cy="0"/>
+        </a:xfrm>
+      </p:grpSpPr>
+      <p:sp>
+        <p:nvSpPr>
+          <p:cNvPr id="10" name="Rectangle 9">
+            <a:extLst>
+              <a:ext uri="{FF2B5EF4-FFF2-40B4-BE49-F238E27FC236}">
+                <a16:creationId xmlns:a16="http://schemas.microsoft.com/office/drawing/2014/main" id="{7905BA41-EE6E-4F80-8636-447F22DD729A}"/>
+              </a:ext>
+              <a:ext uri="{C183D7F6-B498-43B3-948B-1728B52AA6E4}">
+                <adec:decorative xmlns:adec="http://schemas.microsoft.com/office/drawing/2017/decorative" val="1"/>
+              </a:ext>
+            </a:extLst>
+          </p:cNvPr>
+          <p:cNvSpPr>
+            <a:spLocks noGrp="1" noRot="1" noChangeAspect="1" noMove="1" noResize="1" noEditPoints="1" noAdjustHandles="1" noChangeArrowheads="1" noChangeShapeType="1" noTextEdit="1"/>
+          </p:cNvSpPr>
+          <p:nvPr>
+            <p:extLst>
+              <p:ext uri="{386F3935-93C4-4BCD-93E2-E3B085C9AB24}">
+                <p16:designElem xmlns:p16="http://schemas.microsoft.com/office/powerpoint/2015/main" val="1"/>
+              </p:ext>
+            </p:extLst>
+          </p:nvPr>
+        </p:nvSpPr>
+        <p:spPr>
+          <a:xfrm>
+            <a:off x="0" y="0"/>
+            <a:ext cx="12192000" cy="6858000"/>
+          </a:xfrm>
+          <a:prstGeom prst="rect">
+            <a:avLst/>
+          </a:prstGeom>
+          <a:solidFill>
+            <a:schemeClr val="accent1"/>
+          </a:solidFill>
+          <a:ln>
+            <a:noFill/>
+          </a:ln>
+        </p:spPr>
+        <p:style>
+          <a:lnRef idx="2">
+            <a:schemeClr val="accent1">
+              <a:shade val="50000"/>
+            </a:schemeClr>
+          </a:lnRef>
+          <a:fillRef idx="1">
+            <a:schemeClr val="accent1"/>
+          </a:fillRef>
+          <a:effectRef idx="0">
+            <a:schemeClr val="accent1"/>
+          </a:effectRef>
+          <a:fontRef idx="minor">
+            <a:schemeClr val="lt1"/>
+          </a:fontRef>
+        </p:style>
+        <p:txBody>
+          <a:bodyPr rtlCol="0" anchor="ctr"/>
+          <a:lstStyle/>
+          <a:p>
+            <a:pPr marL="0" marR="0" lvl="0" indent="0" algn="ctr" defTabSz="914400" rtl="0" eaLnBrk="1" fontAlgn="auto" latinLnBrk="0" hangingPunct="1">
+              <a:lnSpc>
+                <a:spcPct val="100000"/>
+              </a:lnSpc>
+              <a:spcBef>
+                <a:spcPts val="0"/>
+              </a:spcBef>
+              <a:spcAft>
+                <a:spcPts val="0"/>
+              </a:spcAft>
+              <a:buClrTx/>
+              <a:buSzTx/>
+              <a:buFontTx/>
+              <a:buNone/>
+              <a:tabLst/>
+              <a:defRPr/>
+            </a:pPr>
+            <a:endParaRPr kumimoji="0" lang="en-US" sz="1800" b="0" i="0" u="none" strike="noStrike" kern="1200" cap="none" spc="0" normalizeH="0" baseline="0" noProof="0">
+              <a:ln>
+                <a:noFill/>
+              </a:ln>
+              <a:solidFill>
+                <a:prstClr val="white"/>
+              </a:solidFill>
+              <a:effectLst/>
+              <a:uLnTx/>
+              <a:uFillTx/>
+              <a:latin typeface="Calibri" panose="020F0502020204030204"/>
+              <a:ea typeface="+mn-ea"/>
+              <a:cs typeface="+mn-cs"/>
+            </a:endParaRPr>
+          </a:p>
+        </p:txBody>
+      </p:sp>
+      <p:sp>
+        <p:nvSpPr>
+          <p:cNvPr id="2" name="Title 1">
+            <a:extLst>
+              <a:ext uri="{FF2B5EF4-FFF2-40B4-BE49-F238E27FC236}">
+                <a16:creationId xmlns:a16="http://schemas.microsoft.com/office/drawing/2014/main" id="{5553616B-457D-4398-AB11-6167DB40EA62}"/>
+              </a:ext>
+            </a:extLst>
+          </p:cNvPr>
+          <p:cNvSpPr>
+            <a:spLocks noGrp="1"/>
+          </p:cNvSpPr>
+          <p:nvPr>
+            <p:ph type="title"/>
+          </p:nvPr>
+        </p:nvSpPr>
+        <p:spPr>
+          <a:xfrm>
+            <a:off x="1848465" y="3298722"/>
+            <a:ext cx="8495070" cy="1784402"/>
+          </a:xfrm>
+        </p:spPr>
+        <p:txBody>
+          <a:bodyPr vert="horz" lIns="91440" tIns="45720" rIns="91440" bIns="45720" rtlCol="0" anchor="b">
+            <a:normAutofit/>
+          </a:bodyPr>
+          <a:lstStyle/>
+          <a:p>
+            <a:pPr algn="ctr"/>
+            <a:r>
+              <a:rPr lang="en-US" sz="6000" kern="1200" dirty="0">
+                <a:solidFill>
+                  <a:srgbClr val="FFFFFF"/>
+                </a:solidFill>
+                <a:latin typeface="+mj-lt"/>
+                <a:ea typeface="+mj-ea"/>
+                <a:cs typeface="+mj-cs"/>
+              </a:rPr>
+              <a:t>Thank you</a:t>
+            </a:r>
+          </a:p>
+        </p:txBody>
+      </p:sp>
+      <p:sp>
+        <p:nvSpPr>
+          <p:cNvPr id="12" name="Oval 11">
+            <a:extLst>
+              <a:ext uri="{FF2B5EF4-FFF2-40B4-BE49-F238E27FC236}">
+                <a16:creationId xmlns:a16="http://schemas.microsoft.com/office/drawing/2014/main" id="{CD7549B2-EE05-4558-8C64-AC46755F2B25}"/>
+              </a:ext>
+              <a:ext uri="{C183D7F6-B498-43B3-948B-1728B52AA6E4}">
+                <adec:decorative xmlns:adec="http://schemas.microsoft.com/office/drawing/2017/decorative" val="1"/>
+              </a:ext>
+            </a:extLst>
+          </p:cNvPr>
+          <p:cNvSpPr>
+            <a:spLocks noGrp="1" noRot="1" noChangeAspect="1" noMove="1" noResize="1" noEditPoints="1" noAdjustHandles="1" noChangeArrowheads="1" noChangeShapeType="1" noTextEdit="1"/>
+          </p:cNvSpPr>
+          <p:nvPr>
+            <p:extLst>
+              <p:ext uri="{386F3935-93C4-4BCD-93E2-E3B085C9AB24}">
+                <p16:designElem xmlns:p16="http://schemas.microsoft.com/office/powerpoint/2015/main" val="1"/>
+              </p:ext>
+            </p:extLst>
+          </p:nvPr>
+        </p:nvSpPr>
+        <p:spPr>
+          <a:xfrm>
+            <a:off x="5025914" y="889251"/>
+            <a:ext cx="2140172" cy="2140172"/>
+          </a:xfrm>
+          <a:prstGeom prst="ellipse">
+            <a:avLst/>
+          </a:prstGeom>
+          <a:solidFill>
+            <a:srgbClr val="FFFFFF"/>
+          </a:solidFill>
+          <a:ln w="19050">
+            <a:solidFill>
+              <a:schemeClr val="accent1"/>
+            </a:solidFill>
+          </a:ln>
+        </p:spPr>
+        <p:style>
+          <a:lnRef idx="2">
+            <a:schemeClr val="accent1">
+              <a:shade val="50000"/>
+            </a:schemeClr>
+          </a:lnRef>
+          <a:fillRef idx="1">
+            <a:schemeClr val="accent1"/>
+          </a:fillRef>
+          <a:effectRef idx="0">
+            <a:schemeClr val="accent1"/>
+          </a:effectRef>
+          <a:fontRef idx="minor">
+            <a:schemeClr val="lt1"/>
+          </a:fontRef>
+        </p:style>
+        <p:txBody>
+          <a:bodyPr rtlCol="0" anchor="ctr"/>
+          <a:lstStyle/>
+          <a:p>
+            <a:pPr marL="0" marR="0" lvl="0" indent="0" algn="ctr" defTabSz="914400" rtl="0" eaLnBrk="1" fontAlgn="auto" latinLnBrk="0" hangingPunct="1">
+              <a:lnSpc>
+                <a:spcPct val="100000"/>
+              </a:lnSpc>
+              <a:spcBef>
+                <a:spcPts val="0"/>
+              </a:spcBef>
+              <a:spcAft>
+                <a:spcPts val="0"/>
+              </a:spcAft>
+              <a:buClrTx/>
+              <a:buSzTx/>
+              <a:buFontTx/>
+              <a:buNone/>
+              <a:tabLst/>
+              <a:defRPr/>
+            </a:pPr>
+            <a:endParaRPr kumimoji="0" lang="en-US" sz="1800" b="0" i="0" u="none" strike="noStrike" kern="1200" cap="none" spc="0" normalizeH="0" baseline="0" noProof="0">
+              <a:ln>
+                <a:noFill/>
+              </a:ln>
+              <a:solidFill>
+                <a:prstClr val="white"/>
+              </a:solidFill>
+              <a:effectLst/>
+              <a:uLnTx/>
+              <a:uFillTx/>
+              <a:latin typeface="Calibri" panose="020F0502020204030204"/>
+              <a:ea typeface="+mn-ea"/>
+              <a:cs typeface="+mn-cs"/>
+            </a:endParaRPr>
+          </a:p>
+        </p:txBody>
+      </p:sp>
+      <p:pic>
+        <p:nvPicPr>
+          <p:cNvPr id="21" name="Graphic 6" descr="Smiling Face with No Fill">
+            <a:extLst>
+              <a:ext uri="{FF2B5EF4-FFF2-40B4-BE49-F238E27FC236}">
+                <a16:creationId xmlns:a16="http://schemas.microsoft.com/office/drawing/2014/main" id="{3F4BACD9-6B50-44B9-98A9-09137A485B4F}"/>
+              </a:ext>
+            </a:extLst>
+          </p:cNvPr>
+          <p:cNvPicPr>
+            <a:picLocks noChangeAspect="1"/>
+          </p:cNvPicPr>
+          <p:nvPr/>
+        </p:nvPicPr>
+        <p:blipFill>
+          <a:blip r:embed="rId2">
+            <a:extLst>
+              <a:ext uri="{28A0092B-C50C-407E-A947-70E740481C1C}">
+                <a14:useLocalDpi xmlns:a14="http://schemas.microsoft.com/office/drawing/2010/main" val="0"/>
+              </a:ext>
+              <a:ext uri="{96DAC541-7B7A-43D3-8B79-37D633B846F1}">
+                <asvg:svgBlip xmlns:asvg="http://schemas.microsoft.com/office/drawing/2016/SVG/main" r:embed="rId3"/>
+              </a:ext>
+            </a:extLst>
+          </a:blip>
+          <a:stretch>
+            <a:fillRect/>
+          </a:stretch>
+        </p:blipFill>
+        <p:spPr>
+          <a:xfrm>
+            <a:off x="5508264" y="1371601"/>
+            <a:ext cx="1175474" cy="1175474"/>
+          </a:xfrm>
+          <a:prstGeom prst="rect">
+            <a:avLst/>
+          </a:prstGeom>
+        </p:spPr>
+      </p:pic>
+    </p:spTree>
+    <p:extLst>
+      <p:ext uri="{BB962C8B-B14F-4D97-AF65-F5344CB8AC3E}">
+        <p14:creationId xmlns:p14="http://schemas.microsoft.com/office/powerpoint/2010/main" val="2282911968"/>
       </p:ext>
     </p:extLst>
   </p:cSld>

--- a/Offensive Security Tactics for Linux Professionals -  Introduction.pptx
+++ b/Offensive Security Tactics for Linux Professionals -  Introduction.pptx
@@ -10,8 +10,8 @@
   <p:sldIdLst>
     <p:sldId id="256" r:id="rId2"/>
     <p:sldId id="261" r:id="rId3"/>
-    <p:sldId id="267" r:id="rId4"/>
-    <p:sldId id="266" r:id="rId5"/>
+    <p:sldId id="266" r:id="rId4"/>
+    <p:sldId id="273" r:id="rId5"/>
     <p:sldId id="265" r:id="rId6"/>
     <p:sldId id="264" r:id="rId7"/>
     <p:sldId id="268" r:id="rId8"/>
@@ -1790,15 +1790,15 @@
 </file>
 
 <file path=ppt/diagrams/colors3.xml><?xml version="1.0" encoding="utf-8"?>
-<dgm:colorsDef xmlns:dgm="http://schemas.openxmlformats.org/drawingml/2006/diagram" xmlns:a="http://schemas.openxmlformats.org/drawingml/2006/main" uniqueId="urn:microsoft.com/office/officeart/2005/8/colors/colorful5">
+<dgm:colorsDef xmlns:dgm="http://schemas.openxmlformats.org/drawingml/2006/diagram" xmlns:a="http://schemas.openxmlformats.org/drawingml/2006/main" uniqueId="urn:microsoft.com/office/officeart/2005/8/colors/accent1_2">
   <dgm:title val=""/>
   <dgm:desc val=""/>
   <dgm:catLst>
-    <dgm:cat type="colorful" pri="10500"/>
+    <dgm:cat type="accent1" pri="11200"/>
   </dgm:catLst>
   <dgm:styleLbl name="node0">
     <dgm:fillClrLst meth="repeat">
-      <a:schemeClr val="accent4"/>
+      <a:schemeClr val="accent1"/>
     </dgm:fillClrLst>
     <dgm:linClrLst meth="repeat">
       <a:schemeClr val="lt1"/>
@@ -1808,10 +1808,21 @@
     <dgm:txFillClrLst/>
     <dgm:txEffectClrLst/>
   </dgm:styleLbl>
+  <dgm:styleLbl name="alignNode1">
+    <dgm:fillClrLst meth="repeat">
+      <a:schemeClr val="accent1"/>
+    </dgm:fillClrLst>
+    <dgm:linClrLst meth="repeat">
+      <a:schemeClr val="accent1"/>
+    </dgm:linClrLst>
+    <dgm:effectClrLst/>
+    <dgm:txLinClrLst/>
+    <dgm:txFillClrLst/>
+    <dgm:txEffectClrLst/>
+  </dgm:styleLbl>
   <dgm:styleLbl name="node1">
-    <dgm:fillClrLst>
-      <a:schemeClr val="accent5"/>
-      <a:schemeClr val="accent6"/>
+    <dgm:fillClrLst meth="repeat">
+      <a:schemeClr val="accent1"/>
     </dgm:fillClrLst>
     <dgm:linClrLst meth="repeat">
       <a:schemeClr val="lt1"/>
@@ -1821,24 +1832,9 @@
     <dgm:txFillClrLst/>
     <dgm:txEffectClrLst/>
   </dgm:styleLbl>
-  <dgm:styleLbl name="alignNode1">
-    <dgm:fillClrLst>
-      <a:schemeClr val="accent5"/>
-      <a:schemeClr val="accent6"/>
-    </dgm:fillClrLst>
-    <dgm:linClrLst>
-      <a:schemeClr val="accent5"/>
-      <a:schemeClr val="accent6"/>
-    </dgm:linClrLst>
-    <dgm:effectClrLst/>
-    <dgm:txLinClrLst/>
-    <dgm:txFillClrLst/>
-    <dgm:txEffectClrLst/>
-  </dgm:styleLbl>
   <dgm:styleLbl name="lnNode1">
-    <dgm:fillClrLst>
-      <a:schemeClr val="accent5"/>
-      <a:schemeClr val="accent6"/>
+    <dgm:fillClrLst meth="repeat">
+      <a:schemeClr val="accent1"/>
     </dgm:fillClrLst>
     <dgm:linClrLst meth="repeat">
       <a:schemeClr val="lt1"/>
@@ -1849,13 +1845,10 @@
     <dgm:txEffectClrLst/>
   </dgm:styleLbl>
   <dgm:styleLbl name="vennNode1">
-    <dgm:fillClrLst>
-      <a:schemeClr val="accent5">
+    <dgm:fillClrLst meth="repeat">
+      <a:schemeClr val="accent1">
         <a:alpha val="50000"/>
       </a:schemeClr>
-      <a:schemeClr val="accent6">
-        <a:alpha val="50000"/>
-      </a:schemeClr>
     </dgm:fillClrLst>
     <dgm:linClrLst meth="repeat">
       <a:schemeClr val="lt1"/>
@@ -1866,8 +1859,8 @@
     <dgm:txEffectClrLst/>
   </dgm:styleLbl>
   <dgm:styleLbl name="node2">
-    <dgm:fillClrLst>
-      <a:schemeClr val="accent6"/>
+    <dgm:fillClrLst meth="repeat">
+      <a:schemeClr val="accent1"/>
     </dgm:fillClrLst>
     <dgm:linClrLst meth="repeat">
       <a:schemeClr val="lt1"/>
@@ -1878,7 +1871,7 @@
     <dgm:txEffectClrLst/>
   </dgm:styleLbl>
   <dgm:styleLbl name="node3">
-    <dgm:fillClrLst>
+    <dgm:fillClrLst meth="repeat">
       <a:schemeClr val="accent1"/>
     </dgm:fillClrLst>
     <dgm:linClrLst meth="repeat">
@@ -1890,8 +1883,8 @@
     <dgm:txEffectClrLst/>
   </dgm:styleLbl>
   <dgm:styleLbl name="node4">
-    <dgm:fillClrLst>
-      <a:schemeClr val="accent2"/>
+    <dgm:fillClrLst meth="repeat">
+      <a:schemeClr val="accent1"/>
     </dgm:fillClrLst>
     <dgm:linClrLst meth="repeat">
       <a:schemeClr val="lt1"/>
@@ -1902,11 +1895,8 @@
     <dgm:txEffectClrLst/>
   </dgm:styleLbl>
   <dgm:styleLbl name="fgImgPlace1">
-    <dgm:fillClrLst>
-      <a:schemeClr val="accent5">
-        <a:tint val="50000"/>
-      </a:schemeClr>
-      <a:schemeClr val="accent6">
+    <dgm:fillClrLst meth="repeat">
+      <a:schemeClr val="accent1">
         <a:tint val="50000"/>
       </a:schemeClr>
     </dgm:fillClrLst>
@@ -1921,12 +1911,9 @@
     <dgm:txEffectClrLst/>
   </dgm:styleLbl>
   <dgm:styleLbl name="alignImgPlace1">
-    <dgm:fillClrLst>
-      <a:schemeClr val="accent5">
+    <dgm:fillClrLst meth="repeat">
+      <a:schemeClr val="accent1">
         <a:tint val="50000"/>
-      </a:schemeClr>
-      <a:schemeClr val="accent6">
-        <a:tint val="20000"/>
       </a:schemeClr>
     </dgm:fillClrLst>
     <dgm:linClrLst meth="repeat">
@@ -1940,12 +1927,9 @@
     <dgm:txEffectClrLst/>
   </dgm:styleLbl>
   <dgm:styleLbl name="bgImgPlace1">
-    <dgm:fillClrLst>
-      <a:schemeClr val="accent5">
+    <dgm:fillClrLst meth="repeat">
+      <a:schemeClr val="accent1">
         <a:tint val="50000"/>
-      </a:schemeClr>
-      <a:schemeClr val="accent6">
-        <a:tint val="20000"/>
       </a:schemeClr>
     </dgm:fillClrLst>
     <dgm:linClrLst meth="repeat">
@@ -1959,9 +1943,86 @@
     <dgm:txEffectClrLst/>
   </dgm:styleLbl>
   <dgm:styleLbl name="sibTrans2D1">
-    <dgm:fillClrLst>
-      <a:schemeClr val="accent5"/>
-      <a:schemeClr val="accent6"/>
+    <dgm:fillClrLst meth="repeat">
+      <a:schemeClr val="accent1">
+        <a:tint val="60000"/>
+      </a:schemeClr>
+    </dgm:fillClrLst>
+    <dgm:linClrLst meth="repeat">
+      <a:schemeClr val="accent1">
+        <a:tint val="60000"/>
+      </a:schemeClr>
+    </dgm:linClrLst>
+    <dgm:effectClrLst/>
+    <dgm:txLinClrLst/>
+    <dgm:txFillClrLst/>
+    <dgm:txEffectClrLst/>
+  </dgm:styleLbl>
+  <dgm:styleLbl name="fgSibTrans2D1">
+    <dgm:fillClrLst meth="repeat">
+      <a:schemeClr val="accent1">
+        <a:tint val="60000"/>
+      </a:schemeClr>
+    </dgm:fillClrLst>
+    <dgm:linClrLst meth="repeat">
+      <a:schemeClr val="accent1">
+        <a:tint val="60000"/>
+      </a:schemeClr>
+    </dgm:linClrLst>
+    <dgm:effectClrLst/>
+    <dgm:txLinClrLst/>
+    <dgm:txFillClrLst/>
+    <dgm:txEffectClrLst/>
+  </dgm:styleLbl>
+  <dgm:styleLbl name="bgSibTrans2D1">
+    <dgm:fillClrLst meth="repeat">
+      <a:schemeClr val="accent1">
+        <a:tint val="60000"/>
+      </a:schemeClr>
+    </dgm:fillClrLst>
+    <dgm:linClrLst meth="repeat">
+      <a:schemeClr val="accent1">
+        <a:tint val="60000"/>
+      </a:schemeClr>
+    </dgm:linClrLst>
+    <dgm:effectClrLst/>
+    <dgm:txLinClrLst/>
+    <dgm:txFillClrLst/>
+    <dgm:txEffectClrLst/>
+  </dgm:styleLbl>
+  <dgm:styleLbl name="sibTrans1D1">
+    <dgm:fillClrLst meth="repeat">
+      <a:schemeClr val="accent1"/>
+    </dgm:fillClrLst>
+    <dgm:linClrLst meth="repeat">
+      <a:schemeClr val="accent1"/>
+    </dgm:linClrLst>
+    <dgm:effectClrLst/>
+    <dgm:txLinClrLst/>
+    <dgm:txFillClrLst meth="repeat">
+      <a:schemeClr val="tx1"/>
+    </dgm:txFillClrLst>
+    <dgm:txEffectClrLst/>
+  </dgm:styleLbl>
+  <dgm:styleLbl name="callout">
+    <dgm:fillClrLst meth="repeat">
+      <a:schemeClr val="accent1"/>
+    </dgm:fillClrLst>
+    <dgm:linClrLst meth="repeat">
+      <a:schemeClr val="accent1">
+        <a:tint val="50000"/>
+      </a:schemeClr>
+    </dgm:linClrLst>
+    <dgm:effectClrLst/>
+    <dgm:txLinClrLst/>
+    <dgm:txFillClrLst meth="repeat">
+      <a:schemeClr val="tx1"/>
+    </dgm:txFillClrLst>
+    <dgm:txEffectClrLst/>
+  </dgm:styleLbl>
+  <dgm:styleLbl name="asst0">
+    <dgm:fillClrLst meth="repeat">
+      <a:schemeClr val="accent1"/>
     </dgm:fillClrLst>
     <dgm:linClrLst meth="repeat">
       <a:schemeClr val="lt1"/>
@@ -1971,13 +2032,64 @@
     <dgm:txFillClrLst/>
     <dgm:txEffectClrLst/>
   </dgm:styleLbl>
-  <dgm:styleLbl name="fgSibTrans2D1">
-    <dgm:fillClrLst>
-      <a:schemeClr val="accent5"/>
-      <a:schemeClr val="accent6"/>
+  <dgm:styleLbl name="asst1">
+    <dgm:fillClrLst meth="repeat">
+      <a:schemeClr val="accent1"/>
     </dgm:fillClrLst>
     <dgm:linClrLst meth="repeat">
       <a:schemeClr val="lt1"/>
+    </dgm:linClrLst>
+    <dgm:effectClrLst/>
+    <dgm:txLinClrLst/>
+    <dgm:txFillClrLst/>
+    <dgm:txEffectClrLst/>
+  </dgm:styleLbl>
+  <dgm:styleLbl name="asst2">
+    <dgm:fillClrLst meth="repeat">
+      <a:schemeClr val="accent1"/>
+    </dgm:fillClrLst>
+    <dgm:linClrLst meth="repeat">
+      <a:schemeClr val="lt1"/>
+    </dgm:linClrLst>
+    <dgm:effectClrLst/>
+    <dgm:txLinClrLst/>
+    <dgm:txFillClrLst/>
+    <dgm:txEffectClrLst/>
+  </dgm:styleLbl>
+  <dgm:styleLbl name="asst3">
+    <dgm:fillClrLst meth="repeat">
+      <a:schemeClr val="accent1"/>
+    </dgm:fillClrLst>
+    <dgm:linClrLst meth="repeat">
+      <a:schemeClr val="lt1"/>
+    </dgm:linClrLst>
+    <dgm:effectClrLst/>
+    <dgm:txLinClrLst/>
+    <dgm:txFillClrLst/>
+    <dgm:txEffectClrLst/>
+  </dgm:styleLbl>
+  <dgm:styleLbl name="asst4">
+    <dgm:fillClrLst meth="repeat">
+      <a:schemeClr val="accent1"/>
+    </dgm:fillClrLst>
+    <dgm:linClrLst meth="repeat">
+      <a:schemeClr val="lt1"/>
+    </dgm:linClrLst>
+    <dgm:effectClrLst/>
+    <dgm:txLinClrLst/>
+    <dgm:txFillClrLst/>
+    <dgm:txEffectClrLst/>
+  </dgm:styleLbl>
+  <dgm:styleLbl name="parChTrans2D1">
+    <dgm:fillClrLst meth="repeat">
+      <a:schemeClr val="accent1">
+        <a:tint val="60000"/>
+      </a:schemeClr>
+    </dgm:fillClrLst>
+    <dgm:linClrLst meth="repeat">
+      <a:schemeClr val="accent1">
+        <a:tint val="60000"/>
+      </a:schemeClr>
     </dgm:linClrLst>
     <dgm:effectClrLst/>
     <dgm:txLinClrLst/>
@@ -1986,13 +2098,12 @@
     </dgm:txFillClrLst>
     <dgm:txEffectClrLst/>
   </dgm:styleLbl>
-  <dgm:styleLbl name="bgSibTrans2D1">
-    <dgm:fillClrLst>
-      <a:schemeClr val="accent5"/>
-      <a:schemeClr val="accent6"/>
+  <dgm:styleLbl name="parChTrans2D2">
+    <dgm:fillClrLst meth="repeat">
+      <a:schemeClr val="accent1"/>
     </dgm:fillClrLst>
     <dgm:linClrLst meth="repeat">
-      <a:schemeClr val="lt1"/>
+      <a:schemeClr val="accent1"/>
     </dgm:linClrLst>
     <dgm:effectClrLst/>
     <dgm:txLinClrLst/>
@@ -2001,11 +2112,42 @@
     </dgm:txFillClrLst>
     <dgm:txEffectClrLst/>
   </dgm:styleLbl>
-  <dgm:styleLbl name="sibTrans1D1">
-    <dgm:fillClrLst/>
-    <dgm:linClrLst>
-      <a:schemeClr val="accent5"/>
-      <a:schemeClr val="accent6"/>
+  <dgm:styleLbl name="parChTrans2D3">
+    <dgm:fillClrLst meth="repeat">
+      <a:schemeClr val="accent1"/>
+    </dgm:fillClrLst>
+    <dgm:linClrLst meth="repeat">
+      <a:schemeClr val="accent1"/>
+    </dgm:linClrLst>
+    <dgm:effectClrLst/>
+    <dgm:txLinClrLst/>
+    <dgm:txFillClrLst meth="repeat">
+      <a:schemeClr val="lt1"/>
+    </dgm:txFillClrLst>
+    <dgm:txEffectClrLst/>
+  </dgm:styleLbl>
+  <dgm:styleLbl name="parChTrans2D4">
+    <dgm:fillClrLst meth="repeat">
+      <a:schemeClr val="accent1"/>
+    </dgm:fillClrLst>
+    <dgm:linClrLst meth="repeat">
+      <a:schemeClr val="accent1"/>
+    </dgm:linClrLst>
+    <dgm:effectClrLst/>
+    <dgm:txLinClrLst/>
+    <dgm:txFillClrLst meth="repeat">
+      <a:schemeClr val="lt1"/>
+    </dgm:txFillClrLst>
+    <dgm:txEffectClrLst/>
+  </dgm:styleLbl>
+  <dgm:styleLbl name="parChTrans1D1">
+    <dgm:fillClrLst meth="repeat">
+      <a:schemeClr val="accent1"/>
+    </dgm:fillClrLst>
+    <dgm:linClrLst meth="repeat">
+      <a:schemeClr val="accent1">
+        <a:shade val="60000"/>
+      </a:schemeClr>
     </dgm:linClrLst>
     <dgm:effectClrLst/>
     <dgm:txLinClrLst/>
@@ -2014,13 +2156,13 @@
     </dgm:txFillClrLst>
     <dgm:txEffectClrLst/>
   </dgm:styleLbl>
-  <dgm:styleLbl name="callout">
+  <dgm:styleLbl name="parChTrans1D2">
     <dgm:fillClrLst meth="repeat">
-      <a:schemeClr val="accent5"/>
+      <a:schemeClr val="accent1"/>
     </dgm:fillClrLst>
     <dgm:linClrLst meth="repeat">
-      <a:schemeClr val="accent5">
-        <a:tint val="50000"/>
+      <a:schemeClr val="accent1">
+        <a:shade val="60000"/>
       </a:schemeClr>
     </dgm:linClrLst>
     <dgm:effectClrLst/>
@@ -2030,128 +2172,14 @@
     </dgm:txFillClrLst>
     <dgm:txEffectClrLst/>
   </dgm:styleLbl>
-  <dgm:styleLbl name="asst0">
+  <dgm:styleLbl name="parChTrans1D3">
     <dgm:fillClrLst meth="repeat">
-      <a:schemeClr val="accent5"/>
+      <a:schemeClr val="accent1"/>
     </dgm:fillClrLst>
     <dgm:linClrLst meth="repeat">
-      <a:schemeClr val="lt1">
+      <a:schemeClr val="accent1">
         <a:shade val="80000"/>
       </a:schemeClr>
-    </dgm:linClrLst>
-    <dgm:effectClrLst/>
-    <dgm:txLinClrLst/>
-    <dgm:txFillClrLst/>
-    <dgm:txEffectClrLst/>
-  </dgm:styleLbl>
-  <dgm:styleLbl name="asst1">
-    <dgm:fillClrLst meth="repeat">
-      <a:schemeClr val="accent6"/>
-    </dgm:fillClrLst>
-    <dgm:linClrLst meth="repeat">
-      <a:schemeClr val="lt1">
-        <a:shade val="80000"/>
-      </a:schemeClr>
-    </dgm:linClrLst>
-    <dgm:effectClrLst/>
-    <dgm:txLinClrLst/>
-    <dgm:txFillClrLst/>
-    <dgm:txEffectClrLst/>
-  </dgm:styleLbl>
-  <dgm:styleLbl name="asst2">
-    <dgm:fillClrLst>
-      <a:schemeClr val="accent1"/>
-    </dgm:fillClrLst>
-    <dgm:linClrLst meth="repeat">
-      <a:schemeClr val="lt1"/>
-    </dgm:linClrLst>
-    <dgm:effectClrLst/>
-    <dgm:txLinClrLst/>
-    <dgm:txFillClrLst/>
-    <dgm:txEffectClrLst/>
-  </dgm:styleLbl>
-  <dgm:styleLbl name="asst3">
-    <dgm:fillClrLst>
-      <a:schemeClr val="accent2"/>
-    </dgm:fillClrLst>
-    <dgm:linClrLst meth="repeat">
-      <a:schemeClr val="lt1"/>
-    </dgm:linClrLst>
-    <dgm:effectClrLst/>
-    <dgm:txLinClrLst/>
-    <dgm:txFillClrLst/>
-    <dgm:txEffectClrLst/>
-  </dgm:styleLbl>
-  <dgm:styleLbl name="asst4">
-    <dgm:fillClrLst>
-      <a:schemeClr val="accent3"/>
-    </dgm:fillClrLst>
-    <dgm:linClrLst meth="repeat">
-      <a:schemeClr val="lt1"/>
-    </dgm:linClrLst>
-    <dgm:effectClrLst/>
-    <dgm:txLinClrLst/>
-    <dgm:txFillClrLst/>
-    <dgm:txEffectClrLst/>
-  </dgm:styleLbl>
-  <dgm:styleLbl name="parChTrans2D1">
-    <dgm:fillClrLst meth="repeat">
-      <a:schemeClr val="accent5"/>
-    </dgm:fillClrLst>
-    <dgm:linClrLst meth="repeat">
-      <a:schemeClr val="lt1"/>
-    </dgm:linClrLst>
-    <dgm:effectClrLst/>
-    <dgm:txLinClrLst/>
-    <dgm:txFillClrLst meth="repeat">
-      <a:schemeClr val="lt1"/>
-    </dgm:txFillClrLst>
-    <dgm:txEffectClrLst/>
-  </dgm:styleLbl>
-  <dgm:styleLbl name="parChTrans2D2">
-    <dgm:fillClrLst meth="repeat">
-      <a:schemeClr val="accent6"/>
-    </dgm:fillClrLst>
-    <dgm:linClrLst meth="repeat">
-      <a:schemeClr val="lt1"/>
-    </dgm:linClrLst>
-    <dgm:effectClrLst/>
-    <dgm:txLinClrLst/>
-    <dgm:txFillClrLst/>
-    <dgm:txEffectClrLst/>
-  </dgm:styleLbl>
-  <dgm:styleLbl name="parChTrans2D3">
-    <dgm:fillClrLst meth="repeat">
-      <a:schemeClr val="accent6"/>
-    </dgm:fillClrLst>
-    <dgm:linClrLst meth="repeat">
-      <a:schemeClr val="lt1"/>
-    </dgm:linClrLst>
-    <dgm:effectClrLst/>
-    <dgm:txLinClrLst/>
-    <dgm:txFillClrLst/>
-    <dgm:txEffectClrLst/>
-  </dgm:styleLbl>
-  <dgm:styleLbl name="parChTrans2D4">
-    <dgm:fillClrLst meth="repeat">
-      <a:schemeClr val="accent1"/>
-    </dgm:fillClrLst>
-    <dgm:linClrLst meth="repeat">
-      <a:schemeClr val="lt1"/>
-    </dgm:linClrLst>
-    <dgm:effectClrLst/>
-    <dgm:txLinClrLst/>
-    <dgm:txFillClrLst meth="repeat">
-      <a:schemeClr val="lt1"/>
-    </dgm:txFillClrLst>
-    <dgm:txEffectClrLst/>
-  </dgm:styleLbl>
-  <dgm:styleLbl name="parChTrans1D1">
-    <dgm:fillClrLst meth="repeat">
-      <a:schemeClr val="accent5"/>
-    </dgm:fillClrLst>
-    <dgm:linClrLst meth="repeat">
-      <a:schemeClr val="accent5"/>
     </dgm:linClrLst>
     <dgm:effectClrLst/>
     <dgm:txLinClrLst/>
@@ -2160,46 +2188,14 @@
     </dgm:txFillClrLst>
     <dgm:txEffectClrLst/>
   </dgm:styleLbl>
-  <dgm:styleLbl name="parChTrans1D2">
-    <dgm:fillClrLst meth="repeat">
-      <a:schemeClr val="accent6">
-        <a:tint val="90000"/>
-      </a:schemeClr>
-    </dgm:fillClrLst>
-    <dgm:linClrLst meth="repeat">
-      <a:schemeClr val="accent6"/>
-    </dgm:linClrLst>
-    <dgm:effectClrLst/>
-    <dgm:txLinClrLst/>
-    <dgm:txFillClrLst meth="repeat">
-      <a:schemeClr val="tx1"/>
-    </dgm:txFillClrLst>
-    <dgm:txEffectClrLst/>
-  </dgm:styleLbl>
-  <dgm:styleLbl name="parChTrans1D3">
-    <dgm:fillClrLst meth="repeat">
-      <a:schemeClr val="accent6">
-        <a:tint val="70000"/>
-      </a:schemeClr>
-    </dgm:fillClrLst>
-    <dgm:linClrLst meth="repeat">
-      <a:schemeClr val="accent1"/>
-    </dgm:linClrLst>
-    <dgm:effectClrLst/>
-    <dgm:txLinClrLst/>
-    <dgm:txFillClrLst meth="repeat">
-      <a:schemeClr val="tx1"/>
-    </dgm:txFillClrLst>
-    <dgm:txEffectClrLst/>
-  </dgm:styleLbl>
   <dgm:styleLbl name="parChTrans1D4">
     <dgm:fillClrLst meth="repeat">
-      <a:schemeClr val="accent6">
-        <a:tint val="50000"/>
+      <a:schemeClr val="accent1"/>
+    </dgm:fillClrLst>
+    <dgm:linClrLst meth="repeat">
+      <a:schemeClr val="accent1">
+        <a:shade val="80000"/>
       </a:schemeClr>
-    </dgm:fillClrLst>
-    <dgm:linClrLst meth="repeat">
-      <a:schemeClr val="accent2"/>
     </dgm:linClrLst>
     <dgm:effectClrLst/>
     <dgm:txLinClrLst/>
@@ -2214,9 +2210,8 @@
         <a:alpha val="90000"/>
       </a:schemeClr>
     </dgm:fillClrLst>
-    <dgm:linClrLst>
-      <a:schemeClr val="accent5"/>
-      <a:schemeClr val="accent6"/>
+    <dgm:linClrLst meth="repeat">
+      <a:schemeClr val="accent1"/>
     </dgm:linClrLst>
     <dgm:effectClrLst/>
     <dgm:txLinClrLst/>
@@ -2231,9 +2226,8 @@
         <a:alpha val="90000"/>
       </a:schemeClr>
     </dgm:fillClrLst>
-    <dgm:linClrLst>
-      <a:schemeClr val="accent5"/>
-      <a:schemeClr val="accent6"/>
+    <dgm:linClrLst meth="repeat">
+      <a:schemeClr val="accent1"/>
     </dgm:linClrLst>
     <dgm:effectClrLst/>
     <dgm:txLinClrLst/>
@@ -2248,9 +2242,8 @@
         <a:alpha val="90000"/>
       </a:schemeClr>
     </dgm:fillClrLst>
-    <dgm:linClrLst>
-      <a:schemeClr val="accent5"/>
-      <a:schemeClr val="accent6"/>
+    <dgm:linClrLst meth="repeat">
+      <a:schemeClr val="accent1"/>
     </dgm:linClrLst>
     <dgm:effectClrLst/>
     <dgm:txLinClrLst/>
@@ -2266,7 +2259,7 @@
       </a:schemeClr>
     </dgm:fillClrLst>
     <dgm:linClrLst meth="repeat">
-      <a:schemeClr val="accent5"/>
+      <a:schemeClr val="accent1"/>
     </dgm:linClrLst>
     <dgm:effectClrLst/>
     <dgm:txLinClrLst/>
@@ -2281,9 +2274,8 @@
         <a:alpha val="90000"/>
       </a:schemeClr>
     </dgm:fillClrLst>
-    <dgm:linClrLst>
-      <a:schemeClr val="accent5"/>
-      <a:schemeClr val="accent6"/>
+    <dgm:linClrLst meth="repeat">
+      <a:schemeClr val="accent1"/>
     </dgm:linClrLst>
     <dgm:effectClrLst/>
     <dgm:txLinClrLst/>
@@ -2296,9 +2288,8 @@
     <dgm:fillClrLst meth="repeat">
       <a:schemeClr val="lt1"/>
     </dgm:fillClrLst>
-    <dgm:linClrLst>
-      <a:schemeClr val="accent5"/>
-      <a:schemeClr val="accent6"/>
+    <dgm:linClrLst meth="repeat">
+      <a:schemeClr val="accent1"/>
     </dgm:linClrLst>
     <dgm:effectClrLst/>
     <dgm:txLinClrLst/>
@@ -2311,9 +2302,8 @@
     <dgm:fillClrLst meth="repeat">
       <a:schemeClr val="lt1"/>
     </dgm:fillClrLst>
-    <dgm:linClrLst>
-      <a:schemeClr val="accent5"/>
-      <a:schemeClr val="accent6"/>
+    <dgm:linClrLst meth="repeat">
+      <a:schemeClr val="accent1"/>
     </dgm:linClrLst>
     <dgm:effectClrLst/>
     <dgm:txLinClrLst/>
@@ -2326,9 +2316,8 @@
     <dgm:fillClrLst meth="repeat">
       <a:schemeClr val="lt1"/>
     </dgm:fillClrLst>
-    <dgm:linClrLst>
-      <a:schemeClr val="accent5"/>
-      <a:schemeClr val="accent6"/>
+    <dgm:linClrLst meth="repeat">
+      <a:schemeClr val="accent1"/>
     </dgm:linClrLst>
     <dgm:effectClrLst/>
     <dgm:txLinClrLst/>
@@ -2338,24 +2327,16 @@
     <dgm:txEffectClrLst/>
   </dgm:styleLbl>
   <dgm:styleLbl name="fgAccFollowNode1">
-    <dgm:fillClrLst>
-      <a:schemeClr val="accent5">
+    <dgm:fillClrLst meth="repeat">
+      <a:schemeClr val="accent1">
+        <a:alpha val="90000"/>
         <a:tint val="40000"/>
+      </a:schemeClr>
+    </dgm:fillClrLst>
+    <dgm:linClrLst meth="repeat">
+      <a:schemeClr val="accent1">
         <a:alpha val="90000"/>
-      </a:schemeClr>
-      <a:schemeClr val="accent6">
         <a:tint val="40000"/>
-        <a:alpha val="90000"/>
-      </a:schemeClr>
-    </dgm:fillClrLst>
-    <dgm:linClrLst>
-      <a:schemeClr val="accent5">
-        <a:tint val="40000"/>
-        <a:alpha val="90000"/>
-      </a:schemeClr>
-      <a:schemeClr val="accent5">
-        <a:tint val="40000"/>
-        <a:alpha val="90000"/>
       </a:schemeClr>
     </dgm:linClrLst>
     <dgm:effectClrLst/>
@@ -2366,24 +2347,16 @@
     <dgm:txEffectClrLst/>
   </dgm:styleLbl>
   <dgm:styleLbl name="alignAccFollowNode1">
-    <dgm:fillClrLst>
-      <a:schemeClr val="accent5">
+    <dgm:fillClrLst meth="repeat">
+      <a:schemeClr val="accent1">
+        <a:alpha val="90000"/>
         <a:tint val="40000"/>
+      </a:schemeClr>
+    </dgm:fillClrLst>
+    <dgm:linClrLst meth="repeat">
+      <a:schemeClr val="accent1">
         <a:alpha val="90000"/>
-      </a:schemeClr>
-      <a:schemeClr val="accent6">
         <a:tint val="40000"/>
-        <a:alpha val="90000"/>
-      </a:schemeClr>
-    </dgm:fillClrLst>
-    <dgm:linClrLst>
-      <a:schemeClr val="accent5">
-        <a:tint val="40000"/>
-        <a:alpha val="90000"/>
-      </a:schemeClr>
-      <a:schemeClr val="accent6">
-        <a:tint val="40000"/>
-        <a:alpha val="90000"/>
       </a:schemeClr>
     </dgm:linClrLst>
     <dgm:effectClrLst/>
@@ -2394,24 +2367,16 @@
     <dgm:txEffectClrLst/>
   </dgm:styleLbl>
   <dgm:styleLbl name="bgAccFollowNode1">
-    <dgm:fillClrLst>
-      <a:schemeClr val="accent5">
+    <dgm:fillClrLst meth="repeat">
+      <a:schemeClr val="accent1">
+        <a:alpha val="90000"/>
         <a:tint val="40000"/>
+      </a:schemeClr>
+    </dgm:fillClrLst>
+    <dgm:linClrLst meth="repeat">
+      <a:schemeClr val="accent1">
         <a:alpha val="90000"/>
-      </a:schemeClr>
-      <a:schemeClr val="accent6">
         <a:tint val="40000"/>
-        <a:alpha val="90000"/>
-      </a:schemeClr>
-    </dgm:fillClrLst>
-    <dgm:linClrLst>
-      <a:schemeClr val="accent5">
-        <a:tint val="40000"/>
-        <a:alpha val="90000"/>
-      </a:schemeClr>
-      <a:schemeClr val="accent6">
-        <a:tint val="40000"/>
-        <a:alpha val="90000"/>
       </a:schemeClr>
     </dgm:linClrLst>
     <dgm:effectClrLst/>
@@ -2427,8 +2392,8 @@
         <a:alpha val="90000"/>
       </a:schemeClr>
     </dgm:fillClrLst>
-    <dgm:linClrLst>
-      <a:schemeClr val="accent4"/>
+    <dgm:linClrLst meth="repeat">
+      <a:schemeClr val="accent1"/>
     </dgm:linClrLst>
     <dgm:effectClrLst/>
     <dgm:txLinClrLst/>
@@ -2443,8 +2408,8 @@
         <a:alpha val="90000"/>
       </a:schemeClr>
     </dgm:fillClrLst>
-    <dgm:linClrLst>
-      <a:schemeClr val="accent6"/>
+    <dgm:linClrLst meth="repeat">
+      <a:schemeClr val="accent1"/>
     </dgm:linClrLst>
     <dgm:effectClrLst/>
     <dgm:txLinClrLst/>
@@ -2459,7 +2424,7 @@
         <a:alpha val="90000"/>
       </a:schemeClr>
     </dgm:fillClrLst>
-    <dgm:linClrLst>
+    <dgm:linClrLst meth="repeat">
       <a:schemeClr val="accent1"/>
     </dgm:linClrLst>
     <dgm:effectClrLst/>
@@ -2475,8 +2440,8 @@
         <a:alpha val="90000"/>
       </a:schemeClr>
     </dgm:fillClrLst>
-    <dgm:linClrLst>
-      <a:schemeClr val="accent2"/>
+    <dgm:linClrLst meth="repeat">
+      <a:schemeClr val="accent1"/>
     </dgm:linClrLst>
     <dgm:effectClrLst/>
     <dgm:txLinClrLst/>
@@ -2487,12 +2452,12 @@
   </dgm:styleLbl>
   <dgm:styleLbl name="bgShp">
     <dgm:fillClrLst meth="repeat">
-      <a:schemeClr val="accent5">
+      <a:schemeClr val="accent1">
         <a:tint val="40000"/>
       </a:schemeClr>
     </dgm:fillClrLst>
     <dgm:linClrLst meth="repeat">
-      <a:schemeClr val="dk1"/>
+      <a:schemeClr val="accent1"/>
     </dgm:linClrLst>
     <dgm:effectClrLst/>
     <dgm:txLinClrLst/>
@@ -2503,12 +2468,12 @@
   </dgm:styleLbl>
   <dgm:styleLbl name="dkBgShp">
     <dgm:fillClrLst meth="repeat">
-      <a:schemeClr val="accent5">
-        <a:shade val="90000"/>
+      <a:schemeClr val="accent1">
+        <a:shade val="80000"/>
       </a:schemeClr>
     </dgm:fillClrLst>
     <dgm:linClrLst meth="repeat">
-      <a:schemeClr val="dk1"/>
+      <a:schemeClr val="accent1"/>
     </dgm:linClrLst>
     <dgm:effectClrLst/>
     <dgm:txLinClrLst/>
@@ -2519,13 +2484,13 @@
   </dgm:styleLbl>
   <dgm:styleLbl name="trBgShp">
     <dgm:fillClrLst meth="repeat">
-      <a:schemeClr val="accent5">
+      <a:schemeClr val="accent1">
         <a:tint val="50000"/>
         <a:alpha val="40000"/>
       </a:schemeClr>
     </dgm:fillClrLst>
     <dgm:linClrLst meth="repeat">
-      <a:schemeClr val="accent5"/>
+      <a:schemeClr val="accent1"/>
     </dgm:linClrLst>
     <dgm:effectClrLst/>
     <dgm:txLinClrLst/>
@@ -2536,8 +2501,8 @@
   </dgm:styleLbl>
   <dgm:styleLbl name="fgShp">
     <dgm:fillClrLst meth="repeat">
-      <a:schemeClr val="accent5">
-        <a:tint val="40000"/>
+      <a:schemeClr val="accent1">
+        <a:tint val="60000"/>
       </a:schemeClr>
     </dgm:fillClrLst>
     <dgm:linClrLst meth="repeat">
@@ -3354,6 +3319,788 @@
 </file>
 
 <file path=ppt/diagrams/colors5.xml><?xml version="1.0" encoding="utf-8"?>
+<dgm:colorsDef xmlns:dgm="http://schemas.openxmlformats.org/drawingml/2006/diagram" xmlns:a="http://schemas.openxmlformats.org/drawingml/2006/main" uniqueId="urn:microsoft.com/office/officeart/2005/8/colors/colorful5">
+  <dgm:title val=""/>
+  <dgm:desc val=""/>
+  <dgm:catLst>
+    <dgm:cat type="colorful" pri="10500"/>
+  </dgm:catLst>
+  <dgm:styleLbl name="node0">
+    <dgm:fillClrLst meth="repeat">
+      <a:schemeClr val="accent4"/>
+    </dgm:fillClrLst>
+    <dgm:linClrLst meth="repeat">
+      <a:schemeClr val="lt1"/>
+    </dgm:linClrLst>
+    <dgm:effectClrLst/>
+    <dgm:txLinClrLst/>
+    <dgm:txFillClrLst/>
+    <dgm:txEffectClrLst/>
+  </dgm:styleLbl>
+  <dgm:styleLbl name="node1">
+    <dgm:fillClrLst>
+      <a:schemeClr val="accent5"/>
+      <a:schemeClr val="accent6"/>
+    </dgm:fillClrLst>
+    <dgm:linClrLst meth="repeat">
+      <a:schemeClr val="lt1"/>
+    </dgm:linClrLst>
+    <dgm:effectClrLst/>
+    <dgm:txLinClrLst/>
+    <dgm:txFillClrLst/>
+    <dgm:txEffectClrLst/>
+  </dgm:styleLbl>
+  <dgm:styleLbl name="alignNode1">
+    <dgm:fillClrLst>
+      <a:schemeClr val="accent5"/>
+      <a:schemeClr val="accent6"/>
+    </dgm:fillClrLst>
+    <dgm:linClrLst>
+      <a:schemeClr val="accent5"/>
+      <a:schemeClr val="accent6"/>
+    </dgm:linClrLst>
+    <dgm:effectClrLst/>
+    <dgm:txLinClrLst/>
+    <dgm:txFillClrLst/>
+    <dgm:txEffectClrLst/>
+  </dgm:styleLbl>
+  <dgm:styleLbl name="lnNode1">
+    <dgm:fillClrLst>
+      <a:schemeClr val="accent5"/>
+      <a:schemeClr val="accent6"/>
+    </dgm:fillClrLst>
+    <dgm:linClrLst meth="repeat">
+      <a:schemeClr val="lt1"/>
+    </dgm:linClrLst>
+    <dgm:effectClrLst/>
+    <dgm:txLinClrLst/>
+    <dgm:txFillClrLst/>
+    <dgm:txEffectClrLst/>
+  </dgm:styleLbl>
+  <dgm:styleLbl name="vennNode1">
+    <dgm:fillClrLst>
+      <a:schemeClr val="accent5">
+        <a:alpha val="50000"/>
+      </a:schemeClr>
+      <a:schemeClr val="accent6">
+        <a:alpha val="50000"/>
+      </a:schemeClr>
+    </dgm:fillClrLst>
+    <dgm:linClrLst meth="repeat">
+      <a:schemeClr val="lt1"/>
+    </dgm:linClrLst>
+    <dgm:effectClrLst/>
+    <dgm:txLinClrLst/>
+    <dgm:txFillClrLst/>
+    <dgm:txEffectClrLst/>
+  </dgm:styleLbl>
+  <dgm:styleLbl name="node2">
+    <dgm:fillClrLst>
+      <a:schemeClr val="accent6"/>
+    </dgm:fillClrLst>
+    <dgm:linClrLst meth="repeat">
+      <a:schemeClr val="lt1"/>
+    </dgm:linClrLst>
+    <dgm:effectClrLst/>
+    <dgm:txLinClrLst/>
+    <dgm:txFillClrLst/>
+    <dgm:txEffectClrLst/>
+  </dgm:styleLbl>
+  <dgm:styleLbl name="node3">
+    <dgm:fillClrLst>
+      <a:schemeClr val="accent1"/>
+    </dgm:fillClrLst>
+    <dgm:linClrLst meth="repeat">
+      <a:schemeClr val="lt1"/>
+    </dgm:linClrLst>
+    <dgm:effectClrLst/>
+    <dgm:txLinClrLst/>
+    <dgm:txFillClrLst/>
+    <dgm:txEffectClrLst/>
+  </dgm:styleLbl>
+  <dgm:styleLbl name="node4">
+    <dgm:fillClrLst>
+      <a:schemeClr val="accent2"/>
+    </dgm:fillClrLst>
+    <dgm:linClrLst meth="repeat">
+      <a:schemeClr val="lt1"/>
+    </dgm:linClrLst>
+    <dgm:effectClrLst/>
+    <dgm:txLinClrLst/>
+    <dgm:txFillClrLst/>
+    <dgm:txEffectClrLst/>
+  </dgm:styleLbl>
+  <dgm:styleLbl name="fgImgPlace1">
+    <dgm:fillClrLst>
+      <a:schemeClr val="accent5">
+        <a:tint val="50000"/>
+      </a:schemeClr>
+      <a:schemeClr val="accent6">
+        <a:tint val="50000"/>
+      </a:schemeClr>
+    </dgm:fillClrLst>
+    <dgm:linClrLst meth="repeat">
+      <a:schemeClr val="lt1"/>
+    </dgm:linClrLst>
+    <dgm:effectClrLst/>
+    <dgm:txLinClrLst/>
+    <dgm:txFillClrLst meth="repeat">
+      <a:schemeClr val="lt1"/>
+    </dgm:txFillClrLst>
+    <dgm:txEffectClrLst/>
+  </dgm:styleLbl>
+  <dgm:styleLbl name="alignImgPlace1">
+    <dgm:fillClrLst>
+      <a:schemeClr val="accent5">
+        <a:tint val="50000"/>
+      </a:schemeClr>
+      <a:schemeClr val="accent6">
+        <a:tint val="20000"/>
+      </a:schemeClr>
+    </dgm:fillClrLst>
+    <dgm:linClrLst meth="repeat">
+      <a:schemeClr val="lt1"/>
+    </dgm:linClrLst>
+    <dgm:effectClrLst/>
+    <dgm:txLinClrLst/>
+    <dgm:txFillClrLst meth="repeat">
+      <a:schemeClr val="lt1"/>
+    </dgm:txFillClrLst>
+    <dgm:txEffectClrLst/>
+  </dgm:styleLbl>
+  <dgm:styleLbl name="bgImgPlace1">
+    <dgm:fillClrLst>
+      <a:schemeClr val="accent5">
+        <a:tint val="50000"/>
+      </a:schemeClr>
+      <a:schemeClr val="accent6">
+        <a:tint val="20000"/>
+      </a:schemeClr>
+    </dgm:fillClrLst>
+    <dgm:linClrLst meth="repeat">
+      <a:schemeClr val="lt1"/>
+    </dgm:linClrLst>
+    <dgm:effectClrLst/>
+    <dgm:txLinClrLst/>
+    <dgm:txFillClrLst meth="repeat">
+      <a:schemeClr val="lt1"/>
+    </dgm:txFillClrLst>
+    <dgm:txEffectClrLst/>
+  </dgm:styleLbl>
+  <dgm:styleLbl name="sibTrans2D1">
+    <dgm:fillClrLst>
+      <a:schemeClr val="accent5"/>
+      <a:schemeClr val="accent6"/>
+    </dgm:fillClrLst>
+    <dgm:linClrLst meth="repeat">
+      <a:schemeClr val="lt1"/>
+    </dgm:linClrLst>
+    <dgm:effectClrLst/>
+    <dgm:txLinClrLst/>
+    <dgm:txFillClrLst/>
+    <dgm:txEffectClrLst/>
+  </dgm:styleLbl>
+  <dgm:styleLbl name="fgSibTrans2D1">
+    <dgm:fillClrLst>
+      <a:schemeClr val="accent5"/>
+      <a:schemeClr val="accent6"/>
+    </dgm:fillClrLst>
+    <dgm:linClrLst meth="repeat">
+      <a:schemeClr val="lt1"/>
+    </dgm:linClrLst>
+    <dgm:effectClrLst/>
+    <dgm:txLinClrLst/>
+    <dgm:txFillClrLst meth="repeat">
+      <a:schemeClr val="lt1"/>
+    </dgm:txFillClrLst>
+    <dgm:txEffectClrLst/>
+  </dgm:styleLbl>
+  <dgm:styleLbl name="bgSibTrans2D1">
+    <dgm:fillClrLst>
+      <a:schemeClr val="accent5"/>
+      <a:schemeClr val="accent6"/>
+    </dgm:fillClrLst>
+    <dgm:linClrLst meth="repeat">
+      <a:schemeClr val="lt1"/>
+    </dgm:linClrLst>
+    <dgm:effectClrLst/>
+    <dgm:txLinClrLst/>
+    <dgm:txFillClrLst meth="repeat">
+      <a:schemeClr val="lt1"/>
+    </dgm:txFillClrLst>
+    <dgm:txEffectClrLst/>
+  </dgm:styleLbl>
+  <dgm:styleLbl name="sibTrans1D1">
+    <dgm:fillClrLst/>
+    <dgm:linClrLst>
+      <a:schemeClr val="accent5"/>
+      <a:schemeClr val="accent6"/>
+    </dgm:linClrLst>
+    <dgm:effectClrLst/>
+    <dgm:txLinClrLst/>
+    <dgm:txFillClrLst meth="repeat">
+      <a:schemeClr val="tx1"/>
+    </dgm:txFillClrLst>
+    <dgm:txEffectClrLst/>
+  </dgm:styleLbl>
+  <dgm:styleLbl name="callout">
+    <dgm:fillClrLst meth="repeat">
+      <a:schemeClr val="accent5"/>
+    </dgm:fillClrLst>
+    <dgm:linClrLst meth="repeat">
+      <a:schemeClr val="accent5">
+        <a:tint val="50000"/>
+      </a:schemeClr>
+    </dgm:linClrLst>
+    <dgm:effectClrLst/>
+    <dgm:txLinClrLst/>
+    <dgm:txFillClrLst meth="repeat">
+      <a:schemeClr val="tx1"/>
+    </dgm:txFillClrLst>
+    <dgm:txEffectClrLst/>
+  </dgm:styleLbl>
+  <dgm:styleLbl name="asst0">
+    <dgm:fillClrLst meth="repeat">
+      <a:schemeClr val="accent5"/>
+    </dgm:fillClrLst>
+    <dgm:linClrLst meth="repeat">
+      <a:schemeClr val="lt1">
+        <a:shade val="80000"/>
+      </a:schemeClr>
+    </dgm:linClrLst>
+    <dgm:effectClrLst/>
+    <dgm:txLinClrLst/>
+    <dgm:txFillClrLst/>
+    <dgm:txEffectClrLst/>
+  </dgm:styleLbl>
+  <dgm:styleLbl name="asst1">
+    <dgm:fillClrLst meth="repeat">
+      <a:schemeClr val="accent6"/>
+    </dgm:fillClrLst>
+    <dgm:linClrLst meth="repeat">
+      <a:schemeClr val="lt1">
+        <a:shade val="80000"/>
+      </a:schemeClr>
+    </dgm:linClrLst>
+    <dgm:effectClrLst/>
+    <dgm:txLinClrLst/>
+    <dgm:txFillClrLst/>
+    <dgm:txEffectClrLst/>
+  </dgm:styleLbl>
+  <dgm:styleLbl name="asst2">
+    <dgm:fillClrLst>
+      <a:schemeClr val="accent1"/>
+    </dgm:fillClrLst>
+    <dgm:linClrLst meth="repeat">
+      <a:schemeClr val="lt1"/>
+    </dgm:linClrLst>
+    <dgm:effectClrLst/>
+    <dgm:txLinClrLst/>
+    <dgm:txFillClrLst/>
+    <dgm:txEffectClrLst/>
+  </dgm:styleLbl>
+  <dgm:styleLbl name="asst3">
+    <dgm:fillClrLst>
+      <a:schemeClr val="accent2"/>
+    </dgm:fillClrLst>
+    <dgm:linClrLst meth="repeat">
+      <a:schemeClr val="lt1"/>
+    </dgm:linClrLst>
+    <dgm:effectClrLst/>
+    <dgm:txLinClrLst/>
+    <dgm:txFillClrLst/>
+    <dgm:txEffectClrLst/>
+  </dgm:styleLbl>
+  <dgm:styleLbl name="asst4">
+    <dgm:fillClrLst>
+      <a:schemeClr val="accent3"/>
+    </dgm:fillClrLst>
+    <dgm:linClrLst meth="repeat">
+      <a:schemeClr val="lt1"/>
+    </dgm:linClrLst>
+    <dgm:effectClrLst/>
+    <dgm:txLinClrLst/>
+    <dgm:txFillClrLst/>
+    <dgm:txEffectClrLst/>
+  </dgm:styleLbl>
+  <dgm:styleLbl name="parChTrans2D1">
+    <dgm:fillClrLst meth="repeat">
+      <a:schemeClr val="accent5"/>
+    </dgm:fillClrLst>
+    <dgm:linClrLst meth="repeat">
+      <a:schemeClr val="lt1"/>
+    </dgm:linClrLst>
+    <dgm:effectClrLst/>
+    <dgm:txLinClrLst/>
+    <dgm:txFillClrLst meth="repeat">
+      <a:schemeClr val="lt1"/>
+    </dgm:txFillClrLst>
+    <dgm:txEffectClrLst/>
+  </dgm:styleLbl>
+  <dgm:styleLbl name="parChTrans2D2">
+    <dgm:fillClrLst meth="repeat">
+      <a:schemeClr val="accent6"/>
+    </dgm:fillClrLst>
+    <dgm:linClrLst meth="repeat">
+      <a:schemeClr val="lt1"/>
+    </dgm:linClrLst>
+    <dgm:effectClrLst/>
+    <dgm:txLinClrLst/>
+    <dgm:txFillClrLst/>
+    <dgm:txEffectClrLst/>
+  </dgm:styleLbl>
+  <dgm:styleLbl name="parChTrans2D3">
+    <dgm:fillClrLst meth="repeat">
+      <a:schemeClr val="accent6"/>
+    </dgm:fillClrLst>
+    <dgm:linClrLst meth="repeat">
+      <a:schemeClr val="lt1"/>
+    </dgm:linClrLst>
+    <dgm:effectClrLst/>
+    <dgm:txLinClrLst/>
+    <dgm:txFillClrLst/>
+    <dgm:txEffectClrLst/>
+  </dgm:styleLbl>
+  <dgm:styleLbl name="parChTrans2D4">
+    <dgm:fillClrLst meth="repeat">
+      <a:schemeClr val="accent1"/>
+    </dgm:fillClrLst>
+    <dgm:linClrLst meth="repeat">
+      <a:schemeClr val="lt1"/>
+    </dgm:linClrLst>
+    <dgm:effectClrLst/>
+    <dgm:txLinClrLst/>
+    <dgm:txFillClrLst meth="repeat">
+      <a:schemeClr val="lt1"/>
+    </dgm:txFillClrLst>
+    <dgm:txEffectClrLst/>
+  </dgm:styleLbl>
+  <dgm:styleLbl name="parChTrans1D1">
+    <dgm:fillClrLst meth="repeat">
+      <a:schemeClr val="accent5"/>
+    </dgm:fillClrLst>
+    <dgm:linClrLst meth="repeat">
+      <a:schemeClr val="accent5"/>
+    </dgm:linClrLst>
+    <dgm:effectClrLst/>
+    <dgm:txLinClrLst/>
+    <dgm:txFillClrLst meth="repeat">
+      <a:schemeClr val="tx1"/>
+    </dgm:txFillClrLst>
+    <dgm:txEffectClrLst/>
+  </dgm:styleLbl>
+  <dgm:styleLbl name="parChTrans1D2">
+    <dgm:fillClrLst meth="repeat">
+      <a:schemeClr val="accent6">
+        <a:tint val="90000"/>
+      </a:schemeClr>
+    </dgm:fillClrLst>
+    <dgm:linClrLst meth="repeat">
+      <a:schemeClr val="accent6"/>
+    </dgm:linClrLst>
+    <dgm:effectClrLst/>
+    <dgm:txLinClrLst/>
+    <dgm:txFillClrLst meth="repeat">
+      <a:schemeClr val="tx1"/>
+    </dgm:txFillClrLst>
+    <dgm:txEffectClrLst/>
+  </dgm:styleLbl>
+  <dgm:styleLbl name="parChTrans1D3">
+    <dgm:fillClrLst meth="repeat">
+      <a:schemeClr val="accent6">
+        <a:tint val="70000"/>
+      </a:schemeClr>
+    </dgm:fillClrLst>
+    <dgm:linClrLst meth="repeat">
+      <a:schemeClr val="accent1"/>
+    </dgm:linClrLst>
+    <dgm:effectClrLst/>
+    <dgm:txLinClrLst/>
+    <dgm:txFillClrLst meth="repeat">
+      <a:schemeClr val="tx1"/>
+    </dgm:txFillClrLst>
+    <dgm:txEffectClrLst/>
+  </dgm:styleLbl>
+  <dgm:styleLbl name="parChTrans1D4">
+    <dgm:fillClrLst meth="repeat">
+      <a:schemeClr val="accent6">
+        <a:tint val="50000"/>
+      </a:schemeClr>
+    </dgm:fillClrLst>
+    <dgm:linClrLst meth="repeat">
+      <a:schemeClr val="accent2"/>
+    </dgm:linClrLst>
+    <dgm:effectClrLst/>
+    <dgm:txLinClrLst/>
+    <dgm:txFillClrLst meth="repeat">
+      <a:schemeClr val="tx1"/>
+    </dgm:txFillClrLst>
+    <dgm:txEffectClrLst/>
+  </dgm:styleLbl>
+  <dgm:styleLbl name="fgAcc1">
+    <dgm:fillClrLst meth="repeat">
+      <a:schemeClr val="lt1">
+        <a:alpha val="90000"/>
+      </a:schemeClr>
+    </dgm:fillClrLst>
+    <dgm:linClrLst>
+      <a:schemeClr val="accent5"/>
+      <a:schemeClr val="accent6"/>
+    </dgm:linClrLst>
+    <dgm:effectClrLst/>
+    <dgm:txLinClrLst/>
+    <dgm:txFillClrLst meth="repeat">
+      <a:schemeClr val="dk1"/>
+    </dgm:txFillClrLst>
+    <dgm:txEffectClrLst/>
+  </dgm:styleLbl>
+  <dgm:styleLbl name="conFgAcc1">
+    <dgm:fillClrLst meth="repeat">
+      <a:schemeClr val="lt1">
+        <a:alpha val="90000"/>
+      </a:schemeClr>
+    </dgm:fillClrLst>
+    <dgm:linClrLst>
+      <a:schemeClr val="accent5"/>
+      <a:schemeClr val="accent6"/>
+    </dgm:linClrLst>
+    <dgm:effectClrLst/>
+    <dgm:txLinClrLst/>
+    <dgm:txFillClrLst meth="repeat">
+      <a:schemeClr val="dk1"/>
+    </dgm:txFillClrLst>
+    <dgm:txEffectClrLst/>
+  </dgm:styleLbl>
+  <dgm:styleLbl name="alignAcc1">
+    <dgm:fillClrLst meth="repeat">
+      <a:schemeClr val="lt1">
+        <a:alpha val="90000"/>
+      </a:schemeClr>
+    </dgm:fillClrLst>
+    <dgm:linClrLst>
+      <a:schemeClr val="accent5"/>
+      <a:schemeClr val="accent6"/>
+    </dgm:linClrLst>
+    <dgm:effectClrLst/>
+    <dgm:txLinClrLst/>
+    <dgm:txFillClrLst meth="repeat">
+      <a:schemeClr val="dk1"/>
+    </dgm:txFillClrLst>
+    <dgm:txEffectClrLst/>
+  </dgm:styleLbl>
+  <dgm:styleLbl name="trAlignAcc1">
+    <dgm:fillClrLst meth="repeat">
+      <a:schemeClr val="lt1">
+        <a:alpha val="40000"/>
+      </a:schemeClr>
+    </dgm:fillClrLst>
+    <dgm:linClrLst meth="repeat">
+      <a:schemeClr val="accent5"/>
+    </dgm:linClrLst>
+    <dgm:effectClrLst/>
+    <dgm:txLinClrLst/>
+    <dgm:txFillClrLst meth="repeat">
+      <a:schemeClr val="dk1"/>
+    </dgm:txFillClrLst>
+    <dgm:txEffectClrLst/>
+  </dgm:styleLbl>
+  <dgm:styleLbl name="bgAcc1">
+    <dgm:fillClrLst meth="repeat">
+      <a:schemeClr val="lt1">
+        <a:alpha val="90000"/>
+      </a:schemeClr>
+    </dgm:fillClrLst>
+    <dgm:linClrLst>
+      <a:schemeClr val="accent5"/>
+      <a:schemeClr val="accent6"/>
+    </dgm:linClrLst>
+    <dgm:effectClrLst/>
+    <dgm:txLinClrLst/>
+    <dgm:txFillClrLst meth="repeat">
+      <a:schemeClr val="dk1"/>
+    </dgm:txFillClrLst>
+    <dgm:txEffectClrLst/>
+  </dgm:styleLbl>
+  <dgm:styleLbl name="solidFgAcc1">
+    <dgm:fillClrLst meth="repeat">
+      <a:schemeClr val="lt1"/>
+    </dgm:fillClrLst>
+    <dgm:linClrLst>
+      <a:schemeClr val="accent5"/>
+      <a:schemeClr val="accent6"/>
+    </dgm:linClrLst>
+    <dgm:effectClrLst/>
+    <dgm:txLinClrLst/>
+    <dgm:txFillClrLst meth="repeat">
+      <a:schemeClr val="dk1"/>
+    </dgm:txFillClrLst>
+    <dgm:txEffectClrLst/>
+  </dgm:styleLbl>
+  <dgm:styleLbl name="solidAlignAcc1">
+    <dgm:fillClrLst meth="repeat">
+      <a:schemeClr val="lt1"/>
+    </dgm:fillClrLst>
+    <dgm:linClrLst>
+      <a:schemeClr val="accent5"/>
+      <a:schemeClr val="accent6"/>
+    </dgm:linClrLst>
+    <dgm:effectClrLst/>
+    <dgm:txLinClrLst/>
+    <dgm:txFillClrLst meth="repeat">
+      <a:schemeClr val="dk1"/>
+    </dgm:txFillClrLst>
+    <dgm:txEffectClrLst/>
+  </dgm:styleLbl>
+  <dgm:styleLbl name="solidBgAcc1">
+    <dgm:fillClrLst meth="repeat">
+      <a:schemeClr val="lt1"/>
+    </dgm:fillClrLst>
+    <dgm:linClrLst>
+      <a:schemeClr val="accent5"/>
+      <a:schemeClr val="accent6"/>
+    </dgm:linClrLst>
+    <dgm:effectClrLst/>
+    <dgm:txLinClrLst/>
+    <dgm:txFillClrLst meth="repeat">
+      <a:schemeClr val="dk1"/>
+    </dgm:txFillClrLst>
+    <dgm:txEffectClrLst/>
+  </dgm:styleLbl>
+  <dgm:styleLbl name="fgAccFollowNode1">
+    <dgm:fillClrLst>
+      <a:schemeClr val="accent5">
+        <a:tint val="40000"/>
+        <a:alpha val="90000"/>
+      </a:schemeClr>
+      <a:schemeClr val="accent6">
+        <a:tint val="40000"/>
+        <a:alpha val="90000"/>
+      </a:schemeClr>
+    </dgm:fillClrLst>
+    <dgm:linClrLst>
+      <a:schemeClr val="accent5">
+        <a:tint val="40000"/>
+        <a:alpha val="90000"/>
+      </a:schemeClr>
+      <a:schemeClr val="accent5">
+        <a:tint val="40000"/>
+        <a:alpha val="90000"/>
+      </a:schemeClr>
+    </dgm:linClrLst>
+    <dgm:effectClrLst/>
+    <dgm:txLinClrLst/>
+    <dgm:txFillClrLst meth="repeat">
+      <a:schemeClr val="dk1"/>
+    </dgm:txFillClrLst>
+    <dgm:txEffectClrLst/>
+  </dgm:styleLbl>
+  <dgm:styleLbl name="alignAccFollowNode1">
+    <dgm:fillClrLst>
+      <a:schemeClr val="accent5">
+        <a:tint val="40000"/>
+        <a:alpha val="90000"/>
+      </a:schemeClr>
+      <a:schemeClr val="accent6">
+        <a:tint val="40000"/>
+        <a:alpha val="90000"/>
+      </a:schemeClr>
+    </dgm:fillClrLst>
+    <dgm:linClrLst>
+      <a:schemeClr val="accent5">
+        <a:tint val="40000"/>
+        <a:alpha val="90000"/>
+      </a:schemeClr>
+      <a:schemeClr val="accent6">
+        <a:tint val="40000"/>
+        <a:alpha val="90000"/>
+      </a:schemeClr>
+    </dgm:linClrLst>
+    <dgm:effectClrLst/>
+    <dgm:txLinClrLst/>
+    <dgm:txFillClrLst meth="repeat">
+      <a:schemeClr val="dk1"/>
+    </dgm:txFillClrLst>
+    <dgm:txEffectClrLst/>
+  </dgm:styleLbl>
+  <dgm:styleLbl name="bgAccFollowNode1">
+    <dgm:fillClrLst>
+      <a:schemeClr val="accent5">
+        <a:tint val="40000"/>
+        <a:alpha val="90000"/>
+      </a:schemeClr>
+      <a:schemeClr val="accent6">
+        <a:tint val="40000"/>
+        <a:alpha val="90000"/>
+      </a:schemeClr>
+    </dgm:fillClrLst>
+    <dgm:linClrLst>
+      <a:schemeClr val="accent5">
+        <a:tint val="40000"/>
+        <a:alpha val="90000"/>
+      </a:schemeClr>
+      <a:schemeClr val="accent6">
+        <a:tint val="40000"/>
+        <a:alpha val="90000"/>
+      </a:schemeClr>
+    </dgm:linClrLst>
+    <dgm:effectClrLst/>
+    <dgm:txLinClrLst/>
+    <dgm:txFillClrLst meth="repeat">
+      <a:schemeClr val="dk1"/>
+    </dgm:txFillClrLst>
+    <dgm:txEffectClrLst/>
+  </dgm:styleLbl>
+  <dgm:styleLbl name="fgAcc0">
+    <dgm:fillClrLst meth="repeat">
+      <a:schemeClr val="lt1">
+        <a:alpha val="90000"/>
+      </a:schemeClr>
+    </dgm:fillClrLst>
+    <dgm:linClrLst>
+      <a:schemeClr val="accent4"/>
+    </dgm:linClrLst>
+    <dgm:effectClrLst/>
+    <dgm:txLinClrLst/>
+    <dgm:txFillClrLst meth="repeat">
+      <a:schemeClr val="dk1"/>
+    </dgm:txFillClrLst>
+    <dgm:txEffectClrLst/>
+  </dgm:styleLbl>
+  <dgm:styleLbl name="fgAcc2">
+    <dgm:fillClrLst meth="repeat">
+      <a:schemeClr val="lt1">
+        <a:alpha val="90000"/>
+      </a:schemeClr>
+    </dgm:fillClrLst>
+    <dgm:linClrLst>
+      <a:schemeClr val="accent6"/>
+    </dgm:linClrLst>
+    <dgm:effectClrLst/>
+    <dgm:txLinClrLst/>
+    <dgm:txFillClrLst meth="repeat">
+      <a:schemeClr val="dk1"/>
+    </dgm:txFillClrLst>
+    <dgm:txEffectClrLst/>
+  </dgm:styleLbl>
+  <dgm:styleLbl name="fgAcc3">
+    <dgm:fillClrLst meth="repeat">
+      <a:schemeClr val="lt1">
+        <a:alpha val="90000"/>
+      </a:schemeClr>
+    </dgm:fillClrLst>
+    <dgm:linClrLst>
+      <a:schemeClr val="accent1"/>
+    </dgm:linClrLst>
+    <dgm:effectClrLst/>
+    <dgm:txLinClrLst/>
+    <dgm:txFillClrLst meth="repeat">
+      <a:schemeClr val="dk1"/>
+    </dgm:txFillClrLst>
+    <dgm:txEffectClrLst/>
+  </dgm:styleLbl>
+  <dgm:styleLbl name="fgAcc4">
+    <dgm:fillClrLst meth="repeat">
+      <a:schemeClr val="lt1">
+        <a:alpha val="90000"/>
+      </a:schemeClr>
+    </dgm:fillClrLst>
+    <dgm:linClrLst>
+      <a:schemeClr val="accent2"/>
+    </dgm:linClrLst>
+    <dgm:effectClrLst/>
+    <dgm:txLinClrLst/>
+    <dgm:txFillClrLst meth="repeat">
+      <a:schemeClr val="dk1"/>
+    </dgm:txFillClrLst>
+    <dgm:txEffectClrLst/>
+  </dgm:styleLbl>
+  <dgm:styleLbl name="bgShp">
+    <dgm:fillClrLst meth="repeat">
+      <a:schemeClr val="accent5">
+        <a:tint val="40000"/>
+      </a:schemeClr>
+    </dgm:fillClrLst>
+    <dgm:linClrLst meth="repeat">
+      <a:schemeClr val="dk1"/>
+    </dgm:linClrLst>
+    <dgm:effectClrLst/>
+    <dgm:txLinClrLst/>
+    <dgm:txFillClrLst meth="repeat">
+      <a:schemeClr val="dk1"/>
+    </dgm:txFillClrLst>
+    <dgm:txEffectClrLst/>
+  </dgm:styleLbl>
+  <dgm:styleLbl name="dkBgShp">
+    <dgm:fillClrLst meth="repeat">
+      <a:schemeClr val="accent5">
+        <a:shade val="90000"/>
+      </a:schemeClr>
+    </dgm:fillClrLst>
+    <dgm:linClrLst meth="repeat">
+      <a:schemeClr val="dk1"/>
+    </dgm:linClrLst>
+    <dgm:effectClrLst/>
+    <dgm:txLinClrLst/>
+    <dgm:txFillClrLst meth="repeat">
+      <a:schemeClr val="lt1"/>
+    </dgm:txFillClrLst>
+    <dgm:txEffectClrLst/>
+  </dgm:styleLbl>
+  <dgm:styleLbl name="trBgShp">
+    <dgm:fillClrLst meth="repeat">
+      <a:schemeClr val="accent5">
+        <a:tint val="50000"/>
+        <a:alpha val="40000"/>
+      </a:schemeClr>
+    </dgm:fillClrLst>
+    <dgm:linClrLst meth="repeat">
+      <a:schemeClr val="accent5"/>
+    </dgm:linClrLst>
+    <dgm:effectClrLst/>
+    <dgm:txLinClrLst/>
+    <dgm:txFillClrLst meth="repeat">
+      <a:schemeClr val="lt1"/>
+    </dgm:txFillClrLst>
+    <dgm:txEffectClrLst/>
+  </dgm:styleLbl>
+  <dgm:styleLbl name="fgShp">
+    <dgm:fillClrLst meth="repeat">
+      <a:schemeClr val="accent5">
+        <a:tint val="40000"/>
+      </a:schemeClr>
+    </dgm:fillClrLst>
+    <dgm:linClrLst meth="repeat">
+      <a:schemeClr val="lt1"/>
+    </dgm:linClrLst>
+    <dgm:effectClrLst/>
+    <dgm:txLinClrLst/>
+    <dgm:txFillClrLst meth="repeat">
+      <a:schemeClr val="dk1"/>
+    </dgm:txFillClrLst>
+    <dgm:txEffectClrLst/>
+  </dgm:styleLbl>
+  <dgm:styleLbl name="revTx">
+    <dgm:fillClrLst meth="repeat">
+      <a:schemeClr val="lt1">
+        <a:alpha val="0"/>
+      </a:schemeClr>
+    </dgm:fillClrLst>
+    <dgm:linClrLst meth="repeat">
+      <a:schemeClr val="dk1">
+        <a:alpha val="0"/>
+      </a:schemeClr>
+    </dgm:linClrLst>
+    <dgm:effectClrLst/>
+    <dgm:txLinClrLst/>
+    <dgm:txFillClrLst meth="repeat">
+      <a:schemeClr val="tx1"/>
+    </dgm:txFillClrLst>
+    <dgm:txEffectClrLst/>
+  </dgm:styleLbl>
+</dgm:colorsDef>
+</file>
+
+<file path=ppt/diagrams/colors6.xml><?xml version="1.0" encoding="utf-8"?>
 <dgm:colorsDef xmlns:dgm="http://schemas.openxmlformats.org/drawingml/2006/diagram" xmlns:a="http://schemas.openxmlformats.org/drawingml/2006/main" uniqueId="urn:microsoft.com/office/officeart/2005/8/colors/accent0_3">
   <dgm:title val=""/>
   <dgm:desc val=""/>
@@ -4127,10 +4874,16 @@
         <a:p>
           <a:pPr algn="ctr"/>
           <a:r>
-            <a:rPr lang="en-GB" b="0" dirty="0"/>
+            <a:rPr lang="en-GB" b="0" dirty="0">
+              <a:latin typeface="Arial" panose="020B0604020202020204" pitchFamily="34" charset="0"/>
+              <a:cs typeface="Arial" panose="020B0604020202020204" pitchFamily="34" charset="0"/>
+            </a:rPr>
             <a:t>OSINT (Open Source Intelligence) – Passive Reconnaissance</a:t>
           </a:r>
-          <a:endParaRPr lang="en-US" b="0" dirty="0"/>
+          <a:endParaRPr lang="en-US" b="0" dirty="0">
+            <a:latin typeface="Arial" panose="020B0604020202020204" pitchFamily="34" charset="0"/>
+            <a:cs typeface="Arial" panose="020B0604020202020204" pitchFamily="34" charset="0"/>
+          </a:endParaRPr>
         </a:p>
       </dgm:t>
     </dgm:pt>
@@ -4165,10 +4918,16 @@
         <a:p>
           <a:pPr algn="ctr"/>
           <a:r>
-            <a:rPr lang="en-GB" b="0" dirty="0"/>
+            <a:rPr lang="en-GB" b="0" dirty="0">
+              <a:latin typeface="Arial" panose="020B0604020202020204" pitchFamily="34" charset="0"/>
+              <a:cs typeface="Arial" panose="020B0604020202020204" pitchFamily="34" charset="0"/>
+            </a:rPr>
             <a:t>Active Reconnaissance</a:t>
           </a:r>
-          <a:endParaRPr lang="en-US" b="0" dirty="0"/>
+          <a:endParaRPr lang="en-US" b="0" dirty="0">
+            <a:latin typeface="Arial" panose="020B0604020202020204" pitchFamily="34" charset="0"/>
+            <a:cs typeface="Arial" panose="020B0604020202020204" pitchFamily="34" charset="0"/>
+          </a:endParaRPr>
         </a:p>
       </dgm:t>
     </dgm:pt>
@@ -4203,7 +4962,10 @@
         <a:p>
           <a:pPr algn="ctr"/>
           <a:r>
-            <a:rPr lang="en-US" b="0" dirty="0"/>
+            <a:rPr lang="en-US" b="0" dirty="0">
+              <a:latin typeface="Arial" panose="020B0604020202020204" pitchFamily="34" charset="0"/>
+              <a:cs typeface="Arial" panose="020B0604020202020204" pitchFamily="34" charset="0"/>
+            </a:rPr>
             <a:t>External Testing/Breaching the Perimeter</a:t>
           </a:r>
         </a:p>
@@ -4240,10 +5002,16 @@
         <a:p>
           <a:pPr algn="ctr"/>
           <a:r>
-            <a:rPr lang="en-GB" b="0" dirty="0"/>
+            <a:rPr lang="en-GB" b="0" dirty="0">
+              <a:latin typeface="Arial" panose="020B0604020202020204" pitchFamily="34" charset="0"/>
+              <a:cs typeface="Arial" panose="020B0604020202020204" pitchFamily="34" charset="0"/>
+            </a:rPr>
             <a:t>Internal network testing</a:t>
           </a:r>
-          <a:endParaRPr lang="en-US" b="0" dirty="0"/>
+          <a:endParaRPr lang="en-US" b="0" dirty="0">
+            <a:latin typeface="Arial" panose="020B0604020202020204" pitchFamily="34" charset="0"/>
+            <a:cs typeface="Arial" panose="020B0604020202020204" pitchFamily="34" charset="0"/>
+          </a:endParaRPr>
         </a:p>
       </dgm:t>
     </dgm:pt>
@@ -4278,10 +5046,16 @@
         <a:p>
           <a:pPr algn="ctr"/>
           <a:r>
-            <a:rPr lang="en-GB" b="0" dirty="0"/>
+            <a:rPr lang="en-GB" b="0" dirty="0">
+              <a:latin typeface="Arial" panose="020B0604020202020204" pitchFamily="34" charset="0"/>
+              <a:cs typeface="Arial" panose="020B0604020202020204" pitchFamily="34" charset="0"/>
+            </a:rPr>
             <a:t>Defence Evasion</a:t>
           </a:r>
-          <a:endParaRPr lang="en-US" b="0" dirty="0"/>
+          <a:endParaRPr lang="en-US" b="0" dirty="0">
+            <a:latin typeface="Arial" panose="020B0604020202020204" pitchFamily="34" charset="0"/>
+            <a:cs typeface="Arial" panose="020B0604020202020204" pitchFamily="34" charset="0"/>
+          </a:endParaRPr>
         </a:p>
       </dgm:t>
     </dgm:pt>
@@ -4316,10 +5090,16 @@
         <a:p>
           <a:pPr algn="ctr"/>
           <a:r>
-            <a:rPr lang="en-GB" b="0" dirty="0"/>
+            <a:rPr lang="en-GB" b="0" dirty="0">
+              <a:latin typeface="Arial" panose="020B0604020202020204" pitchFamily="34" charset="0"/>
+              <a:cs typeface="Arial" panose="020B0604020202020204" pitchFamily="34" charset="0"/>
+            </a:rPr>
             <a:t>Persistence/Data Exfiltration</a:t>
           </a:r>
-          <a:endParaRPr lang="en-US" b="0" dirty="0"/>
+          <a:endParaRPr lang="en-US" b="0" dirty="0">
+            <a:latin typeface="Arial" panose="020B0604020202020204" pitchFamily="34" charset="0"/>
+            <a:cs typeface="Arial" panose="020B0604020202020204" pitchFamily="34" charset="0"/>
+          </a:endParaRPr>
         </a:p>
       </dgm:t>
     </dgm:pt>
@@ -4505,6 +5285,167 @@
 <dgm:dataModel xmlns:dgm="http://schemas.openxmlformats.org/drawingml/2006/diagram" xmlns:a="http://schemas.openxmlformats.org/drawingml/2006/main">
   <dgm:ptLst>
     <dgm:pt modelId="{8009FAFC-0A64-4ABB-895E-7799F07AEE4A}" type="doc">
+      <dgm:prSet loTypeId="urn:microsoft.com/office/officeart/2008/layout/LinedList" loCatId="list" qsTypeId="urn:microsoft.com/office/officeart/2005/8/quickstyle/simple1" qsCatId="simple" csTypeId="urn:microsoft.com/office/officeart/2005/8/colors/accent1_2" csCatId="accent1" phldr="1"/>
+      <dgm:spPr/>
+      <dgm:t>
+        <a:bodyPr/>
+        <a:lstStyle/>
+        <a:p>
+          <a:endParaRPr lang="en-US"/>
+        </a:p>
+      </dgm:t>
+    </dgm:pt>
+    <dgm:pt modelId="{4FA7A888-2DE4-4B12-834B-3B3B18F468E3}">
+      <dgm:prSet/>
+      <dgm:spPr/>
+      <dgm:t>
+        <a:bodyPr/>
+        <a:lstStyle/>
+        <a:p>
+          <a:pPr algn="ctr"/>
+          <a:r>
+            <a:rPr lang="en-GB" dirty="0"/>
+            <a:t>Linux Professionals (Security, Networking/Infrastructure, Software, Analysts)</a:t>
+          </a:r>
+          <a:endParaRPr lang="en-US" dirty="0"/>
+        </a:p>
+      </dgm:t>
+    </dgm:pt>
+    <dgm:pt modelId="{4581FDF0-23D0-40E0-A4CA-8C380FBF65A7}" type="parTrans" cxnId="{269CF9D3-3375-4239-8088-C7436DACA053}">
+      <dgm:prSet/>
+      <dgm:spPr/>
+      <dgm:t>
+        <a:bodyPr/>
+        <a:lstStyle/>
+        <a:p>
+          <a:pPr algn="ctr"/>
+          <a:endParaRPr lang="en-US"/>
+        </a:p>
+      </dgm:t>
+    </dgm:pt>
+    <dgm:pt modelId="{1FBEE6BA-16D5-4113-88C3-87A691381FC2}" type="sibTrans" cxnId="{269CF9D3-3375-4239-8088-C7436DACA053}">
+      <dgm:prSet/>
+      <dgm:spPr/>
+      <dgm:t>
+        <a:bodyPr/>
+        <a:lstStyle/>
+        <a:p>
+          <a:pPr algn="ctr"/>
+          <a:endParaRPr lang="en-US"/>
+        </a:p>
+      </dgm:t>
+    </dgm:pt>
+    <dgm:pt modelId="{6C8B900E-B869-4F4A-BC5D-4FF0C01C6FB4}">
+      <dgm:prSet/>
+      <dgm:spPr/>
+      <dgm:t>
+        <a:bodyPr/>
+        <a:lstStyle/>
+        <a:p>
+          <a:pPr algn="ctr"/>
+          <a:r>
+            <a:rPr lang="en-US" dirty="0"/>
+            <a:t>HPC Researchers and all other IT related staff are also very welcome</a:t>
+          </a:r>
+        </a:p>
+      </dgm:t>
+    </dgm:pt>
+    <dgm:pt modelId="{E5A1F8F2-6B70-4648-9B1F-8839F78327C6}" type="parTrans" cxnId="{9D3771D6-9606-4610-A57A-AA271668EA51}">
+      <dgm:prSet/>
+      <dgm:spPr/>
+      <dgm:t>
+        <a:bodyPr/>
+        <a:lstStyle/>
+        <a:p>
+          <a:pPr algn="ctr"/>
+          <a:endParaRPr lang="en-US"/>
+        </a:p>
+      </dgm:t>
+    </dgm:pt>
+    <dgm:pt modelId="{0C3ECEFC-6656-4EB9-8344-B431AC99321C}" type="sibTrans" cxnId="{9D3771D6-9606-4610-A57A-AA271668EA51}">
+      <dgm:prSet/>
+      <dgm:spPr/>
+      <dgm:t>
+        <a:bodyPr/>
+        <a:lstStyle/>
+        <a:p>
+          <a:pPr algn="ctr"/>
+          <a:endParaRPr lang="en-US"/>
+        </a:p>
+      </dgm:t>
+    </dgm:pt>
+    <dgm:pt modelId="{2D27A1FA-1CFA-4C55-985B-2724D6F8FF52}" type="pres">
+      <dgm:prSet presAssocID="{8009FAFC-0A64-4ABB-895E-7799F07AEE4A}" presName="vert0" presStyleCnt="0">
+        <dgm:presLayoutVars>
+          <dgm:dir/>
+          <dgm:animOne val="branch"/>
+          <dgm:animLvl val="lvl"/>
+        </dgm:presLayoutVars>
+      </dgm:prSet>
+      <dgm:spPr/>
+    </dgm:pt>
+    <dgm:pt modelId="{0345D7FC-F8AB-41AC-9082-474760728827}" type="pres">
+      <dgm:prSet presAssocID="{4FA7A888-2DE4-4B12-834B-3B3B18F468E3}" presName="thickLine" presStyleLbl="alignNode1" presStyleIdx="0" presStyleCnt="2"/>
+      <dgm:spPr/>
+    </dgm:pt>
+    <dgm:pt modelId="{CD46B848-DEF5-4909-96E0-A4B27AF0C02A}" type="pres">
+      <dgm:prSet presAssocID="{4FA7A888-2DE4-4B12-834B-3B3B18F468E3}" presName="horz1" presStyleCnt="0"/>
+      <dgm:spPr/>
+    </dgm:pt>
+    <dgm:pt modelId="{1E6D7E9F-86C6-48A6-943C-5B541870A0A4}" type="pres">
+      <dgm:prSet presAssocID="{4FA7A888-2DE4-4B12-834B-3B3B18F468E3}" presName="tx1" presStyleLbl="revTx" presStyleIdx="0" presStyleCnt="2"/>
+      <dgm:spPr/>
+    </dgm:pt>
+    <dgm:pt modelId="{4210C33D-E4E9-4F28-B0CB-3825C9E3BD69}" type="pres">
+      <dgm:prSet presAssocID="{4FA7A888-2DE4-4B12-834B-3B3B18F468E3}" presName="vert1" presStyleCnt="0"/>
+      <dgm:spPr/>
+    </dgm:pt>
+    <dgm:pt modelId="{9988E836-42FF-4124-960A-F7F99C9AC122}" type="pres">
+      <dgm:prSet presAssocID="{6C8B900E-B869-4F4A-BC5D-4FF0C01C6FB4}" presName="thickLine" presStyleLbl="alignNode1" presStyleIdx="1" presStyleCnt="2"/>
+      <dgm:spPr/>
+    </dgm:pt>
+    <dgm:pt modelId="{5FB2F8D5-F227-4E4D-ACFF-7BE6063A8198}" type="pres">
+      <dgm:prSet presAssocID="{6C8B900E-B869-4F4A-BC5D-4FF0C01C6FB4}" presName="horz1" presStyleCnt="0"/>
+      <dgm:spPr/>
+    </dgm:pt>
+    <dgm:pt modelId="{E289EFB0-964F-4228-8089-ED7D725B7DCC}" type="pres">
+      <dgm:prSet presAssocID="{6C8B900E-B869-4F4A-BC5D-4FF0C01C6FB4}" presName="tx1" presStyleLbl="revTx" presStyleIdx="1" presStyleCnt="2"/>
+      <dgm:spPr/>
+    </dgm:pt>
+    <dgm:pt modelId="{A31633CD-9E76-46AF-A644-472900084EE7}" type="pres">
+      <dgm:prSet presAssocID="{6C8B900E-B869-4F4A-BC5D-4FF0C01C6FB4}" presName="vert1" presStyleCnt="0"/>
+      <dgm:spPr/>
+    </dgm:pt>
+  </dgm:ptLst>
+  <dgm:cxnLst>
+    <dgm:cxn modelId="{3584D802-535C-406D-A68A-F90182DE1C42}" type="presOf" srcId="{6C8B900E-B869-4F4A-BC5D-4FF0C01C6FB4}" destId="{E289EFB0-964F-4228-8089-ED7D725B7DCC}" srcOrd="0" destOrd="0" presId="urn:microsoft.com/office/officeart/2008/layout/LinedList"/>
+    <dgm:cxn modelId="{6FD10C21-821E-4AEB-8745-D6D5F5DE0304}" type="presOf" srcId="{8009FAFC-0A64-4ABB-895E-7799F07AEE4A}" destId="{2D27A1FA-1CFA-4C55-985B-2724D6F8FF52}" srcOrd="0" destOrd="0" presId="urn:microsoft.com/office/officeart/2008/layout/LinedList"/>
+    <dgm:cxn modelId="{A4FFC6B3-6380-40A8-954F-1F7FE6F19A77}" type="presOf" srcId="{4FA7A888-2DE4-4B12-834B-3B3B18F468E3}" destId="{1E6D7E9F-86C6-48A6-943C-5B541870A0A4}" srcOrd="0" destOrd="0" presId="urn:microsoft.com/office/officeart/2008/layout/LinedList"/>
+    <dgm:cxn modelId="{269CF9D3-3375-4239-8088-C7436DACA053}" srcId="{8009FAFC-0A64-4ABB-895E-7799F07AEE4A}" destId="{4FA7A888-2DE4-4B12-834B-3B3B18F468E3}" srcOrd="0" destOrd="0" parTransId="{4581FDF0-23D0-40E0-A4CA-8C380FBF65A7}" sibTransId="{1FBEE6BA-16D5-4113-88C3-87A691381FC2}"/>
+    <dgm:cxn modelId="{9D3771D6-9606-4610-A57A-AA271668EA51}" srcId="{8009FAFC-0A64-4ABB-895E-7799F07AEE4A}" destId="{6C8B900E-B869-4F4A-BC5D-4FF0C01C6FB4}" srcOrd="1" destOrd="0" parTransId="{E5A1F8F2-6B70-4648-9B1F-8839F78327C6}" sibTransId="{0C3ECEFC-6656-4EB9-8344-B431AC99321C}"/>
+    <dgm:cxn modelId="{1E83F7F5-2BBE-4703-BEDC-E2556743226B}" type="presParOf" srcId="{2D27A1FA-1CFA-4C55-985B-2724D6F8FF52}" destId="{0345D7FC-F8AB-41AC-9082-474760728827}" srcOrd="0" destOrd="0" presId="urn:microsoft.com/office/officeart/2008/layout/LinedList"/>
+    <dgm:cxn modelId="{27FCC82A-E86E-436B-8E95-FE60C281F1EA}" type="presParOf" srcId="{2D27A1FA-1CFA-4C55-985B-2724D6F8FF52}" destId="{CD46B848-DEF5-4909-96E0-A4B27AF0C02A}" srcOrd="1" destOrd="0" presId="urn:microsoft.com/office/officeart/2008/layout/LinedList"/>
+    <dgm:cxn modelId="{F6EC9116-AF01-491F-B676-3C8C9EBC3525}" type="presParOf" srcId="{CD46B848-DEF5-4909-96E0-A4B27AF0C02A}" destId="{1E6D7E9F-86C6-48A6-943C-5B541870A0A4}" srcOrd="0" destOrd="0" presId="urn:microsoft.com/office/officeart/2008/layout/LinedList"/>
+    <dgm:cxn modelId="{B595079E-BDD7-43EF-909B-FD9056DF0F8E}" type="presParOf" srcId="{CD46B848-DEF5-4909-96E0-A4B27AF0C02A}" destId="{4210C33D-E4E9-4F28-B0CB-3825C9E3BD69}" srcOrd="1" destOrd="0" presId="urn:microsoft.com/office/officeart/2008/layout/LinedList"/>
+    <dgm:cxn modelId="{A8C78629-BDA9-40DA-842C-4A5BA4EDE8DC}" type="presParOf" srcId="{2D27A1FA-1CFA-4C55-985B-2724D6F8FF52}" destId="{9988E836-42FF-4124-960A-F7F99C9AC122}" srcOrd="2" destOrd="0" presId="urn:microsoft.com/office/officeart/2008/layout/LinedList"/>
+    <dgm:cxn modelId="{B4B9F533-E533-4E9F-801A-34E0CD8380D5}" type="presParOf" srcId="{2D27A1FA-1CFA-4C55-985B-2724D6F8FF52}" destId="{5FB2F8D5-F227-4E4D-ACFF-7BE6063A8198}" srcOrd="3" destOrd="0" presId="urn:microsoft.com/office/officeart/2008/layout/LinedList"/>
+    <dgm:cxn modelId="{DA981415-A95E-406C-A0CA-0B8C54857447}" type="presParOf" srcId="{5FB2F8D5-F227-4E4D-ACFF-7BE6063A8198}" destId="{E289EFB0-964F-4228-8089-ED7D725B7DCC}" srcOrd="0" destOrd="0" presId="urn:microsoft.com/office/officeart/2008/layout/LinedList"/>
+    <dgm:cxn modelId="{A5F9FCF2-7C11-4F89-8D1E-ECA765D0D269}" type="presParOf" srcId="{5FB2F8D5-F227-4E4D-ACFF-7BE6063A8198}" destId="{A31633CD-9E76-46AF-A644-472900084EE7}" srcOrd="1" destOrd="0" presId="urn:microsoft.com/office/officeart/2008/layout/LinedList"/>
+  </dgm:cxnLst>
+  <dgm:bg/>
+  <dgm:whole/>
+  <dgm:extLst>
+    <a:ext uri="http://schemas.microsoft.com/office/drawing/2008/diagram">
+      <dsp:dataModelExt xmlns:dsp="http://schemas.microsoft.com/office/drawing/2008/diagram" relId="rId7" minVer="http://schemas.openxmlformats.org/drawingml/2006/diagram"/>
+    </a:ext>
+  </dgm:extLst>
+</dgm:dataModel>
+</file>
+
+<file path=ppt/diagrams/data3.xml><?xml version="1.0" encoding="utf-8"?>
+<dgm:dataModel xmlns:dgm="http://schemas.openxmlformats.org/drawingml/2006/diagram" xmlns:a="http://schemas.openxmlformats.org/drawingml/2006/main">
+  <dgm:ptLst>
+    <dgm:pt modelId="{8009FAFC-0A64-4ABB-895E-7799F07AEE4A}" type="doc">
       <dgm:prSet loTypeId="urn:microsoft.com/office/officeart/2008/layout/LinedList" loCatId="list" qsTypeId="urn:microsoft.com/office/officeart/2005/8/quickstyle/simple1" qsCatId="simple" csTypeId="urn:microsoft.com/office/officeart/2005/8/colors/accent1_2" csCatId="accent1"/>
       <dgm:spPr/>
       <dgm:t>
@@ -4522,11 +5463,12 @@
         <a:bodyPr/>
         <a:lstStyle/>
         <a:p>
+          <a:pPr algn="ctr"/>
           <a:r>
-            <a:rPr lang="en-GB" b="1"/>
+            <a:rPr lang="en-GB" b="1" dirty="0"/>
             <a:t>Understanding of the Linux operating system, proficiency with Linux tools and command line environments.</a:t>
           </a:r>
-          <a:endParaRPr lang="en-US"/>
+          <a:endParaRPr lang="en-US" dirty="0"/>
         </a:p>
       </dgm:t>
     </dgm:pt>
@@ -4559,11 +5501,12 @@
         <a:bodyPr/>
         <a:lstStyle/>
         <a:p>
+          <a:pPr algn="ctr"/>
           <a:r>
-            <a:rPr lang="en-GB" b="1"/>
+            <a:rPr lang="en-GB" b="1" dirty="0"/>
             <a:t>Knowledge of general network infrastructure and understanding of basic network security mechanisms (Firewall, IDS, IPTables)</a:t>
           </a:r>
-          <a:endParaRPr lang="en-US"/>
+          <a:endParaRPr lang="en-US" dirty="0"/>
         </a:p>
       </dgm:t>
     </dgm:pt>
@@ -4596,11 +5539,12 @@
         <a:bodyPr/>
         <a:lstStyle/>
         <a:p>
+          <a:pPr algn="ctr"/>
           <a:r>
-            <a:rPr lang="en-GB" b="1"/>
+            <a:rPr lang="en-GB" b="1" dirty="0"/>
             <a:t>Proficiency in a programming language such as: Python, Bash, Perl, PHP</a:t>
           </a:r>
-          <a:endParaRPr lang="en-US"/>
+          <a:endParaRPr lang="en-US" dirty="0"/>
         </a:p>
       </dgm:t>
     </dgm:pt>
@@ -4626,43 +5570,6 @@
         </a:p>
       </dgm:t>
     </dgm:pt>
-    <dgm:pt modelId="{8310BB11-F28E-4DFE-9FB9-C5D3F993629C}">
-      <dgm:prSet/>
-      <dgm:spPr/>
-      <dgm:t>
-        <a:bodyPr/>
-        <a:lstStyle/>
-        <a:p>
-          <a:r>
-            <a:rPr lang="en-GB" b="1"/>
-            <a:t>Bonus: Offensive Security Certifications/Previous experience of Penetration Testing</a:t>
-          </a:r>
-          <a:endParaRPr lang="en-US"/>
-        </a:p>
-      </dgm:t>
-    </dgm:pt>
-    <dgm:pt modelId="{83EA61B7-7FCD-47AD-99D0-F9438D00CEDF}" type="parTrans" cxnId="{2A68F78D-DBB0-40B4-81C3-4E911484C3CA}">
-      <dgm:prSet/>
-      <dgm:spPr/>
-      <dgm:t>
-        <a:bodyPr/>
-        <a:lstStyle/>
-        <a:p>
-          <a:endParaRPr lang="en-US"/>
-        </a:p>
-      </dgm:t>
-    </dgm:pt>
-    <dgm:pt modelId="{81016EEA-0A4F-4C51-B8B1-DC9D5D2344B8}" type="sibTrans" cxnId="{2A68F78D-DBB0-40B4-81C3-4E911484C3CA}">
-      <dgm:prSet/>
-      <dgm:spPr/>
-      <dgm:t>
-        <a:bodyPr/>
-        <a:lstStyle/>
-        <a:p>
-          <a:endParaRPr lang="en-US"/>
-        </a:p>
-      </dgm:t>
-    </dgm:pt>
     <dgm:pt modelId="{2D27A1FA-1CFA-4C55-985B-2724D6F8FF52}" type="pres">
       <dgm:prSet presAssocID="{8009FAFC-0A64-4ABB-895E-7799F07AEE4A}" presName="vert0" presStyleCnt="0">
         <dgm:presLayoutVars>
@@ -4674,7 +5581,7 @@
       <dgm:spPr/>
     </dgm:pt>
     <dgm:pt modelId="{0345D7FC-F8AB-41AC-9082-474760728827}" type="pres">
-      <dgm:prSet presAssocID="{4FA7A888-2DE4-4B12-834B-3B3B18F468E3}" presName="thickLine" presStyleLbl="alignNode1" presStyleIdx="0" presStyleCnt="4"/>
+      <dgm:prSet presAssocID="{4FA7A888-2DE4-4B12-834B-3B3B18F468E3}" presName="thickLine" presStyleLbl="alignNode1" presStyleIdx="0" presStyleCnt="3"/>
       <dgm:spPr/>
     </dgm:pt>
     <dgm:pt modelId="{CD46B848-DEF5-4909-96E0-A4B27AF0C02A}" type="pres">
@@ -4682,7 +5589,7 @@
       <dgm:spPr/>
     </dgm:pt>
     <dgm:pt modelId="{1E6D7E9F-86C6-48A6-943C-5B541870A0A4}" type="pres">
-      <dgm:prSet presAssocID="{4FA7A888-2DE4-4B12-834B-3B3B18F468E3}" presName="tx1" presStyleLbl="revTx" presStyleIdx="0" presStyleCnt="4"/>
+      <dgm:prSet presAssocID="{4FA7A888-2DE4-4B12-834B-3B3B18F468E3}" presName="tx1" presStyleLbl="revTx" presStyleIdx="0" presStyleCnt="3"/>
       <dgm:spPr/>
     </dgm:pt>
     <dgm:pt modelId="{4210C33D-E4E9-4F28-B0CB-3825C9E3BD69}" type="pres">
@@ -4690,7 +5597,7 @@
       <dgm:spPr/>
     </dgm:pt>
     <dgm:pt modelId="{28C4B428-E242-4A29-9117-CB618ECF3454}" type="pres">
-      <dgm:prSet presAssocID="{D144A82B-30D5-499D-8A9A-91E09A31457D}" presName="thickLine" presStyleLbl="alignNode1" presStyleIdx="1" presStyleCnt="4"/>
+      <dgm:prSet presAssocID="{D144A82B-30D5-499D-8A9A-91E09A31457D}" presName="thickLine" presStyleLbl="alignNode1" presStyleIdx="1" presStyleCnt="3"/>
       <dgm:spPr/>
     </dgm:pt>
     <dgm:pt modelId="{C895A1FE-206B-4DAE-B630-977B4899E082}" type="pres">
@@ -4698,7 +5605,7 @@
       <dgm:spPr/>
     </dgm:pt>
     <dgm:pt modelId="{317605E8-D8B4-47BA-AEE0-2A984489F44E}" type="pres">
-      <dgm:prSet presAssocID="{D144A82B-30D5-499D-8A9A-91E09A31457D}" presName="tx1" presStyleLbl="revTx" presStyleIdx="1" presStyleCnt="4"/>
+      <dgm:prSet presAssocID="{D144A82B-30D5-499D-8A9A-91E09A31457D}" presName="tx1" presStyleLbl="revTx" presStyleIdx="1" presStyleCnt="3"/>
       <dgm:spPr/>
     </dgm:pt>
     <dgm:pt modelId="{FC2DB1C1-2AE9-49B0-91E5-3F2FDF96DE3C}" type="pres">
@@ -4706,7 +5613,7 @@
       <dgm:spPr/>
     </dgm:pt>
     <dgm:pt modelId="{9988E836-42FF-4124-960A-F7F99C9AC122}" type="pres">
-      <dgm:prSet presAssocID="{6C8B900E-B869-4F4A-BC5D-4FF0C01C6FB4}" presName="thickLine" presStyleLbl="alignNode1" presStyleIdx="2" presStyleCnt="4"/>
+      <dgm:prSet presAssocID="{6C8B900E-B869-4F4A-BC5D-4FF0C01C6FB4}" presName="thickLine" presStyleLbl="alignNode1" presStyleIdx="2" presStyleCnt="3"/>
       <dgm:spPr/>
     </dgm:pt>
     <dgm:pt modelId="{5FB2F8D5-F227-4E4D-ACFF-7BE6063A8198}" type="pres">
@@ -4714,27 +5621,11 @@
       <dgm:spPr/>
     </dgm:pt>
     <dgm:pt modelId="{E289EFB0-964F-4228-8089-ED7D725B7DCC}" type="pres">
-      <dgm:prSet presAssocID="{6C8B900E-B869-4F4A-BC5D-4FF0C01C6FB4}" presName="tx1" presStyleLbl="revTx" presStyleIdx="2" presStyleCnt="4"/>
+      <dgm:prSet presAssocID="{6C8B900E-B869-4F4A-BC5D-4FF0C01C6FB4}" presName="tx1" presStyleLbl="revTx" presStyleIdx="2" presStyleCnt="3"/>
       <dgm:spPr/>
     </dgm:pt>
     <dgm:pt modelId="{A31633CD-9E76-46AF-A644-472900084EE7}" type="pres">
       <dgm:prSet presAssocID="{6C8B900E-B869-4F4A-BC5D-4FF0C01C6FB4}" presName="vert1" presStyleCnt="0"/>
-      <dgm:spPr/>
-    </dgm:pt>
-    <dgm:pt modelId="{6404B185-A812-4B4B-A168-9F6293923C27}" type="pres">
-      <dgm:prSet presAssocID="{8310BB11-F28E-4DFE-9FB9-C5D3F993629C}" presName="thickLine" presStyleLbl="alignNode1" presStyleIdx="3" presStyleCnt="4"/>
-      <dgm:spPr/>
-    </dgm:pt>
-    <dgm:pt modelId="{7C6393F8-13CD-48EA-8E7E-A14573440256}" type="pres">
-      <dgm:prSet presAssocID="{8310BB11-F28E-4DFE-9FB9-C5D3F993629C}" presName="horz1" presStyleCnt="0"/>
-      <dgm:spPr/>
-    </dgm:pt>
-    <dgm:pt modelId="{2FC083A9-BBFD-459E-9538-58219857EF03}" type="pres">
-      <dgm:prSet presAssocID="{8310BB11-F28E-4DFE-9FB9-C5D3F993629C}" presName="tx1" presStyleLbl="revTx" presStyleIdx="3" presStyleCnt="4"/>
-      <dgm:spPr/>
-    </dgm:pt>
-    <dgm:pt modelId="{04BE4DD3-9B1B-47A0-9301-C440568599C2}" type="pres">
-      <dgm:prSet presAssocID="{8310BB11-F28E-4DFE-9FB9-C5D3F993629C}" presName="vert1" presStyleCnt="0"/>
       <dgm:spPr/>
     </dgm:pt>
   </dgm:ptLst>
@@ -4743,9 +5634,7 @@
     <dgm:cxn modelId="{6FD10C21-821E-4AEB-8745-D6D5F5DE0304}" type="presOf" srcId="{8009FAFC-0A64-4ABB-895E-7799F07AEE4A}" destId="{2D27A1FA-1CFA-4C55-985B-2724D6F8FF52}" srcOrd="0" destOrd="0" presId="urn:microsoft.com/office/officeart/2008/layout/LinedList"/>
     <dgm:cxn modelId="{633BD083-A7B6-46C5-9DB1-E7C18ADA7D03}" type="presOf" srcId="{D144A82B-30D5-499D-8A9A-91E09A31457D}" destId="{317605E8-D8B4-47BA-AEE0-2A984489F44E}" srcOrd="0" destOrd="0" presId="urn:microsoft.com/office/officeart/2008/layout/LinedList"/>
     <dgm:cxn modelId="{81B85286-8310-4BF7-BD2D-F6FEA1D0D98E}" srcId="{8009FAFC-0A64-4ABB-895E-7799F07AEE4A}" destId="{D144A82B-30D5-499D-8A9A-91E09A31457D}" srcOrd="1" destOrd="0" parTransId="{297DA511-AC8F-4821-BDC5-7CA6CC36BE99}" sibTransId="{F32F231C-AC63-428E-9BB1-1A8BEC712071}"/>
-    <dgm:cxn modelId="{2A68F78D-DBB0-40B4-81C3-4E911484C3CA}" srcId="{8009FAFC-0A64-4ABB-895E-7799F07AEE4A}" destId="{8310BB11-F28E-4DFE-9FB9-C5D3F993629C}" srcOrd="3" destOrd="0" parTransId="{83EA61B7-7FCD-47AD-99D0-F9438D00CEDF}" sibTransId="{81016EEA-0A4F-4C51-B8B1-DC9D5D2344B8}"/>
     <dgm:cxn modelId="{A4FFC6B3-6380-40A8-954F-1F7FE6F19A77}" type="presOf" srcId="{4FA7A888-2DE4-4B12-834B-3B3B18F468E3}" destId="{1E6D7E9F-86C6-48A6-943C-5B541870A0A4}" srcOrd="0" destOrd="0" presId="urn:microsoft.com/office/officeart/2008/layout/LinedList"/>
-    <dgm:cxn modelId="{ECBC9CD1-00BD-4D4C-AB92-F8AAFD127CC3}" type="presOf" srcId="{8310BB11-F28E-4DFE-9FB9-C5D3F993629C}" destId="{2FC083A9-BBFD-459E-9538-58219857EF03}" srcOrd="0" destOrd="0" presId="urn:microsoft.com/office/officeart/2008/layout/LinedList"/>
     <dgm:cxn modelId="{269CF9D3-3375-4239-8088-C7436DACA053}" srcId="{8009FAFC-0A64-4ABB-895E-7799F07AEE4A}" destId="{4FA7A888-2DE4-4B12-834B-3B3B18F468E3}" srcOrd="0" destOrd="0" parTransId="{4581FDF0-23D0-40E0-A4CA-8C380FBF65A7}" sibTransId="{1FBEE6BA-16D5-4113-88C3-87A691381FC2}"/>
     <dgm:cxn modelId="{9D3771D6-9606-4610-A57A-AA271668EA51}" srcId="{8009FAFC-0A64-4ABB-895E-7799F07AEE4A}" destId="{6C8B900E-B869-4F4A-BC5D-4FF0C01C6FB4}" srcOrd="2" destOrd="0" parTransId="{E5A1F8F2-6B70-4648-9B1F-8839F78327C6}" sibTransId="{0C3ECEFC-6656-4EB9-8344-B431AC99321C}"/>
     <dgm:cxn modelId="{1E83F7F5-2BBE-4703-BEDC-E2556743226B}" type="presParOf" srcId="{2D27A1FA-1CFA-4C55-985B-2724D6F8FF52}" destId="{0345D7FC-F8AB-41AC-9082-474760728827}" srcOrd="0" destOrd="0" presId="urn:microsoft.com/office/officeart/2008/layout/LinedList"/>
@@ -4760,10 +5649,6 @@
     <dgm:cxn modelId="{B4B9F533-E533-4E9F-801A-34E0CD8380D5}" type="presParOf" srcId="{2D27A1FA-1CFA-4C55-985B-2724D6F8FF52}" destId="{5FB2F8D5-F227-4E4D-ACFF-7BE6063A8198}" srcOrd="5" destOrd="0" presId="urn:microsoft.com/office/officeart/2008/layout/LinedList"/>
     <dgm:cxn modelId="{DA981415-A95E-406C-A0CA-0B8C54857447}" type="presParOf" srcId="{5FB2F8D5-F227-4E4D-ACFF-7BE6063A8198}" destId="{E289EFB0-964F-4228-8089-ED7D725B7DCC}" srcOrd="0" destOrd="0" presId="urn:microsoft.com/office/officeart/2008/layout/LinedList"/>
     <dgm:cxn modelId="{A5F9FCF2-7C11-4F89-8D1E-ECA765D0D269}" type="presParOf" srcId="{5FB2F8D5-F227-4E4D-ACFF-7BE6063A8198}" destId="{A31633CD-9E76-46AF-A644-472900084EE7}" srcOrd="1" destOrd="0" presId="urn:microsoft.com/office/officeart/2008/layout/LinedList"/>
-    <dgm:cxn modelId="{1BF4FA87-2015-4A73-9BCD-F844A8821EA8}" type="presParOf" srcId="{2D27A1FA-1CFA-4C55-985B-2724D6F8FF52}" destId="{6404B185-A812-4B4B-A168-9F6293923C27}" srcOrd="6" destOrd="0" presId="urn:microsoft.com/office/officeart/2008/layout/LinedList"/>
-    <dgm:cxn modelId="{A8ACEF6D-7EA3-40D7-AB44-E3704650AB87}" type="presParOf" srcId="{2D27A1FA-1CFA-4C55-985B-2724D6F8FF52}" destId="{7C6393F8-13CD-48EA-8E7E-A14573440256}" srcOrd="7" destOrd="0" presId="urn:microsoft.com/office/officeart/2008/layout/LinedList"/>
-    <dgm:cxn modelId="{956D39CB-5C3D-48FA-9059-0D208C15AE16}" type="presParOf" srcId="{7C6393F8-13CD-48EA-8E7E-A14573440256}" destId="{2FC083A9-BBFD-459E-9538-58219857EF03}" srcOrd="0" destOrd="0" presId="urn:microsoft.com/office/officeart/2008/layout/LinedList"/>
-    <dgm:cxn modelId="{C335F520-0628-4C34-8CFB-77DD10E48E8E}" type="presParOf" srcId="{7C6393F8-13CD-48EA-8E7E-A14573440256}" destId="{04BE4DD3-9B1B-47A0-9301-C440568599C2}" srcOrd="1" destOrd="0" presId="urn:microsoft.com/office/officeart/2008/layout/LinedList"/>
   </dgm:cxnLst>
   <dgm:bg/>
   <dgm:whole/>
@@ -4775,7 +5660,7 @@
 </dgm:dataModel>
 </file>
 
-<file path=ppt/diagrams/data3.xml><?xml version="1.0" encoding="utf-8"?>
+<file path=ppt/diagrams/data4.xml><?xml version="1.0" encoding="utf-8"?>
 <dgm:dataModel xmlns:dgm="http://schemas.openxmlformats.org/drawingml/2006/diagram" xmlns:a="http://schemas.openxmlformats.org/drawingml/2006/main">
   <dgm:ptLst>
     <dgm:pt modelId="{010AA089-3F66-4B96-982F-B2C57D881E53}" type="doc">
@@ -4790,7 +5675,7 @@
       </dgm:t>
     </dgm:pt>
     <dgm:pt modelId="{0CBE5F26-E380-4B8C-B056-B2850A0612E0}">
-      <dgm:prSet/>
+      <dgm:prSet custT="1"/>
       <dgm:spPr/>
       <dgm:t>
         <a:bodyPr/>
@@ -4798,10 +5683,16 @@
         <a:p>
           <a:pPr algn="ctr"/>
           <a:r>
-            <a:rPr lang="en-GB" dirty="0"/>
+            <a:rPr lang="en-GB" sz="3200" dirty="0">
+              <a:latin typeface="Arial" panose="020B0604020202020204" pitchFamily="34" charset="0"/>
+              <a:cs typeface="Arial" panose="020B0604020202020204" pitchFamily="34" charset="0"/>
+            </a:rPr>
             <a:t>How to Play in a CTF (Capture The flag)</a:t>
           </a:r>
-          <a:endParaRPr lang="en-US" dirty="0"/>
+          <a:endParaRPr lang="en-US" sz="3200" dirty="0">
+            <a:latin typeface="Arial" panose="020B0604020202020204" pitchFamily="34" charset="0"/>
+            <a:cs typeface="Arial" panose="020B0604020202020204" pitchFamily="34" charset="0"/>
+          </a:endParaRPr>
         </a:p>
       </dgm:t>
     </dgm:pt>
@@ -4828,7 +5719,7 @@
       </dgm:t>
     </dgm:pt>
     <dgm:pt modelId="{A9D4D590-A23E-468F-A704-0D30D2175610}">
-      <dgm:prSet/>
+      <dgm:prSet custT="1"/>
       <dgm:spPr/>
       <dgm:t>
         <a:bodyPr/>
@@ -4836,10 +5727,16 @@
         <a:p>
           <a:pPr algn="ctr"/>
           <a:r>
-            <a:rPr lang="en-GB" dirty="0"/>
+            <a:rPr lang="en-GB" sz="3200" dirty="0">
+              <a:latin typeface="Arial" panose="020B0604020202020204" pitchFamily="34" charset="0"/>
+              <a:cs typeface="Arial" panose="020B0604020202020204" pitchFamily="34" charset="0"/>
+            </a:rPr>
             <a:t>How to Use Hacking Tools</a:t>
           </a:r>
-          <a:endParaRPr lang="en-US" dirty="0"/>
+          <a:endParaRPr lang="en-US" sz="3200" dirty="0">
+            <a:latin typeface="Arial" panose="020B0604020202020204" pitchFamily="34" charset="0"/>
+            <a:cs typeface="Arial" panose="020B0604020202020204" pitchFamily="34" charset="0"/>
+          </a:endParaRPr>
         </a:p>
       </dgm:t>
     </dgm:pt>
@@ -4866,7 +5763,7 @@
       </dgm:t>
     </dgm:pt>
     <dgm:pt modelId="{ED9DA18D-1189-4B82-9168-C873E12E1D7E}">
-      <dgm:prSet/>
+      <dgm:prSet custT="1"/>
       <dgm:spPr/>
       <dgm:t>
         <a:bodyPr/>
@@ -4874,10 +5771,16 @@
         <a:p>
           <a:pPr algn="ctr"/>
           <a:r>
-            <a:rPr lang="en-GB" dirty="0"/>
+            <a:rPr lang="en-GB" sz="3200" dirty="0">
+              <a:latin typeface="Arial" panose="020B0604020202020204" pitchFamily="34" charset="0"/>
+              <a:cs typeface="Arial" panose="020B0604020202020204" pitchFamily="34" charset="0"/>
+            </a:rPr>
             <a:t>How to Use Kali Linux</a:t>
           </a:r>
-          <a:endParaRPr lang="en-US" dirty="0"/>
+          <a:endParaRPr lang="en-US" sz="3200" dirty="0">
+            <a:latin typeface="Arial" panose="020B0604020202020204" pitchFamily="34" charset="0"/>
+            <a:cs typeface="Arial" panose="020B0604020202020204" pitchFamily="34" charset="0"/>
+          </a:endParaRPr>
         </a:p>
       </dgm:t>
     </dgm:pt>
@@ -4904,7 +5807,7 @@
       </dgm:t>
     </dgm:pt>
     <dgm:pt modelId="{B15E981C-FC8E-44D0-9745-8B89E6AA59EA}">
-      <dgm:prSet/>
+      <dgm:prSet custT="1"/>
       <dgm:spPr/>
       <dgm:t>
         <a:bodyPr/>
@@ -4912,10 +5815,16 @@
         <a:p>
           <a:pPr algn="ctr"/>
           <a:r>
-            <a:rPr lang="en-GB" dirty="0"/>
+            <a:rPr lang="en-GB" sz="3200" dirty="0">
+              <a:latin typeface="Arial" panose="020B0604020202020204" pitchFamily="34" charset="0"/>
+              <a:cs typeface="Arial" panose="020B0604020202020204" pitchFamily="34" charset="0"/>
+            </a:rPr>
             <a:t>How to Attack Windows</a:t>
           </a:r>
-          <a:endParaRPr lang="en-US" dirty="0"/>
+          <a:endParaRPr lang="en-US" sz="3200" dirty="0">
+            <a:latin typeface="Arial" panose="020B0604020202020204" pitchFamily="34" charset="0"/>
+            <a:cs typeface="Arial" panose="020B0604020202020204" pitchFamily="34" charset="0"/>
+          </a:endParaRPr>
         </a:p>
       </dgm:t>
     </dgm:pt>
@@ -5053,11 +5962,11 @@
 </dgm:dataModel>
 </file>
 
-<file path=ppt/diagrams/data4.xml><?xml version="1.0" encoding="utf-8"?>
+<file path=ppt/diagrams/data5.xml><?xml version="1.0" encoding="utf-8"?>
 <dgm:dataModel xmlns:dgm="http://schemas.openxmlformats.org/drawingml/2006/diagram" xmlns:a="http://schemas.openxmlformats.org/drawingml/2006/main">
   <dgm:ptLst>
     <dgm:pt modelId="{077DF481-5C63-41CF-A888-628897CB3628}" type="doc">
-      <dgm:prSet loTypeId="urn:microsoft.com/office/officeart/2016/7/layout/BasicLinearProcessNumbered" loCatId="process" qsTypeId="urn:microsoft.com/office/officeart/2005/8/quickstyle/simple2" qsCatId="simple" csTypeId="urn:microsoft.com/office/officeart/2005/8/colors/colorful5" csCatId="colorful" phldr="1"/>
+      <dgm:prSet loTypeId="urn:microsoft.com/office/officeart/2016/7/layout/BasicLinearProcessNumbered" loCatId="process" qsTypeId="urn:microsoft.com/office/officeart/2005/8/quickstyle/simple1" qsCatId="simple" csTypeId="urn:microsoft.com/office/officeart/2005/8/colors/colorful5" csCatId="colorful" phldr="1"/>
       <dgm:spPr/>
       <dgm:t>
         <a:bodyPr/>
@@ -5077,7 +5986,7 @@
           <a:pPr algn="ctr"/>
           <a:r>
             <a:rPr lang="en-GB" dirty="0"/>
-            <a:t>Attacking secure Linux networks</a:t>
+            <a:t>Attacking Secure Linux Networks</a:t>
           </a:r>
           <a:endParaRPr lang="en-US" dirty="0"/>
         </a:p>
@@ -5118,7 +6027,7 @@
           <a:pPr algn="ctr"/>
           <a:r>
             <a:rPr lang="en-GB" dirty="0"/>
-            <a:t>Evading Linux based defences</a:t>
+            <a:t>Evading Linux Network Defences</a:t>
           </a:r>
           <a:endParaRPr lang="en-US" dirty="0"/>
         </a:p>
@@ -5159,7 +6068,7 @@
           <a:pPr algn="ctr"/>
           <a:r>
             <a:rPr lang="en-GB" dirty="0"/>
-            <a:t>Developing red team-based tactics to infiltrate networks from the outside perimeter</a:t>
+            <a:t>Red team-based tactics for internal/external testing</a:t>
           </a:r>
           <a:endParaRPr lang="en-US" dirty="0"/>
         </a:p>
@@ -5290,7 +6199,7 @@
       <dgm:spPr/>
     </dgm:pt>
     <dgm:pt modelId="{86F10809-17B6-46A8-AF37-1A3E3CD50516}" type="pres">
-      <dgm:prSet presAssocID="{FA8F7477-3454-4FF4-B1DD-32B66B2F1172}" presName="sibTransNodeCircle" presStyleLbl="alignNode1" presStyleIdx="4" presStyleCnt="6">
+      <dgm:prSet presAssocID="{FA8F7477-3454-4FF4-B1DD-32B66B2F1172}" presName="sibTransNodeCircle" presStyleLbl="alignNode1" presStyleIdx="4" presStyleCnt="6" custLinFactNeighborX="-2030" custLinFactNeighborY="3046">
         <dgm:presLayoutVars>
           <dgm:chMax val="0"/>
           <dgm:bulletEnabled/>
@@ -5355,7 +6264,7 @@
 </dgm:dataModel>
 </file>
 
-<file path=ppt/diagrams/data5.xml><?xml version="1.0" encoding="utf-8"?>
+<file path=ppt/diagrams/data6.xml><?xml version="1.0" encoding="utf-8"?>
 <dgm:dataModel xmlns:dgm="http://schemas.openxmlformats.org/drawingml/2006/diagram" xmlns:a="http://schemas.openxmlformats.org/drawingml/2006/main">
   <dgm:ptLst>
     <dgm:pt modelId="{8DB18045-3C6E-49BA-B4A0-58466E9C77D7}" type="doc">
@@ -5564,12 +6473,12 @@
         <a:fontRef idx="minor"/>
       </dsp:style>
       <dsp:txBody>
-        <a:bodyPr spcFirstLastPara="0" vert="horz" wrap="square" lIns="121920" tIns="121920" rIns="121920" bIns="121920" numCol="1" spcCol="1270" anchor="t" anchorCtr="0">
+        <a:bodyPr spcFirstLastPara="0" vert="horz" wrap="square" lIns="114300" tIns="114300" rIns="114300" bIns="114300" numCol="1" spcCol="1270" anchor="t" anchorCtr="0">
           <a:noAutofit/>
         </a:bodyPr>
         <a:lstStyle/>
         <a:p>
-          <a:pPr marL="0" lvl="0" indent="0" algn="ctr" defTabSz="1422400">
+          <a:pPr marL="0" lvl="0" indent="0" algn="ctr" defTabSz="1333500">
             <a:lnSpc>
               <a:spcPct val="90000"/>
             </a:lnSpc>
@@ -5582,10 +6491,16 @@
             <a:buNone/>
           </a:pPr>
           <a:r>
-            <a:rPr lang="en-GB" sz="3200" b="0" kern="1200" dirty="0"/>
+            <a:rPr lang="en-GB" sz="3000" b="0" kern="1200" dirty="0">
+              <a:latin typeface="Arial" panose="020B0604020202020204" pitchFamily="34" charset="0"/>
+              <a:cs typeface="Arial" panose="020B0604020202020204" pitchFamily="34" charset="0"/>
+            </a:rPr>
             <a:t>OSINT (Open Source Intelligence) – Passive Reconnaissance</a:t>
           </a:r>
-          <a:endParaRPr lang="en-US" sz="3200" b="0" kern="1200" dirty="0"/>
+          <a:endParaRPr lang="en-US" sz="3000" b="0" kern="1200" dirty="0">
+            <a:latin typeface="Arial" panose="020B0604020202020204" pitchFamily="34" charset="0"/>
+            <a:cs typeface="Arial" panose="020B0604020202020204" pitchFamily="34" charset="0"/>
+          </a:endParaRPr>
         </a:p>
       </dsp:txBody>
       <dsp:txXfrm>
@@ -5675,12 +6590,12 @@
         <a:fontRef idx="minor"/>
       </dsp:style>
       <dsp:txBody>
-        <a:bodyPr spcFirstLastPara="0" vert="horz" wrap="square" lIns="121920" tIns="121920" rIns="121920" bIns="121920" numCol="1" spcCol="1270" anchor="t" anchorCtr="0">
+        <a:bodyPr spcFirstLastPara="0" vert="horz" wrap="square" lIns="114300" tIns="114300" rIns="114300" bIns="114300" numCol="1" spcCol="1270" anchor="t" anchorCtr="0">
           <a:noAutofit/>
         </a:bodyPr>
         <a:lstStyle/>
         <a:p>
-          <a:pPr marL="0" lvl="0" indent="0" algn="ctr" defTabSz="1422400">
+          <a:pPr marL="0" lvl="0" indent="0" algn="ctr" defTabSz="1333500">
             <a:lnSpc>
               <a:spcPct val="90000"/>
             </a:lnSpc>
@@ -5693,10 +6608,16 @@
             <a:buNone/>
           </a:pPr>
           <a:r>
-            <a:rPr lang="en-GB" sz="3200" b="0" kern="1200" dirty="0"/>
+            <a:rPr lang="en-GB" sz="3000" b="0" kern="1200" dirty="0">
+              <a:latin typeface="Arial" panose="020B0604020202020204" pitchFamily="34" charset="0"/>
+              <a:cs typeface="Arial" panose="020B0604020202020204" pitchFamily="34" charset="0"/>
+            </a:rPr>
             <a:t>Active Reconnaissance</a:t>
           </a:r>
-          <a:endParaRPr lang="en-US" sz="3200" b="0" kern="1200" dirty="0"/>
+          <a:endParaRPr lang="en-US" sz="3000" b="0" kern="1200" dirty="0">
+            <a:latin typeface="Arial" panose="020B0604020202020204" pitchFamily="34" charset="0"/>
+            <a:cs typeface="Arial" panose="020B0604020202020204" pitchFamily="34" charset="0"/>
+          </a:endParaRPr>
         </a:p>
       </dsp:txBody>
       <dsp:txXfrm>
@@ -5786,12 +6707,12 @@
         <a:fontRef idx="minor"/>
       </dsp:style>
       <dsp:txBody>
-        <a:bodyPr spcFirstLastPara="0" vert="horz" wrap="square" lIns="121920" tIns="121920" rIns="121920" bIns="121920" numCol="1" spcCol="1270" anchor="t" anchorCtr="0">
+        <a:bodyPr spcFirstLastPara="0" vert="horz" wrap="square" lIns="114300" tIns="114300" rIns="114300" bIns="114300" numCol="1" spcCol="1270" anchor="t" anchorCtr="0">
           <a:noAutofit/>
         </a:bodyPr>
         <a:lstStyle/>
         <a:p>
-          <a:pPr marL="0" lvl="0" indent="0" algn="ctr" defTabSz="1422400">
+          <a:pPr marL="0" lvl="0" indent="0" algn="ctr" defTabSz="1333500">
             <a:lnSpc>
               <a:spcPct val="90000"/>
             </a:lnSpc>
@@ -5804,7 +6725,10 @@
             <a:buNone/>
           </a:pPr>
           <a:r>
-            <a:rPr lang="en-US" sz="3200" b="0" kern="1200" dirty="0"/>
+            <a:rPr lang="en-US" sz="3000" b="0" kern="1200" dirty="0">
+              <a:latin typeface="Arial" panose="020B0604020202020204" pitchFamily="34" charset="0"/>
+              <a:cs typeface="Arial" panose="020B0604020202020204" pitchFamily="34" charset="0"/>
+            </a:rPr>
             <a:t>External Testing/Breaching the Perimeter</a:t>
           </a:r>
         </a:p>
@@ -5896,12 +6820,12 @@
         <a:fontRef idx="minor"/>
       </dsp:style>
       <dsp:txBody>
-        <a:bodyPr spcFirstLastPara="0" vert="horz" wrap="square" lIns="121920" tIns="121920" rIns="121920" bIns="121920" numCol="1" spcCol="1270" anchor="t" anchorCtr="0">
+        <a:bodyPr spcFirstLastPara="0" vert="horz" wrap="square" lIns="114300" tIns="114300" rIns="114300" bIns="114300" numCol="1" spcCol="1270" anchor="t" anchorCtr="0">
           <a:noAutofit/>
         </a:bodyPr>
         <a:lstStyle/>
         <a:p>
-          <a:pPr marL="0" lvl="0" indent="0" algn="ctr" defTabSz="1422400">
+          <a:pPr marL="0" lvl="0" indent="0" algn="ctr" defTabSz="1333500">
             <a:lnSpc>
               <a:spcPct val="90000"/>
             </a:lnSpc>
@@ -5914,10 +6838,16 @@
             <a:buNone/>
           </a:pPr>
           <a:r>
-            <a:rPr lang="en-GB" sz="3200" b="0" kern="1200" dirty="0"/>
+            <a:rPr lang="en-GB" sz="3000" b="0" kern="1200" dirty="0">
+              <a:latin typeface="Arial" panose="020B0604020202020204" pitchFamily="34" charset="0"/>
+              <a:cs typeface="Arial" panose="020B0604020202020204" pitchFamily="34" charset="0"/>
+            </a:rPr>
             <a:t>Internal network testing</a:t>
           </a:r>
-          <a:endParaRPr lang="en-US" sz="3200" b="0" kern="1200" dirty="0"/>
+          <a:endParaRPr lang="en-US" sz="3000" b="0" kern="1200" dirty="0">
+            <a:latin typeface="Arial" panose="020B0604020202020204" pitchFamily="34" charset="0"/>
+            <a:cs typeface="Arial" panose="020B0604020202020204" pitchFamily="34" charset="0"/>
+          </a:endParaRPr>
         </a:p>
       </dsp:txBody>
       <dsp:txXfrm>
@@ -6007,12 +6937,12 @@
         <a:fontRef idx="minor"/>
       </dsp:style>
       <dsp:txBody>
-        <a:bodyPr spcFirstLastPara="0" vert="horz" wrap="square" lIns="121920" tIns="121920" rIns="121920" bIns="121920" numCol="1" spcCol="1270" anchor="t" anchorCtr="0">
+        <a:bodyPr spcFirstLastPara="0" vert="horz" wrap="square" lIns="114300" tIns="114300" rIns="114300" bIns="114300" numCol="1" spcCol="1270" anchor="t" anchorCtr="0">
           <a:noAutofit/>
         </a:bodyPr>
         <a:lstStyle/>
         <a:p>
-          <a:pPr marL="0" lvl="0" indent="0" algn="ctr" defTabSz="1422400">
+          <a:pPr marL="0" lvl="0" indent="0" algn="ctr" defTabSz="1333500">
             <a:lnSpc>
               <a:spcPct val="90000"/>
             </a:lnSpc>
@@ -6025,10 +6955,16 @@
             <a:buNone/>
           </a:pPr>
           <a:r>
-            <a:rPr lang="en-GB" sz="3200" b="0" kern="1200" dirty="0"/>
+            <a:rPr lang="en-GB" sz="3000" b="0" kern="1200" dirty="0">
+              <a:latin typeface="Arial" panose="020B0604020202020204" pitchFamily="34" charset="0"/>
+              <a:cs typeface="Arial" panose="020B0604020202020204" pitchFamily="34" charset="0"/>
+            </a:rPr>
             <a:t>Defence Evasion</a:t>
           </a:r>
-          <a:endParaRPr lang="en-US" sz="3200" b="0" kern="1200" dirty="0"/>
+          <a:endParaRPr lang="en-US" sz="3000" b="0" kern="1200" dirty="0">
+            <a:latin typeface="Arial" panose="020B0604020202020204" pitchFamily="34" charset="0"/>
+            <a:cs typeface="Arial" panose="020B0604020202020204" pitchFamily="34" charset="0"/>
+          </a:endParaRPr>
         </a:p>
       </dsp:txBody>
       <dsp:txXfrm>
@@ -6118,12 +7054,12 @@
         <a:fontRef idx="minor"/>
       </dsp:style>
       <dsp:txBody>
-        <a:bodyPr spcFirstLastPara="0" vert="horz" wrap="square" lIns="121920" tIns="121920" rIns="121920" bIns="121920" numCol="1" spcCol="1270" anchor="t" anchorCtr="0">
+        <a:bodyPr spcFirstLastPara="0" vert="horz" wrap="square" lIns="114300" tIns="114300" rIns="114300" bIns="114300" numCol="1" spcCol="1270" anchor="t" anchorCtr="0">
           <a:noAutofit/>
         </a:bodyPr>
         <a:lstStyle/>
         <a:p>
-          <a:pPr marL="0" lvl="0" indent="0" algn="ctr" defTabSz="1422400">
+          <a:pPr marL="0" lvl="0" indent="0" algn="ctr" defTabSz="1333500">
             <a:lnSpc>
               <a:spcPct val="90000"/>
             </a:lnSpc>
@@ -6136,10 +7072,16 @@
             <a:buNone/>
           </a:pPr>
           <a:r>
-            <a:rPr lang="en-GB" sz="3200" b="0" kern="1200" dirty="0"/>
+            <a:rPr lang="en-GB" sz="3000" b="0" kern="1200" dirty="0">
+              <a:latin typeface="Arial" panose="020B0604020202020204" pitchFamily="34" charset="0"/>
+              <a:cs typeface="Arial" panose="020B0604020202020204" pitchFamily="34" charset="0"/>
+            </a:rPr>
             <a:t>Persistence/Data Exfiltration</a:t>
           </a:r>
-          <a:endParaRPr lang="en-US" sz="3200" b="0" kern="1200" dirty="0"/>
+          <a:endParaRPr lang="en-US" sz="3000" b="0" kern="1200" dirty="0">
+            <a:latin typeface="Arial" panose="020B0604020202020204" pitchFamily="34" charset="0"/>
+            <a:cs typeface="Arial" panose="020B0604020202020204" pitchFamily="34" charset="0"/>
+          </a:endParaRPr>
         </a:p>
       </dsp:txBody>
       <dsp:txXfrm>
@@ -6217,7 +7159,7 @@
       <dsp:spPr>
         <a:xfrm>
           <a:off x="0" y="0"/>
-          <a:ext cx="9724031" cy="920839"/>
+          <a:ext cx="9724031" cy="1841679"/>
         </a:xfrm>
         <a:prstGeom prst="rect">
           <a:avLst/>
@@ -6241,12 +7183,12 @@
         <a:fontRef idx="minor"/>
       </dsp:style>
       <dsp:txBody>
-        <a:bodyPr spcFirstLastPara="0" vert="horz" wrap="square" lIns="95250" tIns="95250" rIns="95250" bIns="95250" numCol="1" spcCol="1270" anchor="t" anchorCtr="0">
+        <a:bodyPr spcFirstLastPara="0" vert="horz" wrap="square" lIns="148590" tIns="148590" rIns="148590" bIns="148590" numCol="1" spcCol="1270" anchor="t" anchorCtr="0">
           <a:noAutofit/>
         </a:bodyPr>
         <a:lstStyle/>
         <a:p>
-          <a:pPr marL="0" lvl="0" indent="0" algn="l" defTabSz="1111250">
+          <a:pPr marL="0" lvl="0" indent="0" algn="ctr" defTabSz="1733550">
             <a:lnSpc>
               <a:spcPct val="90000"/>
             </a:lnSpc>
@@ -6259,126 +7201,15 @@
             <a:buNone/>
           </a:pPr>
           <a:r>
-            <a:rPr lang="en-GB" sz="2500" b="1" kern="1200"/>
-            <a:t>Understanding of the Linux operating system, proficiency with Linux tools and command line environments.</a:t>
+            <a:rPr lang="en-GB" sz="3900" kern="1200" dirty="0"/>
+            <a:t>Linux Professionals (Security, Networking/Infrastructure, Software, Analysts)</a:t>
           </a:r>
-          <a:endParaRPr lang="en-US" sz="2500" kern="1200"/>
+          <a:endParaRPr lang="en-US" sz="3900" kern="1200" dirty="0"/>
         </a:p>
       </dsp:txBody>
       <dsp:txXfrm>
         <a:off x="0" y="0"/>
-        <a:ext cx="9724031" cy="920839"/>
-      </dsp:txXfrm>
-    </dsp:sp>
-    <dsp:sp modelId="{28C4B428-E242-4A29-9117-CB618ECF3454}">
-      <dsp:nvSpPr>
-        <dsp:cNvPr id="0" name=""/>
-        <dsp:cNvSpPr/>
-      </dsp:nvSpPr>
-      <dsp:spPr>
-        <a:xfrm>
-          <a:off x="0" y="920839"/>
-          <a:ext cx="9724031" cy="0"/>
-        </a:xfrm>
-        <a:prstGeom prst="line">
-          <a:avLst/>
-        </a:prstGeom>
-        <a:solidFill>
-          <a:schemeClr val="accent1">
-            <a:hueOff val="0"/>
-            <a:satOff val="0"/>
-            <a:lumOff val="0"/>
-            <a:alphaOff val="0"/>
-          </a:schemeClr>
-        </a:solidFill>
-        <a:ln w="12700" cap="flat" cmpd="sng" algn="ctr">
-          <a:solidFill>
-            <a:schemeClr val="accent1">
-              <a:hueOff val="0"/>
-              <a:satOff val="0"/>
-              <a:lumOff val="0"/>
-              <a:alphaOff val="0"/>
-            </a:schemeClr>
-          </a:solidFill>
-          <a:prstDash val="solid"/>
-          <a:miter lim="800000"/>
-        </a:ln>
-        <a:effectLst/>
-      </dsp:spPr>
-      <dsp:style>
-        <a:lnRef idx="2">
-          <a:scrgbClr r="0" g="0" b="0"/>
-        </a:lnRef>
-        <a:fillRef idx="1">
-          <a:scrgbClr r="0" g="0" b="0"/>
-        </a:fillRef>
-        <a:effectRef idx="0">
-          <a:scrgbClr r="0" g="0" b="0"/>
-        </a:effectRef>
-        <a:fontRef idx="minor">
-          <a:schemeClr val="lt1"/>
-        </a:fontRef>
-      </dsp:style>
-    </dsp:sp>
-    <dsp:sp modelId="{317605E8-D8B4-47BA-AEE0-2A984489F44E}">
-      <dsp:nvSpPr>
-        <dsp:cNvPr id="0" name=""/>
-        <dsp:cNvSpPr/>
-      </dsp:nvSpPr>
-      <dsp:spPr>
-        <a:xfrm>
-          <a:off x="0" y="920839"/>
-          <a:ext cx="9724031" cy="920839"/>
-        </a:xfrm>
-        <a:prstGeom prst="rect">
-          <a:avLst/>
-        </a:prstGeom>
-        <a:noFill/>
-        <a:ln>
-          <a:noFill/>
-        </a:ln>
-        <a:effectLst/>
-      </dsp:spPr>
-      <dsp:style>
-        <a:lnRef idx="0">
-          <a:scrgbClr r="0" g="0" b="0"/>
-        </a:lnRef>
-        <a:fillRef idx="0">
-          <a:scrgbClr r="0" g="0" b="0"/>
-        </a:fillRef>
-        <a:effectRef idx="0">
-          <a:scrgbClr r="0" g="0" b="0"/>
-        </a:effectRef>
-        <a:fontRef idx="minor"/>
-      </dsp:style>
-      <dsp:txBody>
-        <a:bodyPr spcFirstLastPara="0" vert="horz" wrap="square" lIns="95250" tIns="95250" rIns="95250" bIns="95250" numCol="1" spcCol="1270" anchor="t" anchorCtr="0">
-          <a:noAutofit/>
-        </a:bodyPr>
-        <a:lstStyle/>
-        <a:p>
-          <a:pPr marL="0" lvl="0" indent="0" algn="l" defTabSz="1111250">
-            <a:lnSpc>
-              <a:spcPct val="90000"/>
-            </a:lnSpc>
-            <a:spcBef>
-              <a:spcPct val="0"/>
-            </a:spcBef>
-            <a:spcAft>
-              <a:spcPct val="35000"/>
-            </a:spcAft>
-            <a:buNone/>
-          </a:pPr>
-          <a:r>
-            <a:rPr lang="en-GB" sz="2500" b="1" kern="1200"/>
-            <a:t>Knowledge of general network infrastructure and understanding of basic network security mechanisms (Firewall, IDS, IPTables)</a:t>
-          </a:r>
-          <a:endParaRPr lang="en-US" sz="2500" kern="1200"/>
-        </a:p>
-      </dsp:txBody>
-      <dsp:txXfrm>
-        <a:off x="0" y="920839"/>
-        <a:ext cx="9724031" cy="920839"/>
+        <a:ext cx="9724031" cy="1841679"/>
       </dsp:txXfrm>
     </dsp:sp>
     <dsp:sp modelId="{9988E836-42FF-4124-960A-F7F99C9AC122}">
@@ -6388,7 +7219,7 @@
       </dsp:nvSpPr>
       <dsp:spPr>
         <a:xfrm>
-          <a:off x="0" y="1841678"/>
+          <a:off x="0" y="1841679"/>
           <a:ext cx="9724031" cy="0"/>
         </a:xfrm>
         <a:prstGeom prst="line">
@@ -6439,7 +7270,7 @@
       <dsp:spPr>
         <a:xfrm>
           <a:off x="0" y="1841679"/>
-          <a:ext cx="9724031" cy="920839"/>
+          <a:ext cx="9724031" cy="1841679"/>
         </a:xfrm>
         <a:prstGeom prst="rect">
           <a:avLst/>
@@ -6463,12 +7294,12 @@
         <a:fontRef idx="minor"/>
       </dsp:style>
       <dsp:txBody>
-        <a:bodyPr spcFirstLastPara="0" vert="horz" wrap="square" lIns="95250" tIns="95250" rIns="95250" bIns="95250" numCol="1" spcCol="1270" anchor="t" anchorCtr="0">
+        <a:bodyPr spcFirstLastPara="0" vert="horz" wrap="square" lIns="148590" tIns="148590" rIns="148590" bIns="148590" numCol="1" spcCol="1270" anchor="t" anchorCtr="0">
           <a:noAutofit/>
         </a:bodyPr>
         <a:lstStyle/>
         <a:p>
-          <a:pPr marL="0" lvl="0" indent="0" algn="l" defTabSz="1111250">
+          <a:pPr marL="0" lvl="0" indent="0" algn="ctr" defTabSz="1733550">
             <a:lnSpc>
               <a:spcPct val="90000"/>
             </a:lnSpc>
@@ -6481,25 +7312,36 @@
             <a:buNone/>
           </a:pPr>
           <a:r>
-            <a:rPr lang="en-GB" sz="2500" b="1" kern="1200"/>
-            <a:t>Proficiency in a programming language such as: Python, Bash, Perl, PHP</a:t>
+            <a:rPr lang="en-US" sz="3900" kern="1200" dirty="0"/>
+            <a:t>HPC Researchers and all other IT related staff are also very welcome</a:t>
           </a:r>
-          <a:endParaRPr lang="en-US" sz="2500" kern="1200"/>
         </a:p>
       </dsp:txBody>
       <dsp:txXfrm>
         <a:off x="0" y="1841679"/>
-        <a:ext cx="9724031" cy="920839"/>
+        <a:ext cx="9724031" cy="1841679"/>
       </dsp:txXfrm>
     </dsp:sp>
-    <dsp:sp modelId="{6404B185-A812-4B4B-A168-9F6293923C27}">
+  </dsp:spTree>
+</dsp:drawing>
+</file>
+
+<file path=ppt/diagrams/drawing3.xml><?xml version="1.0" encoding="utf-8"?>
+<dsp:drawing xmlns:dgm="http://schemas.openxmlformats.org/drawingml/2006/diagram" xmlns:dsp="http://schemas.microsoft.com/office/drawing/2008/diagram" xmlns:a="http://schemas.openxmlformats.org/drawingml/2006/main">
+  <dsp:spTree>
+    <dsp:nvGrpSpPr>
+      <dsp:cNvPr id="0" name=""/>
+      <dsp:cNvGrpSpPr/>
+    </dsp:nvGrpSpPr>
+    <dsp:grpSpPr/>
+    <dsp:sp modelId="{0345D7FC-F8AB-41AC-9082-474760728827}">
       <dsp:nvSpPr>
         <dsp:cNvPr id="0" name=""/>
         <dsp:cNvSpPr/>
       </dsp:nvSpPr>
       <dsp:spPr>
         <a:xfrm>
-          <a:off x="0" y="2762518"/>
+          <a:off x="0" y="1798"/>
           <a:ext cx="9724031" cy="0"/>
         </a:xfrm>
         <a:prstGeom prst="line">
@@ -6542,15 +7384,15 @@
         </a:fontRef>
       </dsp:style>
     </dsp:sp>
-    <dsp:sp modelId="{2FC083A9-BBFD-459E-9538-58219857EF03}">
+    <dsp:sp modelId="{1E6D7E9F-86C6-48A6-943C-5B541870A0A4}">
       <dsp:nvSpPr>
         <dsp:cNvPr id="0" name=""/>
         <dsp:cNvSpPr/>
       </dsp:nvSpPr>
       <dsp:spPr>
         <a:xfrm>
-          <a:off x="0" y="2762518"/>
-          <a:ext cx="9724031" cy="920839"/>
+          <a:off x="0" y="1798"/>
+          <a:ext cx="9724031" cy="1226586"/>
         </a:xfrm>
         <a:prstGeom prst="rect">
           <a:avLst/>
@@ -6574,12 +7416,12 @@
         <a:fontRef idx="minor"/>
       </dsp:style>
       <dsp:txBody>
-        <a:bodyPr spcFirstLastPara="0" vert="horz" wrap="square" lIns="95250" tIns="95250" rIns="95250" bIns="95250" numCol="1" spcCol="1270" anchor="t" anchorCtr="0">
+        <a:bodyPr spcFirstLastPara="0" vert="horz" wrap="square" lIns="106680" tIns="106680" rIns="106680" bIns="106680" numCol="1" spcCol="1270" anchor="t" anchorCtr="0">
           <a:noAutofit/>
         </a:bodyPr>
         <a:lstStyle/>
         <a:p>
-          <a:pPr marL="0" lvl="0" indent="0" algn="l" defTabSz="1111250">
+          <a:pPr marL="0" lvl="0" indent="0" algn="ctr" defTabSz="1244600">
             <a:lnSpc>
               <a:spcPct val="90000"/>
             </a:lnSpc>
@@ -6592,22 +7434,244 @@
             <a:buNone/>
           </a:pPr>
           <a:r>
-            <a:rPr lang="en-GB" sz="2500" b="1" kern="1200"/>
-            <a:t>Bonus: Offensive Security Certifications/Previous experience of Penetration Testing</a:t>
+            <a:rPr lang="en-GB" sz="2800" b="1" kern="1200" dirty="0"/>
+            <a:t>Understanding of the Linux operating system, proficiency with Linux tools and command line environments.</a:t>
           </a:r>
-          <a:endParaRPr lang="en-US" sz="2500" kern="1200"/>
+          <a:endParaRPr lang="en-US" sz="2800" kern="1200" dirty="0"/>
         </a:p>
       </dsp:txBody>
       <dsp:txXfrm>
-        <a:off x="0" y="2762518"/>
-        <a:ext cx="9724031" cy="920839"/>
+        <a:off x="0" y="1798"/>
+        <a:ext cx="9724031" cy="1226586"/>
+      </dsp:txXfrm>
+    </dsp:sp>
+    <dsp:sp modelId="{28C4B428-E242-4A29-9117-CB618ECF3454}">
+      <dsp:nvSpPr>
+        <dsp:cNvPr id="0" name=""/>
+        <dsp:cNvSpPr/>
+      </dsp:nvSpPr>
+      <dsp:spPr>
+        <a:xfrm>
+          <a:off x="0" y="1228385"/>
+          <a:ext cx="9724031" cy="0"/>
+        </a:xfrm>
+        <a:prstGeom prst="line">
+          <a:avLst/>
+        </a:prstGeom>
+        <a:solidFill>
+          <a:schemeClr val="accent1">
+            <a:hueOff val="0"/>
+            <a:satOff val="0"/>
+            <a:lumOff val="0"/>
+            <a:alphaOff val="0"/>
+          </a:schemeClr>
+        </a:solidFill>
+        <a:ln w="12700" cap="flat" cmpd="sng" algn="ctr">
+          <a:solidFill>
+            <a:schemeClr val="accent1">
+              <a:hueOff val="0"/>
+              <a:satOff val="0"/>
+              <a:lumOff val="0"/>
+              <a:alphaOff val="0"/>
+            </a:schemeClr>
+          </a:solidFill>
+          <a:prstDash val="solid"/>
+          <a:miter lim="800000"/>
+        </a:ln>
+        <a:effectLst/>
+      </dsp:spPr>
+      <dsp:style>
+        <a:lnRef idx="2">
+          <a:scrgbClr r="0" g="0" b="0"/>
+        </a:lnRef>
+        <a:fillRef idx="1">
+          <a:scrgbClr r="0" g="0" b="0"/>
+        </a:fillRef>
+        <a:effectRef idx="0">
+          <a:scrgbClr r="0" g="0" b="0"/>
+        </a:effectRef>
+        <a:fontRef idx="minor">
+          <a:schemeClr val="lt1"/>
+        </a:fontRef>
+      </dsp:style>
+    </dsp:sp>
+    <dsp:sp modelId="{317605E8-D8B4-47BA-AEE0-2A984489F44E}">
+      <dsp:nvSpPr>
+        <dsp:cNvPr id="0" name=""/>
+        <dsp:cNvSpPr/>
+      </dsp:nvSpPr>
+      <dsp:spPr>
+        <a:xfrm>
+          <a:off x="0" y="1228385"/>
+          <a:ext cx="9724031" cy="1226586"/>
+        </a:xfrm>
+        <a:prstGeom prst="rect">
+          <a:avLst/>
+        </a:prstGeom>
+        <a:noFill/>
+        <a:ln>
+          <a:noFill/>
+        </a:ln>
+        <a:effectLst/>
+      </dsp:spPr>
+      <dsp:style>
+        <a:lnRef idx="0">
+          <a:scrgbClr r="0" g="0" b="0"/>
+        </a:lnRef>
+        <a:fillRef idx="0">
+          <a:scrgbClr r="0" g="0" b="0"/>
+        </a:fillRef>
+        <a:effectRef idx="0">
+          <a:scrgbClr r="0" g="0" b="0"/>
+        </a:effectRef>
+        <a:fontRef idx="minor"/>
+      </dsp:style>
+      <dsp:txBody>
+        <a:bodyPr spcFirstLastPara="0" vert="horz" wrap="square" lIns="106680" tIns="106680" rIns="106680" bIns="106680" numCol="1" spcCol="1270" anchor="t" anchorCtr="0">
+          <a:noAutofit/>
+        </a:bodyPr>
+        <a:lstStyle/>
+        <a:p>
+          <a:pPr marL="0" lvl="0" indent="0" algn="ctr" defTabSz="1244600">
+            <a:lnSpc>
+              <a:spcPct val="90000"/>
+            </a:lnSpc>
+            <a:spcBef>
+              <a:spcPct val="0"/>
+            </a:spcBef>
+            <a:spcAft>
+              <a:spcPct val="35000"/>
+            </a:spcAft>
+            <a:buNone/>
+          </a:pPr>
+          <a:r>
+            <a:rPr lang="en-GB" sz="2800" b="1" kern="1200" dirty="0"/>
+            <a:t>Knowledge of general network infrastructure and understanding of basic network security mechanisms (Firewall, IDS, IPTables)</a:t>
+          </a:r>
+          <a:endParaRPr lang="en-US" sz="2800" kern="1200" dirty="0"/>
+        </a:p>
+      </dsp:txBody>
+      <dsp:txXfrm>
+        <a:off x="0" y="1228385"/>
+        <a:ext cx="9724031" cy="1226586"/>
+      </dsp:txXfrm>
+    </dsp:sp>
+    <dsp:sp modelId="{9988E836-42FF-4124-960A-F7F99C9AC122}">
+      <dsp:nvSpPr>
+        <dsp:cNvPr id="0" name=""/>
+        <dsp:cNvSpPr/>
+      </dsp:nvSpPr>
+      <dsp:spPr>
+        <a:xfrm>
+          <a:off x="0" y="2454972"/>
+          <a:ext cx="9724031" cy="0"/>
+        </a:xfrm>
+        <a:prstGeom prst="line">
+          <a:avLst/>
+        </a:prstGeom>
+        <a:solidFill>
+          <a:schemeClr val="accent1">
+            <a:hueOff val="0"/>
+            <a:satOff val="0"/>
+            <a:lumOff val="0"/>
+            <a:alphaOff val="0"/>
+          </a:schemeClr>
+        </a:solidFill>
+        <a:ln w="12700" cap="flat" cmpd="sng" algn="ctr">
+          <a:solidFill>
+            <a:schemeClr val="accent1">
+              <a:hueOff val="0"/>
+              <a:satOff val="0"/>
+              <a:lumOff val="0"/>
+              <a:alphaOff val="0"/>
+            </a:schemeClr>
+          </a:solidFill>
+          <a:prstDash val="solid"/>
+          <a:miter lim="800000"/>
+        </a:ln>
+        <a:effectLst/>
+      </dsp:spPr>
+      <dsp:style>
+        <a:lnRef idx="2">
+          <a:scrgbClr r="0" g="0" b="0"/>
+        </a:lnRef>
+        <a:fillRef idx="1">
+          <a:scrgbClr r="0" g="0" b="0"/>
+        </a:fillRef>
+        <a:effectRef idx="0">
+          <a:scrgbClr r="0" g="0" b="0"/>
+        </a:effectRef>
+        <a:fontRef idx="minor">
+          <a:schemeClr val="lt1"/>
+        </a:fontRef>
+      </dsp:style>
+    </dsp:sp>
+    <dsp:sp modelId="{E289EFB0-964F-4228-8089-ED7D725B7DCC}">
+      <dsp:nvSpPr>
+        <dsp:cNvPr id="0" name=""/>
+        <dsp:cNvSpPr/>
+      </dsp:nvSpPr>
+      <dsp:spPr>
+        <a:xfrm>
+          <a:off x="0" y="2454972"/>
+          <a:ext cx="9724031" cy="1226586"/>
+        </a:xfrm>
+        <a:prstGeom prst="rect">
+          <a:avLst/>
+        </a:prstGeom>
+        <a:noFill/>
+        <a:ln>
+          <a:noFill/>
+        </a:ln>
+        <a:effectLst/>
+      </dsp:spPr>
+      <dsp:style>
+        <a:lnRef idx="0">
+          <a:scrgbClr r="0" g="0" b="0"/>
+        </a:lnRef>
+        <a:fillRef idx="0">
+          <a:scrgbClr r="0" g="0" b="0"/>
+        </a:fillRef>
+        <a:effectRef idx="0">
+          <a:scrgbClr r="0" g="0" b="0"/>
+        </a:effectRef>
+        <a:fontRef idx="minor"/>
+      </dsp:style>
+      <dsp:txBody>
+        <a:bodyPr spcFirstLastPara="0" vert="horz" wrap="square" lIns="106680" tIns="106680" rIns="106680" bIns="106680" numCol="1" spcCol="1270" anchor="t" anchorCtr="0">
+          <a:noAutofit/>
+        </a:bodyPr>
+        <a:lstStyle/>
+        <a:p>
+          <a:pPr marL="0" lvl="0" indent="0" algn="ctr" defTabSz="1244600">
+            <a:lnSpc>
+              <a:spcPct val="90000"/>
+            </a:lnSpc>
+            <a:spcBef>
+              <a:spcPct val="0"/>
+            </a:spcBef>
+            <a:spcAft>
+              <a:spcPct val="35000"/>
+            </a:spcAft>
+            <a:buNone/>
+          </a:pPr>
+          <a:r>
+            <a:rPr lang="en-GB" sz="2800" b="1" kern="1200" dirty="0"/>
+            <a:t>Proficiency in a programming language such as: Python, Bash, Perl, PHP</a:t>
+          </a:r>
+          <a:endParaRPr lang="en-US" sz="2800" kern="1200" dirty="0"/>
+        </a:p>
+      </dsp:txBody>
+      <dsp:txXfrm>
+        <a:off x="0" y="2454972"/>
+        <a:ext cx="9724031" cy="1226586"/>
       </dsp:txXfrm>
     </dsp:sp>
   </dsp:spTree>
 </dsp:drawing>
 </file>
 
-<file path=ppt/diagrams/drawing3.xml><?xml version="1.0" encoding="utf-8"?>
+<file path=ppt/diagrams/drawing4.xml><?xml version="1.0" encoding="utf-8"?>
 <dsp:drawing xmlns:dgm="http://schemas.openxmlformats.org/drawingml/2006/diagram" xmlns:dsp="http://schemas.microsoft.com/office/drawing/2008/diagram" xmlns:a="http://schemas.openxmlformats.org/drawingml/2006/main">
   <dsp:spTree>
     <dsp:nvGrpSpPr>
@@ -6697,12 +7761,12 @@
         <a:fontRef idx="minor"/>
       </dsp:style>
       <dsp:txBody>
-        <a:bodyPr spcFirstLastPara="0" vert="horz" wrap="square" lIns="182880" tIns="182880" rIns="182880" bIns="182880" numCol="1" spcCol="1270" anchor="t" anchorCtr="0">
+        <a:bodyPr spcFirstLastPara="0" vert="horz" wrap="square" lIns="121920" tIns="121920" rIns="121920" bIns="121920" numCol="1" spcCol="1270" anchor="t" anchorCtr="0">
           <a:noAutofit/>
         </a:bodyPr>
         <a:lstStyle/>
         <a:p>
-          <a:pPr marL="0" lvl="0" indent="0" algn="ctr" defTabSz="2133600">
+          <a:pPr marL="0" lvl="0" indent="0" algn="ctr" defTabSz="1422400">
             <a:lnSpc>
               <a:spcPct val="90000"/>
             </a:lnSpc>
@@ -6715,10 +7779,16 @@
             <a:buNone/>
           </a:pPr>
           <a:r>
-            <a:rPr lang="en-GB" sz="4800" kern="1200" dirty="0"/>
+            <a:rPr lang="en-GB" sz="3200" kern="1200" dirty="0">
+              <a:latin typeface="Arial" panose="020B0604020202020204" pitchFamily="34" charset="0"/>
+              <a:cs typeface="Arial" panose="020B0604020202020204" pitchFamily="34" charset="0"/>
+            </a:rPr>
             <a:t>How to Play in a CTF (Capture The flag)</a:t>
           </a:r>
-          <a:endParaRPr lang="en-US" sz="4800" kern="1200" dirty="0"/>
+          <a:endParaRPr lang="en-US" sz="3200" kern="1200" dirty="0">
+            <a:latin typeface="Arial" panose="020B0604020202020204" pitchFamily="34" charset="0"/>
+            <a:cs typeface="Arial" panose="020B0604020202020204" pitchFamily="34" charset="0"/>
+          </a:endParaRPr>
         </a:p>
       </dsp:txBody>
       <dsp:txXfrm>
@@ -6808,12 +7878,12 @@
         <a:fontRef idx="minor"/>
       </dsp:style>
       <dsp:txBody>
-        <a:bodyPr spcFirstLastPara="0" vert="horz" wrap="square" lIns="182880" tIns="182880" rIns="182880" bIns="182880" numCol="1" spcCol="1270" anchor="t" anchorCtr="0">
+        <a:bodyPr spcFirstLastPara="0" vert="horz" wrap="square" lIns="121920" tIns="121920" rIns="121920" bIns="121920" numCol="1" spcCol="1270" anchor="t" anchorCtr="0">
           <a:noAutofit/>
         </a:bodyPr>
         <a:lstStyle/>
         <a:p>
-          <a:pPr marL="0" lvl="0" indent="0" algn="ctr" defTabSz="2133600">
+          <a:pPr marL="0" lvl="0" indent="0" algn="ctr" defTabSz="1422400">
             <a:lnSpc>
               <a:spcPct val="90000"/>
             </a:lnSpc>
@@ -6826,10 +7896,16 @@
             <a:buNone/>
           </a:pPr>
           <a:r>
-            <a:rPr lang="en-GB" sz="4800" kern="1200" dirty="0"/>
+            <a:rPr lang="en-GB" sz="3200" kern="1200" dirty="0">
+              <a:latin typeface="Arial" panose="020B0604020202020204" pitchFamily="34" charset="0"/>
+              <a:cs typeface="Arial" panose="020B0604020202020204" pitchFamily="34" charset="0"/>
+            </a:rPr>
             <a:t>How to Use Hacking Tools</a:t>
           </a:r>
-          <a:endParaRPr lang="en-US" sz="4800" kern="1200" dirty="0"/>
+          <a:endParaRPr lang="en-US" sz="3200" kern="1200" dirty="0">
+            <a:latin typeface="Arial" panose="020B0604020202020204" pitchFamily="34" charset="0"/>
+            <a:cs typeface="Arial" panose="020B0604020202020204" pitchFamily="34" charset="0"/>
+          </a:endParaRPr>
         </a:p>
       </dsp:txBody>
       <dsp:txXfrm>
@@ -6919,12 +7995,12 @@
         <a:fontRef idx="minor"/>
       </dsp:style>
       <dsp:txBody>
-        <a:bodyPr spcFirstLastPara="0" vert="horz" wrap="square" lIns="182880" tIns="182880" rIns="182880" bIns="182880" numCol="1" spcCol="1270" anchor="t" anchorCtr="0">
+        <a:bodyPr spcFirstLastPara="0" vert="horz" wrap="square" lIns="121920" tIns="121920" rIns="121920" bIns="121920" numCol="1" spcCol="1270" anchor="t" anchorCtr="0">
           <a:noAutofit/>
         </a:bodyPr>
         <a:lstStyle/>
         <a:p>
-          <a:pPr marL="0" lvl="0" indent="0" algn="ctr" defTabSz="2133600">
+          <a:pPr marL="0" lvl="0" indent="0" algn="ctr" defTabSz="1422400">
             <a:lnSpc>
               <a:spcPct val="90000"/>
             </a:lnSpc>
@@ -6937,10 +8013,16 @@
             <a:buNone/>
           </a:pPr>
           <a:r>
-            <a:rPr lang="en-GB" sz="4800" kern="1200" dirty="0"/>
+            <a:rPr lang="en-GB" sz="3200" kern="1200" dirty="0">
+              <a:latin typeface="Arial" panose="020B0604020202020204" pitchFamily="34" charset="0"/>
+              <a:cs typeface="Arial" panose="020B0604020202020204" pitchFamily="34" charset="0"/>
+            </a:rPr>
             <a:t>How to Use Kali Linux</a:t>
           </a:r>
-          <a:endParaRPr lang="en-US" sz="4800" kern="1200" dirty="0"/>
+          <a:endParaRPr lang="en-US" sz="3200" kern="1200" dirty="0">
+            <a:latin typeface="Arial" panose="020B0604020202020204" pitchFamily="34" charset="0"/>
+            <a:cs typeface="Arial" panose="020B0604020202020204" pitchFamily="34" charset="0"/>
+          </a:endParaRPr>
         </a:p>
       </dsp:txBody>
       <dsp:txXfrm>
@@ -7030,12 +8112,12 @@
         <a:fontRef idx="minor"/>
       </dsp:style>
       <dsp:txBody>
-        <a:bodyPr spcFirstLastPara="0" vert="horz" wrap="square" lIns="182880" tIns="182880" rIns="182880" bIns="182880" numCol="1" spcCol="1270" anchor="t" anchorCtr="0">
+        <a:bodyPr spcFirstLastPara="0" vert="horz" wrap="square" lIns="121920" tIns="121920" rIns="121920" bIns="121920" numCol="1" spcCol="1270" anchor="t" anchorCtr="0">
           <a:noAutofit/>
         </a:bodyPr>
         <a:lstStyle/>
         <a:p>
-          <a:pPr marL="0" lvl="0" indent="0" algn="ctr" defTabSz="2133600">
+          <a:pPr marL="0" lvl="0" indent="0" algn="ctr" defTabSz="1422400">
             <a:lnSpc>
               <a:spcPct val="90000"/>
             </a:lnSpc>
@@ -7048,10 +8130,16 @@
             <a:buNone/>
           </a:pPr>
           <a:r>
-            <a:rPr lang="en-GB" sz="4800" kern="1200" dirty="0"/>
+            <a:rPr lang="en-GB" sz="3200" kern="1200" dirty="0">
+              <a:latin typeface="Arial" panose="020B0604020202020204" pitchFamily="34" charset="0"/>
+              <a:cs typeface="Arial" panose="020B0604020202020204" pitchFamily="34" charset="0"/>
+            </a:rPr>
             <a:t>How to Attack Windows</a:t>
           </a:r>
-          <a:endParaRPr lang="en-US" sz="4800" kern="1200" dirty="0"/>
+          <a:endParaRPr lang="en-US" sz="3200" kern="1200" dirty="0">
+            <a:latin typeface="Arial" panose="020B0604020202020204" pitchFamily="34" charset="0"/>
+            <a:cs typeface="Arial" panose="020B0604020202020204" pitchFamily="34" charset="0"/>
+          </a:endParaRPr>
         </a:p>
       </dsp:txBody>
       <dsp:txXfrm>
@@ -7063,7 +8151,7 @@
 </dsp:drawing>
 </file>
 
-<file path=ppt/diagrams/drawing4.xml><?xml version="1.0" encoding="utf-8"?>
+<file path=ppt/diagrams/drawing5.xml><?xml version="1.0" encoding="utf-8"?>
 <dsp:drawing xmlns:dgm="http://schemas.openxmlformats.org/drawingml/2006/diagram" xmlns:dsp="http://schemas.microsoft.com/office/drawing/2008/diagram" xmlns:a="http://schemas.openxmlformats.org/drawingml/2006/main">
   <dsp:spTree>
     <dsp:nvGrpSpPr>
@@ -7142,7 +8230,7 @@
           </a:pPr>
           <a:r>
             <a:rPr lang="en-GB" sz="2600" kern="1200" dirty="0"/>
-            <a:t>Attacking secure Linux networks</a:t>
+            <a:t>Attacking Secure Linux Networks</a:t>
           </a:r>
           <a:endParaRPr lang="en-US" sz="2600" kern="1200" dirty="0"/>
         </a:p>
@@ -7194,7 +8282,7 @@
         <a:fillRef idx="1">
           <a:scrgbClr r="0" g="0" b="0"/>
         </a:fillRef>
-        <a:effectRef idx="1">
+        <a:effectRef idx="0">
           <a:scrgbClr r="0" g="0" b="0"/>
         </a:effectRef>
         <a:fontRef idx="minor">
@@ -7272,7 +8360,7 @@
         <a:fillRef idx="1">
           <a:scrgbClr r="0" g="0" b="0"/>
         </a:fillRef>
-        <a:effectRef idx="1">
+        <a:effectRef idx="0">
           <a:scrgbClr r="0" g="0" b="0"/>
         </a:effectRef>
         <a:fontRef idx="minor">
@@ -7351,7 +8439,7 @@
           </a:pPr>
           <a:r>
             <a:rPr lang="en-GB" sz="2600" kern="1200" dirty="0"/>
-            <a:t>Evading Linux based defences</a:t>
+            <a:t>Evading Linux Network Defences</a:t>
           </a:r>
           <a:endParaRPr lang="en-US" sz="2600" kern="1200" dirty="0"/>
         </a:p>
@@ -7403,7 +8491,7 @@
         <a:fillRef idx="1">
           <a:scrgbClr r="0" g="0" b="0"/>
         </a:fillRef>
-        <a:effectRef idx="1">
+        <a:effectRef idx="0">
           <a:scrgbClr r="0" g="0" b="0"/>
         </a:effectRef>
         <a:fontRef idx="minor">
@@ -7481,7 +8569,7 @@
         <a:fillRef idx="1">
           <a:scrgbClr r="0" g="0" b="0"/>
         </a:fillRef>
-        <a:effectRef idx="1">
+        <a:effectRef idx="0">
           <a:scrgbClr r="0" g="0" b="0"/>
         </a:effectRef>
         <a:fontRef idx="minor">
@@ -7560,7 +8648,7 @@
           </a:pPr>
           <a:r>
             <a:rPr lang="en-GB" sz="2600" kern="1200" dirty="0"/>
-            <a:t>Developing red team-based tactics to infiltrate networks from the outside perimeter</a:t>
+            <a:t>Red team-based tactics for internal/external testing</a:t>
           </a:r>
           <a:endParaRPr lang="en-US" sz="2600" kern="1200" dirty="0"/>
         </a:p>
@@ -7577,7 +8665,7 @@
       </dsp:nvSpPr>
       <dsp:spPr>
         <a:xfrm>
-          <a:off x="8219836" y="435133"/>
+          <a:off x="8193337" y="474896"/>
           <a:ext cx="1305401" cy="1305401"/>
         </a:xfrm>
         <a:prstGeom prst="ellipse">
@@ -7612,7 +8700,7 @@
         <a:fillRef idx="1">
           <a:scrgbClr r="0" g="0" b="0"/>
         </a:fillRef>
-        <a:effectRef idx="1">
+        <a:effectRef idx="0">
           <a:scrgbClr r="0" g="0" b="0"/>
         </a:effectRef>
         <a:fontRef idx="minor">
@@ -7644,7 +8732,7 @@
         </a:p>
       </dsp:txBody>
       <dsp:txXfrm>
-        <a:off x="8411008" y="626305"/>
+        <a:off x="8384509" y="666068"/>
         <a:ext cx="923057" cy="923057"/>
       </dsp:txXfrm>
     </dsp:sp>
@@ -7690,7 +8778,7 @@
         <a:fillRef idx="1">
           <a:scrgbClr r="0" g="0" b="0"/>
         </a:fillRef>
-        <a:effectRef idx="1">
+        <a:effectRef idx="0">
           <a:scrgbClr r="0" g="0" b="0"/>
         </a:effectRef>
         <a:fontRef idx="minor">
@@ -7702,7 +8790,7 @@
 </dsp:drawing>
 </file>
 
-<file path=ppt/diagrams/drawing5.xml><?xml version="1.0" encoding="utf-8"?>
+<file path=ppt/diagrams/drawing6.xml><?xml version="1.0" encoding="utf-8"?>
 <dsp:drawing xmlns:dgm="http://schemas.openxmlformats.org/drawingml/2006/diagram" xmlns:dsp="http://schemas.microsoft.com/office/drawing/2008/diagram" xmlns:a="http://schemas.openxmlformats.org/drawingml/2006/main">
   <dsp:spTree>
     <dsp:nvGrpSpPr>
@@ -9192,6 +10280,472 @@
 </file>
 
 <file path=ppt/diagrams/layout4.xml><?xml version="1.0" encoding="utf-8"?>
+<dgm:layoutDef xmlns:dgm="http://schemas.openxmlformats.org/drawingml/2006/diagram" xmlns:a="http://schemas.openxmlformats.org/drawingml/2006/main" uniqueId="urn:microsoft.com/office/officeart/2008/layout/LinedList">
+  <dgm:title val=""/>
+  <dgm:desc val=""/>
+  <dgm:catLst>
+    <dgm:cat type="hierarchy" pri="8000"/>
+    <dgm:cat type="list" pri="2500"/>
+  </dgm:catLst>
+  <dgm:sampData>
+    <dgm:dataModel>
+      <dgm:ptLst>
+        <dgm:pt modelId="0" type="doc"/>
+        <dgm:pt modelId="1">
+          <dgm:prSet phldr="1"/>
+        </dgm:pt>
+        <dgm:pt modelId="11">
+          <dgm:prSet phldr="1"/>
+        </dgm:pt>
+        <dgm:pt modelId="12">
+          <dgm:prSet phldr="1"/>
+        </dgm:pt>
+        <dgm:pt modelId="13">
+          <dgm:prSet phldr="1"/>
+        </dgm:pt>
+      </dgm:ptLst>
+      <dgm:cxnLst>
+        <dgm:cxn modelId="2" srcId="0" destId="1" srcOrd="0" destOrd="0"/>
+        <dgm:cxn modelId="3" srcId="1" destId="11" srcOrd="0" destOrd="0"/>
+        <dgm:cxn modelId="4" srcId="1" destId="12" srcOrd="1" destOrd="0"/>
+        <dgm:cxn modelId="5" srcId="1" destId="13" srcOrd="2" destOrd="0"/>
+      </dgm:cxnLst>
+      <dgm:bg/>
+      <dgm:whole/>
+    </dgm:dataModel>
+  </dgm:sampData>
+  <dgm:styleData>
+    <dgm:dataModel>
+      <dgm:ptLst>
+        <dgm:pt modelId="0" type="doc"/>
+        <dgm:pt modelId="1">
+          <dgm:prSet phldr="1"/>
+        </dgm:pt>
+        <dgm:pt modelId="11">
+          <dgm:prSet phldr="1"/>
+        </dgm:pt>
+        <dgm:pt modelId="12">
+          <dgm:prSet phldr="1"/>
+        </dgm:pt>
+      </dgm:ptLst>
+      <dgm:cxnLst>
+        <dgm:cxn modelId="2" srcId="0" destId="1" srcOrd="0" destOrd="0"/>
+        <dgm:cxn modelId="3" srcId="1" destId="11" srcOrd="0" destOrd="0"/>
+        <dgm:cxn modelId="4" srcId="1" destId="12" srcOrd="1" destOrd="0"/>
+      </dgm:cxnLst>
+      <dgm:bg/>
+      <dgm:whole/>
+    </dgm:dataModel>
+  </dgm:styleData>
+  <dgm:clrData>
+    <dgm:dataModel>
+      <dgm:ptLst>
+        <dgm:pt modelId="0" type="doc"/>
+        <dgm:pt modelId="1">
+          <dgm:prSet phldr="1"/>
+        </dgm:pt>
+        <dgm:pt modelId="11">
+          <dgm:prSet phldr="1"/>
+        </dgm:pt>
+        <dgm:pt modelId="12">
+          <dgm:prSet phldr="1"/>
+        </dgm:pt>
+      </dgm:ptLst>
+      <dgm:cxnLst>
+        <dgm:cxn modelId="2" srcId="0" destId="1" srcOrd="0" destOrd="0"/>
+        <dgm:cxn modelId="3" srcId="1" destId="11" srcOrd="0" destOrd="0"/>
+        <dgm:cxn modelId="4" srcId="1" destId="12" srcOrd="1" destOrd="0"/>
+      </dgm:cxnLst>
+      <dgm:bg/>
+      <dgm:whole/>
+    </dgm:dataModel>
+  </dgm:clrData>
+  <dgm:layoutNode name="vert0">
+    <dgm:varLst>
+      <dgm:dir/>
+      <dgm:animOne val="branch"/>
+      <dgm:animLvl val="lvl"/>
+    </dgm:varLst>
+    <dgm:choose name="Name0">
+      <dgm:if name="Name1" func="var" arg="dir" op="equ" val="norm">
+        <dgm:alg type="lin">
+          <dgm:param type="linDir" val="fromT"/>
+          <dgm:param type="nodeHorzAlign" val="l"/>
+        </dgm:alg>
+      </dgm:if>
+      <dgm:else name="Name2">
+        <dgm:alg type="lin">
+          <dgm:param type="linDir" val="fromT"/>
+          <dgm:param type="nodeHorzAlign" val="r"/>
+        </dgm:alg>
+      </dgm:else>
+    </dgm:choose>
+    <dgm:shape xmlns:r="http://schemas.openxmlformats.org/officeDocument/2006/relationships" r:blip="">
+      <dgm:adjLst/>
+    </dgm:shape>
+    <dgm:presOf/>
+    <dgm:constrLst>
+      <dgm:constr type="w" for="ch" forName="horz1" refType="w"/>
+      <dgm:constr type="h" for="ch" forName="horz1" refType="h"/>
+      <dgm:constr type="h" for="des" forName="vert1" refType="h"/>
+      <dgm:constr type="h" for="des" forName="tx1" refType="h"/>
+      <dgm:constr type="h" for="des" forName="horz2" refType="h"/>
+      <dgm:constr type="h" for="des" forName="vert2" refType="h"/>
+      <dgm:constr type="h" for="des" forName="horz3" refType="h"/>
+      <dgm:constr type="h" for="des" forName="vert3" refType="h"/>
+      <dgm:constr type="h" for="des" forName="horz4" refType="h"/>
+      <dgm:constr type="h" for="des" ptType="node" refType="h"/>
+      <dgm:constr type="primFontSz" for="des" forName="tx1" op="equ" val="65"/>
+      <dgm:constr type="primFontSz" for="des" forName="tx2" op="equ" val="65"/>
+      <dgm:constr type="primFontSz" for="des" forName="tx3" op="equ" val="65"/>
+      <dgm:constr type="primFontSz" for="des" forName="tx4" op="equ" val="65"/>
+      <dgm:constr type="w" for="des" forName="thickLine" refType="w"/>
+      <dgm:constr type="h" for="des" forName="thickLine"/>
+      <dgm:constr type="h" for="des" forName="thinLine1"/>
+      <dgm:constr type="h" for="des" forName="thinLine2b"/>
+      <dgm:constr type="h" for="des" forName="thinLine3"/>
+      <dgm:constr type="h" for="des" forName="vertSpace2a" refType="h" fact="0.05"/>
+      <dgm:constr type="h" for="des" forName="vertSpace2b" refType="h" refFor="des" refForName="vertSpace2a"/>
+    </dgm:constrLst>
+    <dgm:forEach name="Name3" axis="ch" ptType="node">
+      <dgm:layoutNode name="thickLine" styleLbl="alignNode1">
+        <dgm:alg type="sp"/>
+        <dgm:shape xmlns:r="http://schemas.openxmlformats.org/officeDocument/2006/relationships" type="line" r:blip="">
+          <dgm:adjLst/>
+        </dgm:shape>
+        <dgm:presOf/>
+      </dgm:layoutNode>
+      <dgm:layoutNode name="horz1">
+        <dgm:choose name="Name4">
+          <dgm:if name="Name5" func="var" arg="dir" op="equ" val="norm">
+            <dgm:alg type="lin">
+              <dgm:param type="linDir" val="fromL"/>
+              <dgm:param type="nodeVertAlign" val="t"/>
+            </dgm:alg>
+          </dgm:if>
+          <dgm:else name="Name6">
+            <dgm:alg type="lin">
+              <dgm:param type="linDir" val="fromR"/>
+              <dgm:param type="nodeVertAlign" val="t"/>
+            </dgm:alg>
+          </dgm:else>
+        </dgm:choose>
+        <dgm:shape xmlns:r="http://schemas.openxmlformats.org/officeDocument/2006/relationships" r:blip="">
+          <dgm:adjLst/>
+        </dgm:shape>
+        <dgm:presOf/>
+        <dgm:choose name="Name7">
+          <dgm:if name="Name8" axis="root des" func="maxDepth" op="equ" val="1">
+            <dgm:constrLst>
+              <dgm:constr type="w" for="ch" forName="tx1" refType="w"/>
+            </dgm:constrLst>
+          </dgm:if>
+          <dgm:if name="Name9" axis="root des" func="maxDepth" op="equ" val="2">
+            <dgm:constrLst>
+              <dgm:constr type="w" for="ch" forName="tx1" refType="w" fact="0.2"/>
+              <dgm:constr type="w" for="des" forName="tx2" refType="w" fact="0.785"/>
+              <dgm:constr type="w" for="des" forName="horzSpace2" refType="w" fact="0.015"/>
+              <dgm:constr type="w" for="des" forName="thinLine2b" refType="w" fact="0.8"/>
+            </dgm:constrLst>
+          </dgm:if>
+          <dgm:if name="Name10" axis="root des" func="maxDepth" op="equ" val="3">
+            <dgm:constrLst>
+              <dgm:constr type="w" for="ch" forName="tx1" refType="w" fact="0.2"/>
+              <dgm:constr type="w" for="des" forName="tx2" refType="w" fact="0.385"/>
+              <dgm:constr type="w" for="des" forName="tx3" refType="w" fact="0.385"/>
+              <dgm:constr type="w" for="des" forName="horzSpace2" refType="w" fact="0.015"/>
+              <dgm:constr type="w" for="des" forName="horzSpace3" refType="w" fact="0.015"/>
+              <dgm:constr type="w" for="des" forName="thinLine2b" refType="w" fact="0.8"/>
+              <dgm:constr type="w" for="des" forName="thinLine3" refType="w" fact="0.385"/>
+            </dgm:constrLst>
+          </dgm:if>
+          <dgm:if name="Name11" axis="root des" func="maxDepth" op="gte" val="4">
+            <dgm:constrLst>
+              <dgm:constr type="w" for="ch" forName="tx1" refType="w" fact="0.2"/>
+              <dgm:constr type="w" for="des" forName="tx2" refType="w" fact="0.2516"/>
+              <dgm:constr type="w" for="des" forName="tx3" refType="w" fact="0.2516"/>
+              <dgm:constr type="w" for="des" forName="tx4" refType="w" fact="0.2516"/>
+              <dgm:constr type="w" for="des" forName="horzSpace2" refType="w" fact="0.015"/>
+              <dgm:constr type="w" for="des" forName="horzSpace3" refType="w" fact="0.015"/>
+              <dgm:constr type="w" for="des" forName="horzSpace4" refType="w" fact="0.015"/>
+              <dgm:constr type="w" for="des" forName="thinLine2b" refType="w" fact="0.8"/>
+              <dgm:constr type="w" for="des" forName="thinLine3" refType="w" fact="0.5332"/>
+            </dgm:constrLst>
+          </dgm:if>
+          <dgm:else name="Name12"/>
+        </dgm:choose>
+        <dgm:layoutNode name="tx1" styleLbl="revTx">
+          <dgm:alg type="tx">
+            <dgm:param type="parTxLTRAlign" val="l"/>
+            <dgm:param type="parTxRTLAlign" val="r"/>
+            <dgm:param type="txAnchorVert" val="t"/>
+          </dgm:alg>
+          <dgm:shape xmlns:r="http://schemas.openxmlformats.org/officeDocument/2006/relationships" type="rect" r:blip="">
+            <dgm:adjLst/>
+          </dgm:shape>
+          <dgm:presOf axis="self"/>
+          <dgm:constrLst>
+            <dgm:constr type="tMarg" refType="primFontSz" fact="0.3"/>
+            <dgm:constr type="bMarg" refType="primFontSz" fact="0.3"/>
+            <dgm:constr type="lMarg" refType="primFontSz" fact="0.3"/>
+            <dgm:constr type="rMarg" refType="primFontSz" fact="0.3"/>
+          </dgm:constrLst>
+          <dgm:ruleLst>
+            <dgm:rule type="primFontSz" val="5" fact="NaN" max="NaN"/>
+          </dgm:ruleLst>
+        </dgm:layoutNode>
+        <dgm:layoutNode name="vert1">
+          <dgm:choose name="Name13">
+            <dgm:if name="Name14" func="var" arg="dir" op="equ" val="norm">
+              <dgm:alg type="lin">
+                <dgm:param type="linDir" val="fromT"/>
+                <dgm:param type="nodeHorzAlign" val="l"/>
+              </dgm:alg>
+            </dgm:if>
+            <dgm:else name="Name15">
+              <dgm:alg type="lin">
+                <dgm:param type="linDir" val="fromT"/>
+                <dgm:param type="nodeHorzAlign" val="r"/>
+              </dgm:alg>
+            </dgm:else>
+          </dgm:choose>
+          <dgm:shape xmlns:r="http://schemas.openxmlformats.org/officeDocument/2006/relationships" r:blip="">
+            <dgm:adjLst/>
+          </dgm:shape>
+          <dgm:presOf/>
+          <dgm:forEach name="Name16" axis="ch" ptType="node">
+            <dgm:choose name="Name17">
+              <dgm:if name="Name18" axis="self" ptType="node" func="pos" op="equ" val="1">
+                <dgm:layoutNode name="vertSpace2a">
+                  <dgm:alg type="sp"/>
+                  <dgm:shape xmlns:r="http://schemas.openxmlformats.org/officeDocument/2006/relationships" r:blip="">
+                    <dgm:adjLst/>
+                  </dgm:shape>
+                  <dgm:presOf/>
+                </dgm:layoutNode>
+              </dgm:if>
+              <dgm:else name="Name19"/>
+            </dgm:choose>
+            <dgm:layoutNode name="horz2">
+              <dgm:choose name="Name20">
+                <dgm:if name="Name21" func="var" arg="dir" op="equ" val="norm">
+                  <dgm:alg type="lin">
+                    <dgm:param type="linDir" val="fromL"/>
+                    <dgm:param type="nodeVertAlign" val="t"/>
+                  </dgm:alg>
+                </dgm:if>
+                <dgm:else name="Name22">
+                  <dgm:alg type="lin">
+                    <dgm:param type="linDir" val="fromR"/>
+                    <dgm:param type="nodeVertAlign" val="t"/>
+                  </dgm:alg>
+                </dgm:else>
+              </dgm:choose>
+              <dgm:shape xmlns:r="http://schemas.openxmlformats.org/officeDocument/2006/relationships" r:blip="">
+                <dgm:adjLst/>
+              </dgm:shape>
+              <dgm:presOf/>
+              <dgm:layoutNode name="horzSpace2">
+                <dgm:alg type="sp"/>
+                <dgm:shape xmlns:r="http://schemas.openxmlformats.org/officeDocument/2006/relationships" r:blip="">
+                  <dgm:adjLst/>
+                </dgm:shape>
+                <dgm:presOf/>
+              </dgm:layoutNode>
+              <dgm:layoutNode name="tx2" styleLbl="revTx">
+                <dgm:alg type="tx">
+                  <dgm:param type="parTxLTRAlign" val="l"/>
+                  <dgm:param type="parTxRTLAlign" val="r"/>
+                  <dgm:param type="txAnchorVert" val="t"/>
+                </dgm:alg>
+                <dgm:shape xmlns:r="http://schemas.openxmlformats.org/officeDocument/2006/relationships" type="rect" r:blip="">
+                  <dgm:adjLst/>
+                </dgm:shape>
+                <dgm:presOf axis="self"/>
+                <dgm:constrLst>
+                  <dgm:constr type="tMarg" refType="primFontSz" fact="0.3"/>
+                  <dgm:constr type="bMarg" refType="primFontSz" fact="0.3"/>
+                  <dgm:constr type="lMarg" refType="primFontSz" fact="0.3"/>
+                  <dgm:constr type="rMarg" refType="primFontSz" fact="0.3"/>
+                </dgm:constrLst>
+                <dgm:ruleLst>
+                  <dgm:rule type="primFontSz" val="5" fact="NaN" max="NaN"/>
+                </dgm:ruleLst>
+              </dgm:layoutNode>
+              <dgm:layoutNode name="vert2">
+                <dgm:choose name="Name23">
+                  <dgm:if name="Name24" func="var" arg="dir" op="equ" val="norm">
+                    <dgm:alg type="lin">
+                      <dgm:param type="linDir" val="fromT"/>
+                      <dgm:param type="nodeHorzAlign" val="l"/>
+                    </dgm:alg>
+                  </dgm:if>
+                  <dgm:else name="Name25">
+                    <dgm:alg type="lin">
+                      <dgm:param type="linDir" val="fromT"/>
+                      <dgm:param type="nodeHorzAlign" val="r"/>
+                    </dgm:alg>
+                  </dgm:else>
+                </dgm:choose>
+                <dgm:shape xmlns:r="http://schemas.openxmlformats.org/officeDocument/2006/relationships" r:blip="">
+                  <dgm:adjLst/>
+                </dgm:shape>
+                <dgm:presOf/>
+                <dgm:forEach name="Name26" axis="ch" ptType="node">
+                  <dgm:layoutNode name="horz3">
+                    <dgm:choose name="Name27">
+                      <dgm:if name="Name28" func="var" arg="dir" op="equ" val="norm">
+                        <dgm:alg type="lin">
+                          <dgm:param type="linDir" val="fromL"/>
+                          <dgm:param type="nodeVertAlign" val="t"/>
+                        </dgm:alg>
+                      </dgm:if>
+                      <dgm:else name="Name29">
+                        <dgm:alg type="lin">
+                          <dgm:param type="linDir" val="fromR"/>
+                          <dgm:param type="nodeVertAlign" val="t"/>
+                        </dgm:alg>
+                      </dgm:else>
+                    </dgm:choose>
+                    <dgm:shape xmlns:r="http://schemas.openxmlformats.org/officeDocument/2006/relationships" r:blip="">
+                      <dgm:adjLst/>
+                    </dgm:shape>
+                    <dgm:presOf/>
+                    <dgm:layoutNode name="horzSpace3">
+                      <dgm:alg type="sp"/>
+                      <dgm:shape xmlns:r="http://schemas.openxmlformats.org/officeDocument/2006/relationships" r:blip="">
+                        <dgm:adjLst/>
+                      </dgm:shape>
+                      <dgm:presOf/>
+                    </dgm:layoutNode>
+                    <dgm:layoutNode name="tx3" styleLbl="revTx">
+                      <dgm:alg type="tx">
+                        <dgm:param type="parTxLTRAlign" val="l"/>
+                        <dgm:param type="parTxRTLAlign" val="r"/>
+                        <dgm:param type="txAnchorVert" val="t"/>
+                      </dgm:alg>
+                      <dgm:shape xmlns:r="http://schemas.openxmlformats.org/officeDocument/2006/relationships" type="rect" r:blip="">
+                        <dgm:adjLst/>
+                      </dgm:shape>
+                      <dgm:presOf axis="self"/>
+                      <dgm:constrLst>
+                        <dgm:constr type="tMarg" refType="primFontSz" fact="0.3"/>
+                        <dgm:constr type="bMarg" refType="primFontSz" fact="0.3"/>
+                        <dgm:constr type="lMarg" refType="primFontSz" fact="0.3"/>
+                        <dgm:constr type="rMarg" refType="primFontSz" fact="0.3"/>
+                      </dgm:constrLst>
+                      <dgm:ruleLst>
+                        <dgm:rule type="primFontSz" val="5" fact="NaN" max="NaN"/>
+                      </dgm:ruleLst>
+                    </dgm:layoutNode>
+                    <dgm:layoutNode name="vert3">
+                      <dgm:choose name="Name30">
+                        <dgm:if name="Name31" func="var" arg="dir" op="equ" val="norm">
+                          <dgm:alg type="lin">
+                            <dgm:param type="linDir" val="fromT"/>
+                            <dgm:param type="nodeHorzAlign" val="l"/>
+                          </dgm:alg>
+                        </dgm:if>
+                        <dgm:else name="Name32">
+                          <dgm:alg type="lin">
+                            <dgm:param type="linDir" val="fromT"/>
+                            <dgm:param type="nodeHorzAlign" val="r"/>
+                          </dgm:alg>
+                        </dgm:else>
+                      </dgm:choose>
+                      <dgm:shape xmlns:r="http://schemas.openxmlformats.org/officeDocument/2006/relationships" r:blip="">
+                        <dgm:adjLst/>
+                      </dgm:shape>
+                      <dgm:presOf/>
+                      <dgm:forEach name="Name33" axis="ch" ptType="node">
+                        <dgm:layoutNode name="horz4">
+                          <dgm:choose name="Name34">
+                            <dgm:if name="Name35" func="var" arg="dir" op="equ" val="norm">
+                              <dgm:alg type="lin">
+                                <dgm:param type="linDir" val="fromL"/>
+                                <dgm:param type="nodeVertAlign" val="t"/>
+                              </dgm:alg>
+                            </dgm:if>
+                            <dgm:else name="Name36">
+                              <dgm:alg type="lin">
+                                <dgm:param type="linDir" val="fromR"/>
+                                <dgm:param type="nodeVertAlign" val="t"/>
+                              </dgm:alg>
+                            </dgm:else>
+                          </dgm:choose>
+                          <dgm:shape xmlns:r="http://schemas.openxmlformats.org/officeDocument/2006/relationships" r:blip="">
+                            <dgm:adjLst/>
+                          </dgm:shape>
+                          <dgm:presOf/>
+                          <dgm:layoutNode name="horzSpace4">
+                            <dgm:alg type="sp"/>
+                            <dgm:shape xmlns:r="http://schemas.openxmlformats.org/officeDocument/2006/relationships" r:blip="">
+                              <dgm:adjLst/>
+                            </dgm:shape>
+                            <dgm:presOf/>
+                          </dgm:layoutNode>
+                          <dgm:layoutNode name="tx4" styleLbl="revTx">
+                            <dgm:varLst>
+                              <dgm:bulletEnabled val="1"/>
+                            </dgm:varLst>
+                            <dgm:alg type="tx">
+                              <dgm:param type="parTxLTRAlign" val="l"/>
+                              <dgm:param type="parTxRTLAlign" val="r"/>
+                              <dgm:param type="txAnchorVert" val="t"/>
+                            </dgm:alg>
+                            <dgm:shape xmlns:r="http://schemas.openxmlformats.org/officeDocument/2006/relationships" type="rect" r:blip="">
+                              <dgm:adjLst/>
+                            </dgm:shape>
+                            <dgm:presOf axis="desOrSelf" ptType="node"/>
+                            <dgm:constrLst>
+                              <dgm:constr type="tMarg" refType="primFontSz" fact="0.3"/>
+                              <dgm:constr type="bMarg" refType="primFontSz" fact="0.3"/>
+                              <dgm:constr type="lMarg" refType="primFontSz" fact="0.3"/>
+                              <dgm:constr type="rMarg" refType="primFontSz" fact="0.3"/>
+                            </dgm:constrLst>
+                            <dgm:ruleLst>
+                              <dgm:rule type="primFontSz" val="5" fact="NaN" max="NaN"/>
+                            </dgm:ruleLst>
+                          </dgm:layoutNode>
+                        </dgm:layoutNode>
+                      </dgm:forEach>
+                    </dgm:layoutNode>
+                  </dgm:layoutNode>
+                  <dgm:forEach name="Name37" axis="followSib" ptType="sibTrans" cnt="1">
+                    <dgm:layoutNode name="thinLine3" styleLbl="callout">
+                      <dgm:alg type="sp"/>
+                      <dgm:shape xmlns:r="http://schemas.openxmlformats.org/officeDocument/2006/relationships" type="line" r:blip="">
+                        <dgm:adjLst/>
+                      </dgm:shape>
+                      <dgm:presOf/>
+                    </dgm:layoutNode>
+                  </dgm:forEach>
+                </dgm:forEach>
+              </dgm:layoutNode>
+            </dgm:layoutNode>
+            <dgm:layoutNode name="thinLine2b" styleLbl="callout">
+              <dgm:alg type="sp"/>
+              <dgm:shape xmlns:r="http://schemas.openxmlformats.org/officeDocument/2006/relationships" type="line" r:blip="">
+                <dgm:adjLst/>
+              </dgm:shape>
+              <dgm:presOf/>
+            </dgm:layoutNode>
+            <dgm:layoutNode name="vertSpace2b">
+              <dgm:alg type="sp"/>
+              <dgm:shape xmlns:r="http://schemas.openxmlformats.org/officeDocument/2006/relationships" r:blip="">
+                <dgm:adjLst/>
+              </dgm:shape>
+              <dgm:presOf/>
+            </dgm:layoutNode>
+          </dgm:forEach>
+        </dgm:layoutNode>
+      </dgm:layoutNode>
+    </dgm:forEach>
+  </dgm:layoutNode>
+</dgm:layoutDef>
+</file>
+
+<file path=ppt/diagrams/layout5.xml><?xml version="1.0" encoding="utf-8"?>
 <dgm:layoutDef xmlns:dgm="http://schemas.openxmlformats.org/drawingml/2006/diagram" xmlns:a="http://schemas.openxmlformats.org/drawingml/2006/main" uniqueId="urn:microsoft.com/office/officeart/2016/7/layout/BasicLinearProcessNumbered">
   <dgm:title val="Basic Linear Process Numbered"/>
   <dgm:desc val="Used to show a progression; a timeline; sequential steps in a task, process, or workflow; or to emphasize movement or direction. Automatic numbers have been introduced to show the steps of the process which appears in a circle. Level 1 and Level 2 text appear in a rectangle."/>
@@ -9468,7 +11022,7 @@
 </dgm:layoutDef>
 </file>
 
-<file path=ppt/diagrams/layout5.xml><?xml version="1.0" encoding="utf-8"?>
+<file path=ppt/diagrams/layout6.xml><?xml version="1.0" encoding="utf-8"?>
 <dgm:layoutDef xmlns:dgm="http://schemas.openxmlformats.org/drawingml/2006/diagram" xmlns:a="http://schemas.openxmlformats.org/drawingml/2006/main" uniqueId="urn:microsoft.com/office/officeart/2005/8/layout/orgChart1">
   <dgm:title val=""/>
   <dgm:desc val=""/>
@@ -13717,11 +15271,11 @@
 </file>
 
 <file path=ppt/diagrams/quickStyle4.xml><?xml version="1.0" encoding="utf-8"?>
-<dgm:styleDef xmlns:dgm="http://schemas.openxmlformats.org/drawingml/2006/diagram" xmlns:a="http://schemas.openxmlformats.org/drawingml/2006/main" uniqueId="urn:microsoft.com/office/officeart/2005/8/quickstyle/simple2">
+<dgm:styleDef xmlns:dgm="http://schemas.openxmlformats.org/drawingml/2006/diagram" xmlns:a="http://schemas.openxmlformats.org/drawingml/2006/main" uniqueId="urn:microsoft.com/office/officeart/2005/8/quickstyle/simple1">
   <dgm:title val=""/>
   <dgm:desc val=""/>
   <dgm:catLst>
-    <dgm:cat type="simple" pri="10200"/>
+    <dgm:cat type="simple" pri="10100"/>
   </dgm:catLst>
   <dgm:scene3d>
     <a:camera prst="orthographicFront"/>
@@ -13735,13 +15289,13 @@
     <dgm:sp3d/>
     <dgm:txPr/>
     <dgm:style>
-      <a:lnRef idx="3">
+      <a:lnRef idx="2">
         <a:scrgbClr r="0" g="0" b="0"/>
       </a:lnRef>
       <a:fillRef idx="1">
         <a:scrgbClr r="0" g="0" b="0"/>
       </a:fillRef>
-      <a:effectRef idx="1">
+      <a:effectRef idx="0">
         <a:scrgbClr r="0" g="0" b="0"/>
       </a:effectRef>
       <a:fontRef idx="minor">
@@ -13757,13 +15311,13 @@
     <dgm:sp3d/>
     <dgm:txPr/>
     <dgm:style>
-      <a:lnRef idx="3">
+      <a:lnRef idx="2">
         <a:scrgbClr r="0" g="0" b="0"/>
       </a:lnRef>
       <a:fillRef idx="1">
         <a:scrgbClr r="0" g="0" b="0"/>
       </a:fillRef>
-      <a:effectRef idx="1">
+      <a:effectRef idx="0">
         <a:scrgbClr r="0" g="0" b="0"/>
       </a:effectRef>
       <a:fontRef idx="minor">
@@ -13779,7 +15333,7 @@
     <dgm:sp3d/>
     <dgm:txPr/>
     <dgm:style>
-      <a:lnRef idx="3">
+      <a:lnRef idx="2">
         <a:scrgbClr r="0" g="0" b="0"/>
       </a:lnRef>
       <a:fillRef idx="1">
@@ -13807,7 +15361,7 @@
       <a:fillRef idx="1">
         <a:scrgbClr r="0" g="0" b="0"/>
       </a:fillRef>
-      <a:effectRef idx="1">
+      <a:effectRef idx="0">
         <a:scrgbClr r="0" g="0" b="0"/>
       </a:effectRef>
       <a:fontRef idx="minor">
@@ -13823,13 +15377,13 @@
     <dgm:sp3d/>
     <dgm:txPr/>
     <dgm:style>
-      <a:lnRef idx="3">
+      <a:lnRef idx="2">
         <a:scrgbClr r="0" g="0" b="0"/>
       </a:lnRef>
       <a:fillRef idx="1">
         <a:scrgbClr r="0" g="0" b="0"/>
       </a:fillRef>
-      <a:effectRef idx="1">
+      <a:effectRef idx="0">
         <a:scrgbClr r="0" g="0" b="0"/>
       </a:effectRef>
       <a:fontRef idx="minor">
@@ -13845,13 +15399,13 @@
     <dgm:sp3d/>
     <dgm:txPr/>
     <dgm:style>
-      <a:lnRef idx="3">
+      <a:lnRef idx="2">
         <a:scrgbClr r="0" g="0" b="0"/>
       </a:lnRef>
       <a:fillRef idx="1">
         <a:scrgbClr r="0" g="0" b="0"/>
       </a:fillRef>
-      <a:effectRef idx="1">
+      <a:effectRef idx="0">
         <a:scrgbClr r="0" g="0" b="0"/>
       </a:effectRef>
       <a:fontRef idx="minor">
@@ -13867,13 +15421,13 @@
     <dgm:sp3d/>
     <dgm:txPr/>
     <dgm:style>
-      <a:lnRef idx="3">
+      <a:lnRef idx="2">
         <a:scrgbClr r="0" g="0" b="0"/>
       </a:lnRef>
       <a:fillRef idx="1">
         <a:scrgbClr r="0" g="0" b="0"/>
       </a:fillRef>
-      <a:effectRef idx="1">
+      <a:effectRef idx="0">
         <a:scrgbClr r="0" g="0" b="0"/>
       </a:effectRef>
       <a:fontRef idx="minor">
@@ -13889,13 +15443,13 @@
     <dgm:sp3d/>
     <dgm:txPr/>
     <dgm:style>
-      <a:lnRef idx="3">
+      <a:lnRef idx="2">
         <a:scrgbClr r="0" g="0" b="0"/>
       </a:lnRef>
       <a:fillRef idx="1">
         <a:scrgbClr r="0" g="0" b="0"/>
       </a:fillRef>
-      <a:effectRef idx="1">
+      <a:effectRef idx="0">
         <a:scrgbClr r="0" g="0" b="0"/>
       </a:effectRef>
       <a:fontRef idx="minor">
@@ -13911,13 +15465,13 @@
     <dgm:sp3d/>
     <dgm:txPr/>
     <dgm:style>
-      <a:lnRef idx="3">
+      <a:lnRef idx="2">
         <a:scrgbClr r="0" g="0" b="0"/>
       </a:lnRef>
       <a:fillRef idx="1">
         <a:scrgbClr r="0" g="0" b="0"/>
       </a:fillRef>
-      <a:effectRef idx="1">
+      <a:effectRef idx="0">
         <a:scrgbClr r="0" g="0" b="0"/>
       </a:effectRef>
       <a:fontRef idx="minor"/>
@@ -13931,13 +15485,13 @@
     <dgm:sp3d/>
     <dgm:txPr/>
     <dgm:style>
-      <a:lnRef idx="3">
+      <a:lnRef idx="2">
         <a:scrgbClr r="0" g="0" b="0"/>
       </a:lnRef>
       <a:fillRef idx="1">
         <a:scrgbClr r="0" g="0" b="0"/>
       </a:fillRef>
-      <a:effectRef idx="1">
+      <a:effectRef idx="0">
         <a:scrgbClr r="0" g="0" b="0"/>
       </a:effectRef>
       <a:fontRef idx="minor"/>
@@ -13951,13 +15505,13 @@
     <dgm:sp3d/>
     <dgm:txPr/>
     <dgm:style>
-      <a:lnRef idx="3">
+      <a:lnRef idx="2">
         <a:scrgbClr r="0" g="0" b="0"/>
       </a:lnRef>
       <a:fillRef idx="1">
         <a:scrgbClr r="0" g="0" b="0"/>
       </a:fillRef>
-      <a:effectRef idx="1">
+      <a:effectRef idx="0">
         <a:scrgbClr r="0" g="0" b="0"/>
       </a:effectRef>
       <a:fontRef idx="minor"/>
@@ -13977,7 +15531,7 @@
       <a:fillRef idx="1">
         <a:scrgbClr r="0" g="0" b="0"/>
       </a:fillRef>
-      <a:effectRef idx="1">
+      <a:effectRef idx="0">
         <a:scrgbClr r="0" g="0" b="0"/>
       </a:effectRef>
       <a:fontRef idx="minor">
@@ -13999,7 +15553,7 @@
       <a:fillRef idx="1">
         <a:scrgbClr r="0" g="0" b="0"/>
       </a:fillRef>
-      <a:effectRef idx="1">
+      <a:effectRef idx="0">
         <a:scrgbClr r="0" g="0" b="0"/>
       </a:effectRef>
       <a:fontRef idx="minor">
@@ -14021,7 +15575,7 @@
       <a:fillRef idx="1">
         <a:scrgbClr r="0" g="0" b="0"/>
       </a:fillRef>
-      <a:effectRef idx="1">
+      <a:effectRef idx="0">
         <a:scrgbClr r="0" g="0" b="0"/>
       </a:effectRef>
       <a:fontRef idx="minor">
@@ -14063,7 +15617,7 @@
       <a:fillRef idx="1">
         <a:scrgbClr r="0" g="0" b="0"/>
       </a:fillRef>
-      <a:effectRef idx="1">
+      <a:effectRef idx="0">
         <a:scrgbClr r="0" g="0" b="0"/>
       </a:effectRef>
       <a:fontRef idx="minor"/>
@@ -14077,13 +15631,13 @@
     <dgm:sp3d/>
     <dgm:txPr/>
     <dgm:style>
-      <a:lnRef idx="3">
+      <a:lnRef idx="2">
         <a:scrgbClr r="0" g="0" b="0"/>
       </a:lnRef>
       <a:fillRef idx="1">
         <a:scrgbClr r="0" g="0" b="0"/>
       </a:fillRef>
-      <a:effectRef idx="1">
+      <a:effectRef idx="0">
         <a:scrgbClr r="0" g="0" b="0"/>
       </a:effectRef>
       <a:fontRef idx="minor">
@@ -14099,13 +15653,13 @@
     <dgm:sp3d/>
     <dgm:txPr/>
     <dgm:style>
-      <a:lnRef idx="3">
+      <a:lnRef idx="2">
         <a:scrgbClr r="0" g="0" b="0"/>
       </a:lnRef>
       <a:fillRef idx="1">
         <a:scrgbClr r="0" g="0" b="0"/>
       </a:fillRef>
-      <a:effectRef idx="1">
+      <a:effectRef idx="0">
         <a:scrgbClr r="0" g="0" b="0"/>
       </a:effectRef>
       <a:fontRef idx="minor">
@@ -14121,13 +15675,13 @@
     <dgm:sp3d/>
     <dgm:txPr/>
     <dgm:style>
-      <a:lnRef idx="3">
+      <a:lnRef idx="2">
         <a:scrgbClr r="0" g="0" b="0"/>
       </a:lnRef>
       <a:fillRef idx="1">
         <a:scrgbClr r="0" g="0" b="0"/>
       </a:fillRef>
-      <a:effectRef idx="1">
+      <a:effectRef idx="0">
         <a:scrgbClr r="0" g="0" b="0"/>
       </a:effectRef>
       <a:fontRef idx="minor">
@@ -14143,13 +15697,13 @@
     <dgm:sp3d/>
     <dgm:txPr/>
     <dgm:style>
-      <a:lnRef idx="3">
+      <a:lnRef idx="2">
         <a:scrgbClr r="0" g="0" b="0"/>
       </a:lnRef>
       <a:fillRef idx="1">
         <a:scrgbClr r="0" g="0" b="0"/>
       </a:fillRef>
-      <a:effectRef idx="1">
+      <a:effectRef idx="0">
         <a:scrgbClr r="0" g="0" b="0"/>
       </a:effectRef>
       <a:fontRef idx="minor">
@@ -14165,13 +15719,13 @@
     <dgm:sp3d/>
     <dgm:txPr/>
     <dgm:style>
-      <a:lnRef idx="3">
+      <a:lnRef idx="2">
         <a:scrgbClr r="0" g="0" b="0"/>
       </a:lnRef>
       <a:fillRef idx="1">
         <a:scrgbClr r="0" g="0" b="0"/>
       </a:fillRef>
-      <a:effectRef idx="1">
+      <a:effectRef idx="0">
         <a:scrgbClr r="0" g="0" b="0"/>
       </a:effectRef>
       <a:fontRef idx="minor">
@@ -14187,13 +15741,13 @@
     <dgm:sp3d/>
     <dgm:txPr/>
     <dgm:style>
-      <a:lnRef idx="3">
+      <a:lnRef idx="2">
         <a:scrgbClr r="0" g="0" b="0"/>
       </a:lnRef>
       <a:fillRef idx="1">
         <a:scrgbClr r="0" g="0" b="0"/>
       </a:fillRef>
-      <a:effectRef idx="1">
+      <a:effectRef idx="0">
         <a:scrgbClr r="0" g="0" b="0"/>
       </a:effectRef>
       <a:fontRef idx="minor">
@@ -14209,13 +15763,13 @@
     <dgm:sp3d/>
     <dgm:txPr/>
     <dgm:style>
-      <a:lnRef idx="3">
+      <a:lnRef idx="2">
         <a:scrgbClr r="0" g="0" b="0"/>
       </a:lnRef>
       <a:fillRef idx="1">
         <a:scrgbClr r="0" g="0" b="0"/>
       </a:fillRef>
-      <a:effectRef idx="1">
+      <a:effectRef idx="0">
         <a:scrgbClr r="0" g="0" b="0"/>
       </a:effectRef>
       <a:fontRef idx="minor">
@@ -14231,13 +15785,13 @@
     <dgm:sp3d/>
     <dgm:txPr/>
     <dgm:style>
-      <a:lnRef idx="3">
+      <a:lnRef idx="2">
         <a:scrgbClr r="0" g="0" b="0"/>
       </a:lnRef>
       <a:fillRef idx="1">
         <a:scrgbClr r="0" g="0" b="0"/>
       </a:fillRef>
-      <a:effectRef idx="1">
+      <a:effectRef idx="0">
         <a:scrgbClr r="0" g="0" b="0"/>
       </a:effectRef>
       <a:fontRef idx="minor">
@@ -14253,13 +15807,13 @@
     <dgm:sp3d/>
     <dgm:txPr/>
     <dgm:style>
-      <a:lnRef idx="3">
+      <a:lnRef idx="2">
         <a:scrgbClr r="0" g="0" b="0"/>
       </a:lnRef>
       <a:fillRef idx="1">
         <a:scrgbClr r="0" g="0" b="0"/>
       </a:fillRef>
-      <a:effectRef idx="1">
+      <a:effectRef idx="0">
         <a:scrgbClr r="0" g="0" b="0"/>
       </a:effectRef>
       <a:fontRef idx="minor">
@@ -14715,13 +16269,13 @@
     <dgm:sp3d/>
     <dgm:txPr/>
     <dgm:style>
-      <a:lnRef idx="3">
+      <a:lnRef idx="2">
         <a:scrgbClr r="0" g="0" b="0"/>
       </a:lnRef>
       <a:fillRef idx="1">
         <a:scrgbClr r="0" g="0" b="0"/>
       </a:fillRef>
-      <a:effectRef idx="1">
+      <a:effectRef idx="0">
         <a:scrgbClr r="0" g="0" b="0"/>
       </a:effectRef>
       <a:fontRef idx="minor"/>
@@ -14751,6 +16305,1040 @@
 </file>
 
 <file path=ppt/diagrams/quickStyle5.xml><?xml version="1.0" encoding="utf-8"?>
+<dgm:styleDef xmlns:dgm="http://schemas.openxmlformats.org/drawingml/2006/diagram" xmlns:a="http://schemas.openxmlformats.org/drawingml/2006/main" uniqueId="urn:microsoft.com/office/officeart/2005/8/quickstyle/simple1">
+  <dgm:title val=""/>
+  <dgm:desc val=""/>
+  <dgm:catLst>
+    <dgm:cat type="simple" pri="10100"/>
+  </dgm:catLst>
+  <dgm:scene3d>
+    <a:camera prst="orthographicFront"/>
+    <a:lightRig rig="threePt" dir="t"/>
+  </dgm:scene3d>
+  <dgm:styleLbl name="node0">
+    <dgm:scene3d>
+      <a:camera prst="orthographicFront"/>
+      <a:lightRig rig="threePt" dir="t"/>
+    </dgm:scene3d>
+    <dgm:sp3d/>
+    <dgm:txPr/>
+    <dgm:style>
+      <a:lnRef idx="2">
+        <a:scrgbClr r="0" g="0" b="0"/>
+      </a:lnRef>
+      <a:fillRef idx="1">
+        <a:scrgbClr r="0" g="0" b="0"/>
+      </a:fillRef>
+      <a:effectRef idx="0">
+        <a:scrgbClr r="0" g="0" b="0"/>
+      </a:effectRef>
+      <a:fontRef idx="minor">
+        <a:schemeClr val="lt1"/>
+      </a:fontRef>
+    </dgm:style>
+  </dgm:styleLbl>
+  <dgm:styleLbl name="lnNode1">
+    <dgm:scene3d>
+      <a:camera prst="orthographicFront"/>
+      <a:lightRig rig="threePt" dir="t"/>
+    </dgm:scene3d>
+    <dgm:sp3d/>
+    <dgm:txPr/>
+    <dgm:style>
+      <a:lnRef idx="2">
+        <a:scrgbClr r="0" g="0" b="0"/>
+      </a:lnRef>
+      <a:fillRef idx="1">
+        <a:scrgbClr r="0" g="0" b="0"/>
+      </a:fillRef>
+      <a:effectRef idx="0">
+        <a:scrgbClr r="0" g="0" b="0"/>
+      </a:effectRef>
+      <a:fontRef idx="minor">
+        <a:schemeClr val="lt1"/>
+      </a:fontRef>
+    </dgm:style>
+  </dgm:styleLbl>
+  <dgm:styleLbl name="vennNode1">
+    <dgm:scene3d>
+      <a:camera prst="orthographicFront"/>
+      <a:lightRig rig="threePt" dir="t"/>
+    </dgm:scene3d>
+    <dgm:sp3d/>
+    <dgm:txPr/>
+    <dgm:style>
+      <a:lnRef idx="2">
+        <a:scrgbClr r="0" g="0" b="0"/>
+      </a:lnRef>
+      <a:fillRef idx="1">
+        <a:scrgbClr r="0" g="0" b="0"/>
+      </a:fillRef>
+      <a:effectRef idx="0">
+        <a:scrgbClr r="0" g="0" b="0"/>
+      </a:effectRef>
+      <a:fontRef idx="minor">
+        <a:schemeClr val="tx1"/>
+      </a:fontRef>
+    </dgm:style>
+  </dgm:styleLbl>
+  <dgm:styleLbl name="alignNode1">
+    <dgm:scene3d>
+      <a:camera prst="orthographicFront"/>
+      <a:lightRig rig="threePt" dir="t"/>
+    </dgm:scene3d>
+    <dgm:sp3d/>
+    <dgm:txPr/>
+    <dgm:style>
+      <a:lnRef idx="2">
+        <a:scrgbClr r="0" g="0" b="0"/>
+      </a:lnRef>
+      <a:fillRef idx="1">
+        <a:scrgbClr r="0" g="0" b="0"/>
+      </a:fillRef>
+      <a:effectRef idx="0">
+        <a:scrgbClr r="0" g="0" b="0"/>
+      </a:effectRef>
+      <a:fontRef idx="minor">
+        <a:schemeClr val="lt1"/>
+      </a:fontRef>
+    </dgm:style>
+  </dgm:styleLbl>
+  <dgm:styleLbl name="node1">
+    <dgm:scene3d>
+      <a:camera prst="orthographicFront"/>
+      <a:lightRig rig="threePt" dir="t"/>
+    </dgm:scene3d>
+    <dgm:sp3d/>
+    <dgm:txPr/>
+    <dgm:style>
+      <a:lnRef idx="2">
+        <a:scrgbClr r="0" g="0" b="0"/>
+      </a:lnRef>
+      <a:fillRef idx="1">
+        <a:scrgbClr r="0" g="0" b="0"/>
+      </a:fillRef>
+      <a:effectRef idx="0">
+        <a:scrgbClr r="0" g="0" b="0"/>
+      </a:effectRef>
+      <a:fontRef idx="minor">
+        <a:schemeClr val="lt1"/>
+      </a:fontRef>
+    </dgm:style>
+  </dgm:styleLbl>
+  <dgm:styleLbl name="node2">
+    <dgm:scene3d>
+      <a:camera prst="orthographicFront"/>
+      <a:lightRig rig="threePt" dir="t"/>
+    </dgm:scene3d>
+    <dgm:sp3d/>
+    <dgm:txPr/>
+    <dgm:style>
+      <a:lnRef idx="2">
+        <a:scrgbClr r="0" g="0" b="0"/>
+      </a:lnRef>
+      <a:fillRef idx="1">
+        <a:scrgbClr r="0" g="0" b="0"/>
+      </a:fillRef>
+      <a:effectRef idx="0">
+        <a:scrgbClr r="0" g="0" b="0"/>
+      </a:effectRef>
+      <a:fontRef idx="minor">
+        <a:schemeClr val="lt1"/>
+      </a:fontRef>
+    </dgm:style>
+  </dgm:styleLbl>
+  <dgm:styleLbl name="node3">
+    <dgm:scene3d>
+      <a:camera prst="orthographicFront"/>
+      <a:lightRig rig="threePt" dir="t"/>
+    </dgm:scene3d>
+    <dgm:sp3d/>
+    <dgm:txPr/>
+    <dgm:style>
+      <a:lnRef idx="2">
+        <a:scrgbClr r="0" g="0" b="0"/>
+      </a:lnRef>
+      <a:fillRef idx="1">
+        <a:scrgbClr r="0" g="0" b="0"/>
+      </a:fillRef>
+      <a:effectRef idx="0">
+        <a:scrgbClr r="0" g="0" b="0"/>
+      </a:effectRef>
+      <a:fontRef idx="minor">
+        <a:schemeClr val="lt1"/>
+      </a:fontRef>
+    </dgm:style>
+  </dgm:styleLbl>
+  <dgm:styleLbl name="node4">
+    <dgm:scene3d>
+      <a:camera prst="orthographicFront"/>
+      <a:lightRig rig="threePt" dir="t"/>
+    </dgm:scene3d>
+    <dgm:sp3d/>
+    <dgm:txPr/>
+    <dgm:style>
+      <a:lnRef idx="2">
+        <a:scrgbClr r="0" g="0" b="0"/>
+      </a:lnRef>
+      <a:fillRef idx="1">
+        <a:scrgbClr r="0" g="0" b="0"/>
+      </a:fillRef>
+      <a:effectRef idx="0">
+        <a:scrgbClr r="0" g="0" b="0"/>
+      </a:effectRef>
+      <a:fontRef idx="minor">
+        <a:schemeClr val="lt1"/>
+      </a:fontRef>
+    </dgm:style>
+  </dgm:styleLbl>
+  <dgm:styleLbl name="fgImgPlace1">
+    <dgm:scene3d>
+      <a:camera prst="orthographicFront"/>
+      <a:lightRig rig="threePt" dir="t"/>
+    </dgm:scene3d>
+    <dgm:sp3d/>
+    <dgm:txPr/>
+    <dgm:style>
+      <a:lnRef idx="2">
+        <a:scrgbClr r="0" g="0" b="0"/>
+      </a:lnRef>
+      <a:fillRef idx="1">
+        <a:scrgbClr r="0" g="0" b="0"/>
+      </a:fillRef>
+      <a:effectRef idx="0">
+        <a:scrgbClr r="0" g="0" b="0"/>
+      </a:effectRef>
+      <a:fontRef idx="minor"/>
+    </dgm:style>
+  </dgm:styleLbl>
+  <dgm:styleLbl name="alignImgPlace1">
+    <dgm:scene3d>
+      <a:camera prst="orthographicFront"/>
+      <a:lightRig rig="threePt" dir="t"/>
+    </dgm:scene3d>
+    <dgm:sp3d/>
+    <dgm:txPr/>
+    <dgm:style>
+      <a:lnRef idx="2">
+        <a:scrgbClr r="0" g="0" b="0"/>
+      </a:lnRef>
+      <a:fillRef idx="1">
+        <a:scrgbClr r="0" g="0" b="0"/>
+      </a:fillRef>
+      <a:effectRef idx="0">
+        <a:scrgbClr r="0" g="0" b="0"/>
+      </a:effectRef>
+      <a:fontRef idx="minor"/>
+    </dgm:style>
+  </dgm:styleLbl>
+  <dgm:styleLbl name="bgImgPlace1">
+    <dgm:scene3d>
+      <a:camera prst="orthographicFront"/>
+      <a:lightRig rig="threePt" dir="t"/>
+    </dgm:scene3d>
+    <dgm:sp3d/>
+    <dgm:txPr/>
+    <dgm:style>
+      <a:lnRef idx="2">
+        <a:scrgbClr r="0" g="0" b="0"/>
+      </a:lnRef>
+      <a:fillRef idx="1">
+        <a:scrgbClr r="0" g="0" b="0"/>
+      </a:fillRef>
+      <a:effectRef idx="0">
+        <a:scrgbClr r="0" g="0" b="0"/>
+      </a:effectRef>
+      <a:fontRef idx="minor"/>
+    </dgm:style>
+  </dgm:styleLbl>
+  <dgm:styleLbl name="sibTrans2D1">
+    <dgm:scene3d>
+      <a:camera prst="orthographicFront"/>
+      <a:lightRig rig="threePt" dir="t"/>
+    </dgm:scene3d>
+    <dgm:sp3d/>
+    <dgm:txPr/>
+    <dgm:style>
+      <a:lnRef idx="0">
+        <a:scrgbClr r="0" g="0" b="0"/>
+      </a:lnRef>
+      <a:fillRef idx="1">
+        <a:scrgbClr r="0" g="0" b="0"/>
+      </a:fillRef>
+      <a:effectRef idx="0">
+        <a:scrgbClr r="0" g="0" b="0"/>
+      </a:effectRef>
+      <a:fontRef idx="minor">
+        <a:schemeClr val="lt1"/>
+      </a:fontRef>
+    </dgm:style>
+  </dgm:styleLbl>
+  <dgm:styleLbl name="fgSibTrans2D1">
+    <dgm:scene3d>
+      <a:camera prst="orthographicFront"/>
+      <a:lightRig rig="threePt" dir="t"/>
+    </dgm:scene3d>
+    <dgm:sp3d/>
+    <dgm:txPr/>
+    <dgm:style>
+      <a:lnRef idx="0">
+        <a:scrgbClr r="0" g="0" b="0"/>
+      </a:lnRef>
+      <a:fillRef idx="1">
+        <a:scrgbClr r="0" g="0" b="0"/>
+      </a:fillRef>
+      <a:effectRef idx="0">
+        <a:scrgbClr r="0" g="0" b="0"/>
+      </a:effectRef>
+      <a:fontRef idx="minor">
+        <a:schemeClr val="lt1"/>
+      </a:fontRef>
+    </dgm:style>
+  </dgm:styleLbl>
+  <dgm:styleLbl name="bgSibTrans2D1">
+    <dgm:scene3d>
+      <a:camera prst="orthographicFront"/>
+      <a:lightRig rig="threePt" dir="t"/>
+    </dgm:scene3d>
+    <dgm:sp3d/>
+    <dgm:txPr/>
+    <dgm:style>
+      <a:lnRef idx="0">
+        <a:scrgbClr r="0" g="0" b="0"/>
+      </a:lnRef>
+      <a:fillRef idx="1">
+        <a:scrgbClr r="0" g="0" b="0"/>
+      </a:fillRef>
+      <a:effectRef idx="0">
+        <a:scrgbClr r="0" g="0" b="0"/>
+      </a:effectRef>
+      <a:fontRef idx="minor">
+        <a:schemeClr val="lt1"/>
+      </a:fontRef>
+    </dgm:style>
+  </dgm:styleLbl>
+  <dgm:styleLbl name="sibTrans1D1">
+    <dgm:scene3d>
+      <a:camera prst="orthographicFront"/>
+      <a:lightRig rig="threePt" dir="t"/>
+    </dgm:scene3d>
+    <dgm:sp3d/>
+    <dgm:txPr/>
+    <dgm:style>
+      <a:lnRef idx="1">
+        <a:scrgbClr r="0" g="0" b="0"/>
+      </a:lnRef>
+      <a:fillRef idx="0">
+        <a:scrgbClr r="0" g="0" b="0"/>
+      </a:fillRef>
+      <a:effectRef idx="0">
+        <a:scrgbClr r="0" g="0" b="0"/>
+      </a:effectRef>
+      <a:fontRef idx="minor"/>
+    </dgm:style>
+  </dgm:styleLbl>
+  <dgm:styleLbl name="callout">
+    <dgm:scene3d>
+      <a:camera prst="orthographicFront"/>
+      <a:lightRig rig="threePt" dir="t"/>
+    </dgm:scene3d>
+    <dgm:sp3d/>
+    <dgm:txPr/>
+    <dgm:style>
+      <a:lnRef idx="2">
+        <a:scrgbClr r="0" g="0" b="0"/>
+      </a:lnRef>
+      <a:fillRef idx="1">
+        <a:scrgbClr r="0" g="0" b="0"/>
+      </a:fillRef>
+      <a:effectRef idx="0">
+        <a:scrgbClr r="0" g="0" b="0"/>
+      </a:effectRef>
+      <a:fontRef idx="minor"/>
+    </dgm:style>
+  </dgm:styleLbl>
+  <dgm:styleLbl name="asst0">
+    <dgm:scene3d>
+      <a:camera prst="orthographicFront"/>
+      <a:lightRig rig="threePt" dir="t"/>
+    </dgm:scene3d>
+    <dgm:sp3d/>
+    <dgm:txPr/>
+    <dgm:style>
+      <a:lnRef idx="2">
+        <a:scrgbClr r="0" g="0" b="0"/>
+      </a:lnRef>
+      <a:fillRef idx="1">
+        <a:scrgbClr r="0" g="0" b="0"/>
+      </a:fillRef>
+      <a:effectRef idx="0">
+        <a:scrgbClr r="0" g="0" b="0"/>
+      </a:effectRef>
+      <a:fontRef idx="minor">
+        <a:schemeClr val="lt1"/>
+      </a:fontRef>
+    </dgm:style>
+  </dgm:styleLbl>
+  <dgm:styleLbl name="asst1">
+    <dgm:scene3d>
+      <a:camera prst="orthographicFront"/>
+      <a:lightRig rig="threePt" dir="t"/>
+    </dgm:scene3d>
+    <dgm:sp3d/>
+    <dgm:txPr/>
+    <dgm:style>
+      <a:lnRef idx="2">
+        <a:scrgbClr r="0" g="0" b="0"/>
+      </a:lnRef>
+      <a:fillRef idx="1">
+        <a:scrgbClr r="0" g="0" b="0"/>
+      </a:fillRef>
+      <a:effectRef idx="0">
+        <a:scrgbClr r="0" g="0" b="0"/>
+      </a:effectRef>
+      <a:fontRef idx="minor">
+        <a:schemeClr val="lt1"/>
+      </a:fontRef>
+    </dgm:style>
+  </dgm:styleLbl>
+  <dgm:styleLbl name="asst2">
+    <dgm:scene3d>
+      <a:camera prst="orthographicFront"/>
+      <a:lightRig rig="threePt" dir="t"/>
+    </dgm:scene3d>
+    <dgm:sp3d/>
+    <dgm:txPr/>
+    <dgm:style>
+      <a:lnRef idx="2">
+        <a:scrgbClr r="0" g="0" b="0"/>
+      </a:lnRef>
+      <a:fillRef idx="1">
+        <a:scrgbClr r="0" g="0" b="0"/>
+      </a:fillRef>
+      <a:effectRef idx="0">
+        <a:scrgbClr r="0" g="0" b="0"/>
+      </a:effectRef>
+      <a:fontRef idx="minor">
+        <a:schemeClr val="lt1"/>
+      </a:fontRef>
+    </dgm:style>
+  </dgm:styleLbl>
+  <dgm:styleLbl name="asst3">
+    <dgm:scene3d>
+      <a:camera prst="orthographicFront"/>
+      <a:lightRig rig="threePt" dir="t"/>
+    </dgm:scene3d>
+    <dgm:sp3d/>
+    <dgm:txPr/>
+    <dgm:style>
+      <a:lnRef idx="2">
+        <a:scrgbClr r="0" g="0" b="0"/>
+      </a:lnRef>
+      <a:fillRef idx="1">
+        <a:scrgbClr r="0" g="0" b="0"/>
+      </a:fillRef>
+      <a:effectRef idx="0">
+        <a:scrgbClr r="0" g="0" b="0"/>
+      </a:effectRef>
+      <a:fontRef idx="minor">
+        <a:schemeClr val="lt1"/>
+      </a:fontRef>
+    </dgm:style>
+  </dgm:styleLbl>
+  <dgm:styleLbl name="asst4">
+    <dgm:scene3d>
+      <a:camera prst="orthographicFront"/>
+      <a:lightRig rig="threePt" dir="t"/>
+    </dgm:scene3d>
+    <dgm:sp3d/>
+    <dgm:txPr/>
+    <dgm:style>
+      <a:lnRef idx="2">
+        <a:scrgbClr r="0" g="0" b="0"/>
+      </a:lnRef>
+      <a:fillRef idx="1">
+        <a:scrgbClr r="0" g="0" b="0"/>
+      </a:fillRef>
+      <a:effectRef idx="0">
+        <a:scrgbClr r="0" g="0" b="0"/>
+      </a:effectRef>
+      <a:fontRef idx="minor">
+        <a:schemeClr val="lt1"/>
+      </a:fontRef>
+    </dgm:style>
+  </dgm:styleLbl>
+  <dgm:styleLbl name="parChTrans2D1">
+    <dgm:scene3d>
+      <a:camera prst="orthographicFront"/>
+      <a:lightRig rig="threePt" dir="t"/>
+    </dgm:scene3d>
+    <dgm:sp3d/>
+    <dgm:txPr/>
+    <dgm:style>
+      <a:lnRef idx="2">
+        <a:scrgbClr r="0" g="0" b="0"/>
+      </a:lnRef>
+      <a:fillRef idx="1">
+        <a:scrgbClr r="0" g="0" b="0"/>
+      </a:fillRef>
+      <a:effectRef idx="0">
+        <a:scrgbClr r="0" g="0" b="0"/>
+      </a:effectRef>
+      <a:fontRef idx="minor">
+        <a:schemeClr val="lt1"/>
+      </a:fontRef>
+    </dgm:style>
+  </dgm:styleLbl>
+  <dgm:styleLbl name="parChTrans2D2">
+    <dgm:scene3d>
+      <a:camera prst="orthographicFront"/>
+      <a:lightRig rig="threePt" dir="t"/>
+    </dgm:scene3d>
+    <dgm:sp3d/>
+    <dgm:txPr/>
+    <dgm:style>
+      <a:lnRef idx="2">
+        <a:scrgbClr r="0" g="0" b="0"/>
+      </a:lnRef>
+      <a:fillRef idx="1">
+        <a:scrgbClr r="0" g="0" b="0"/>
+      </a:fillRef>
+      <a:effectRef idx="0">
+        <a:scrgbClr r="0" g="0" b="0"/>
+      </a:effectRef>
+      <a:fontRef idx="minor">
+        <a:schemeClr val="lt1"/>
+      </a:fontRef>
+    </dgm:style>
+  </dgm:styleLbl>
+  <dgm:styleLbl name="parChTrans2D3">
+    <dgm:scene3d>
+      <a:camera prst="orthographicFront"/>
+      <a:lightRig rig="threePt" dir="t"/>
+    </dgm:scene3d>
+    <dgm:sp3d/>
+    <dgm:txPr/>
+    <dgm:style>
+      <a:lnRef idx="2">
+        <a:scrgbClr r="0" g="0" b="0"/>
+      </a:lnRef>
+      <a:fillRef idx="1">
+        <a:scrgbClr r="0" g="0" b="0"/>
+      </a:fillRef>
+      <a:effectRef idx="0">
+        <a:scrgbClr r="0" g="0" b="0"/>
+      </a:effectRef>
+      <a:fontRef idx="minor">
+        <a:schemeClr val="lt1"/>
+      </a:fontRef>
+    </dgm:style>
+  </dgm:styleLbl>
+  <dgm:styleLbl name="parChTrans2D4">
+    <dgm:scene3d>
+      <a:camera prst="orthographicFront"/>
+      <a:lightRig rig="threePt" dir="t"/>
+    </dgm:scene3d>
+    <dgm:sp3d/>
+    <dgm:txPr/>
+    <dgm:style>
+      <a:lnRef idx="2">
+        <a:scrgbClr r="0" g="0" b="0"/>
+      </a:lnRef>
+      <a:fillRef idx="1">
+        <a:scrgbClr r="0" g="0" b="0"/>
+      </a:fillRef>
+      <a:effectRef idx="0">
+        <a:scrgbClr r="0" g="0" b="0"/>
+      </a:effectRef>
+      <a:fontRef idx="minor">
+        <a:schemeClr val="lt1"/>
+      </a:fontRef>
+    </dgm:style>
+  </dgm:styleLbl>
+  <dgm:styleLbl name="parChTrans1D1">
+    <dgm:scene3d>
+      <a:camera prst="orthographicFront"/>
+      <a:lightRig rig="threePt" dir="t"/>
+    </dgm:scene3d>
+    <dgm:sp3d/>
+    <dgm:txPr/>
+    <dgm:style>
+      <a:lnRef idx="2">
+        <a:scrgbClr r="0" g="0" b="0"/>
+      </a:lnRef>
+      <a:fillRef idx="0">
+        <a:scrgbClr r="0" g="0" b="0"/>
+      </a:fillRef>
+      <a:effectRef idx="0">
+        <a:scrgbClr r="0" g="0" b="0"/>
+      </a:effectRef>
+      <a:fontRef idx="minor"/>
+    </dgm:style>
+  </dgm:styleLbl>
+  <dgm:styleLbl name="parChTrans1D2">
+    <dgm:scene3d>
+      <a:camera prst="orthographicFront"/>
+      <a:lightRig rig="threePt" dir="t"/>
+    </dgm:scene3d>
+    <dgm:sp3d/>
+    <dgm:txPr/>
+    <dgm:style>
+      <a:lnRef idx="2">
+        <a:scrgbClr r="0" g="0" b="0"/>
+      </a:lnRef>
+      <a:fillRef idx="0">
+        <a:scrgbClr r="0" g="0" b="0"/>
+      </a:fillRef>
+      <a:effectRef idx="0">
+        <a:scrgbClr r="0" g="0" b="0"/>
+      </a:effectRef>
+      <a:fontRef idx="minor"/>
+    </dgm:style>
+  </dgm:styleLbl>
+  <dgm:styleLbl name="parChTrans1D3">
+    <dgm:scene3d>
+      <a:camera prst="orthographicFront"/>
+      <a:lightRig rig="threePt" dir="t"/>
+    </dgm:scene3d>
+    <dgm:sp3d/>
+    <dgm:txPr/>
+    <dgm:style>
+      <a:lnRef idx="2">
+        <a:scrgbClr r="0" g="0" b="0"/>
+      </a:lnRef>
+      <a:fillRef idx="0">
+        <a:scrgbClr r="0" g="0" b="0"/>
+      </a:fillRef>
+      <a:effectRef idx="0">
+        <a:scrgbClr r="0" g="0" b="0"/>
+      </a:effectRef>
+      <a:fontRef idx="minor"/>
+    </dgm:style>
+  </dgm:styleLbl>
+  <dgm:styleLbl name="parChTrans1D4">
+    <dgm:scene3d>
+      <a:camera prst="orthographicFront"/>
+      <a:lightRig rig="threePt" dir="t"/>
+    </dgm:scene3d>
+    <dgm:sp3d/>
+    <dgm:txPr/>
+    <dgm:style>
+      <a:lnRef idx="2">
+        <a:scrgbClr r="0" g="0" b="0"/>
+      </a:lnRef>
+      <a:fillRef idx="0">
+        <a:scrgbClr r="0" g="0" b="0"/>
+      </a:fillRef>
+      <a:effectRef idx="0">
+        <a:scrgbClr r="0" g="0" b="0"/>
+      </a:effectRef>
+      <a:fontRef idx="minor"/>
+    </dgm:style>
+  </dgm:styleLbl>
+  <dgm:styleLbl name="fgAcc1">
+    <dgm:scene3d>
+      <a:camera prst="orthographicFront"/>
+      <a:lightRig rig="threePt" dir="t"/>
+    </dgm:scene3d>
+    <dgm:sp3d/>
+    <dgm:txPr/>
+    <dgm:style>
+      <a:lnRef idx="2">
+        <a:scrgbClr r="0" g="0" b="0"/>
+      </a:lnRef>
+      <a:fillRef idx="1">
+        <a:scrgbClr r="0" g="0" b="0"/>
+      </a:fillRef>
+      <a:effectRef idx="0">
+        <a:scrgbClr r="0" g="0" b="0"/>
+      </a:effectRef>
+      <a:fontRef idx="minor"/>
+    </dgm:style>
+  </dgm:styleLbl>
+  <dgm:styleLbl name="conFgAcc1">
+    <dgm:scene3d>
+      <a:camera prst="orthographicFront"/>
+      <a:lightRig rig="threePt" dir="t"/>
+    </dgm:scene3d>
+    <dgm:sp3d/>
+    <dgm:txPr/>
+    <dgm:style>
+      <a:lnRef idx="2">
+        <a:scrgbClr r="0" g="0" b="0"/>
+      </a:lnRef>
+      <a:fillRef idx="1">
+        <a:scrgbClr r="0" g="0" b="0"/>
+      </a:fillRef>
+      <a:effectRef idx="0">
+        <a:scrgbClr r="0" g="0" b="0"/>
+      </a:effectRef>
+      <a:fontRef idx="minor"/>
+    </dgm:style>
+  </dgm:styleLbl>
+  <dgm:styleLbl name="alignAcc1">
+    <dgm:scene3d>
+      <a:camera prst="orthographicFront"/>
+      <a:lightRig rig="threePt" dir="t"/>
+    </dgm:scene3d>
+    <dgm:sp3d/>
+    <dgm:txPr/>
+    <dgm:style>
+      <a:lnRef idx="2">
+        <a:scrgbClr r="0" g="0" b="0"/>
+      </a:lnRef>
+      <a:fillRef idx="1">
+        <a:scrgbClr r="0" g="0" b="0"/>
+      </a:fillRef>
+      <a:effectRef idx="0">
+        <a:scrgbClr r="0" g="0" b="0"/>
+      </a:effectRef>
+      <a:fontRef idx="minor"/>
+    </dgm:style>
+  </dgm:styleLbl>
+  <dgm:styleLbl name="trAlignAcc1">
+    <dgm:scene3d>
+      <a:camera prst="orthographicFront"/>
+      <a:lightRig rig="threePt" dir="t"/>
+    </dgm:scene3d>
+    <dgm:sp3d/>
+    <dgm:txPr/>
+    <dgm:style>
+      <a:lnRef idx="1">
+        <a:scrgbClr r="0" g="0" b="0"/>
+      </a:lnRef>
+      <a:fillRef idx="1">
+        <a:scrgbClr r="0" g="0" b="0"/>
+      </a:fillRef>
+      <a:effectRef idx="0">
+        <a:scrgbClr r="0" g="0" b="0"/>
+      </a:effectRef>
+      <a:fontRef idx="minor"/>
+    </dgm:style>
+  </dgm:styleLbl>
+  <dgm:styleLbl name="bgAcc1">
+    <dgm:scene3d>
+      <a:camera prst="orthographicFront"/>
+      <a:lightRig rig="threePt" dir="t"/>
+    </dgm:scene3d>
+    <dgm:sp3d/>
+    <dgm:txPr/>
+    <dgm:style>
+      <a:lnRef idx="2">
+        <a:scrgbClr r="0" g="0" b="0"/>
+      </a:lnRef>
+      <a:fillRef idx="1">
+        <a:scrgbClr r="0" g="0" b="0"/>
+      </a:fillRef>
+      <a:effectRef idx="0">
+        <a:scrgbClr r="0" g="0" b="0"/>
+      </a:effectRef>
+      <a:fontRef idx="minor"/>
+    </dgm:style>
+  </dgm:styleLbl>
+  <dgm:styleLbl name="solidFgAcc1">
+    <dgm:scene3d>
+      <a:camera prst="orthographicFront"/>
+      <a:lightRig rig="threePt" dir="t"/>
+    </dgm:scene3d>
+    <dgm:sp3d/>
+    <dgm:txPr/>
+    <dgm:style>
+      <a:lnRef idx="2">
+        <a:scrgbClr r="0" g="0" b="0"/>
+      </a:lnRef>
+      <a:fillRef idx="1">
+        <a:scrgbClr r="0" g="0" b="0"/>
+      </a:fillRef>
+      <a:effectRef idx="0">
+        <a:scrgbClr r="0" g="0" b="0"/>
+      </a:effectRef>
+      <a:fontRef idx="minor"/>
+    </dgm:style>
+  </dgm:styleLbl>
+  <dgm:styleLbl name="solidAlignAcc1">
+    <dgm:scene3d>
+      <a:camera prst="orthographicFront"/>
+      <a:lightRig rig="threePt" dir="t"/>
+    </dgm:scene3d>
+    <dgm:sp3d/>
+    <dgm:txPr/>
+    <dgm:style>
+      <a:lnRef idx="2">
+        <a:scrgbClr r="0" g="0" b="0"/>
+      </a:lnRef>
+      <a:fillRef idx="1">
+        <a:scrgbClr r="0" g="0" b="0"/>
+      </a:fillRef>
+      <a:effectRef idx="0">
+        <a:scrgbClr r="0" g="0" b="0"/>
+      </a:effectRef>
+      <a:fontRef idx="minor"/>
+    </dgm:style>
+  </dgm:styleLbl>
+  <dgm:styleLbl name="solidBgAcc1">
+    <dgm:scene3d>
+      <a:camera prst="orthographicFront"/>
+      <a:lightRig rig="threePt" dir="t"/>
+    </dgm:scene3d>
+    <dgm:sp3d/>
+    <dgm:txPr/>
+    <dgm:style>
+      <a:lnRef idx="2">
+        <a:scrgbClr r="0" g="0" b="0"/>
+      </a:lnRef>
+      <a:fillRef idx="1">
+        <a:scrgbClr r="0" g="0" b="0"/>
+      </a:fillRef>
+      <a:effectRef idx="0">
+        <a:scrgbClr r="0" g="0" b="0"/>
+      </a:effectRef>
+      <a:fontRef idx="minor"/>
+    </dgm:style>
+  </dgm:styleLbl>
+  <dgm:styleLbl name="fgAccFollowNode1">
+    <dgm:scene3d>
+      <a:camera prst="orthographicFront"/>
+      <a:lightRig rig="threePt" dir="t"/>
+    </dgm:scene3d>
+    <dgm:sp3d/>
+    <dgm:txPr/>
+    <dgm:style>
+      <a:lnRef idx="2">
+        <a:scrgbClr r="0" g="0" b="0"/>
+      </a:lnRef>
+      <a:fillRef idx="1">
+        <a:scrgbClr r="0" g="0" b="0"/>
+      </a:fillRef>
+      <a:effectRef idx="0">
+        <a:scrgbClr r="0" g="0" b="0"/>
+      </a:effectRef>
+      <a:fontRef idx="minor"/>
+    </dgm:style>
+  </dgm:styleLbl>
+  <dgm:styleLbl name="alignAccFollowNode1">
+    <dgm:scene3d>
+      <a:camera prst="orthographicFront"/>
+      <a:lightRig rig="threePt" dir="t"/>
+    </dgm:scene3d>
+    <dgm:sp3d/>
+    <dgm:txPr/>
+    <dgm:style>
+      <a:lnRef idx="2">
+        <a:scrgbClr r="0" g="0" b="0"/>
+      </a:lnRef>
+      <a:fillRef idx="1">
+        <a:scrgbClr r="0" g="0" b="0"/>
+      </a:fillRef>
+      <a:effectRef idx="0">
+        <a:scrgbClr r="0" g="0" b="0"/>
+      </a:effectRef>
+      <a:fontRef idx="minor"/>
+    </dgm:style>
+  </dgm:styleLbl>
+  <dgm:styleLbl name="bgAccFollowNode1">
+    <dgm:scene3d>
+      <a:camera prst="orthographicFront"/>
+      <a:lightRig rig="threePt" dir="t"/>
+    </dgm:scene3d>
+    <dgm:sp3d/>
+    <dgm:txPr/>
+    <dgm:style>
+      <a:lnRef idx="2">
+        <a:scrgbClr r="0" g="0" b="0"/>
+      </a:lnRef>
+      <a:fillRef idx="1">
+        <a:scrgbClr r="0" g="0" b="0"/>
+      </a:fillRef>
+      <a:effectRef idx="0">
+        <a:scrgbClr r="0" g="0" b="0"/>
+      </a:effectRef>
+      <a:fontRef idx="minor"/>
+    </dgm:style>
+  </dgm:styleLbl>
+  <dgm:styleLbl name="fgAcc0">
+    <dgm:scene3d>
+      <a:camera prst="orthographicFront"/>
+      <a:lightRig rig="threePt" dir="t"/>
+    </dgm:scene3d>
+    <dgm:sp3d/>
+    <dgm:txPr/>
+    <dgm:style>
+      <a:lnRef idx="2">
+        <a:scrgbClr r="0" g="0" b="0"/>
+      </a:lnRef>
+      <a:fillRef idx="1">
+        <a:scrgbClr r="0" g="0" b="0"/>
+      </a:fillRef>
+      <a:effectRef idx="0">
+        <a:scrgbClr r="0" g="0" b="0"/>
+      </a:effectRef>
+      <a:fontRef idx="minor"/>
+    </dgm:style>
+  </dgm:styleLbl>
+  <dgm:styleLbl name="fgAcc2">
+    <dgm:scene3d>
+      <a:camera prst="orthographicFront"/>
+      <a:lightRig rig="threePt" dir="t"/>
+    </dgm:scene3d>
+    <dgm:sp3d/>
+    <dgm:txPr/>
+    <dgm:style>
+      <a:lnRef idx="2">
+        <a:scrgbClr r="0" g="0" b="0"/>
+      </a:lnRef>
+      <a:fillRef idx="1">
+        <a:scrgbClr r="0" g="0" b="0"/>
+      </a:fillRef>
+      <a:effectRef idx="0">
+        <a:scrgbClr r="0" g="0" b="0"/>
+      </a:effectRef>
+      <a:fontRef idx="minor"/>
+    </dgm:style>
+  </dgm:styleLbl>
+  <dgm:styleLbl name="fgAcc3">
+    <dgm:scene3d>
+      <a:camera prst="orthographicFront"/>
+      <a:lightRig rig="threePt" dir="t"/>
+    </dgm:scene3d>
+    <dgm:sp3d/>
+    <dgm:txPr/>
+    <dgm:style>
+      <a:lnRef idx="2">
+        <a:scrgbClr r="0" g="0" b="0"/>
+      </a:lnRef>
+      <a:fillRef idx="1">
+        <a:scrgbClr r="0" g="0" b="0"/>
+      </a:fillRef>
+      <a:effectRef idx="0">
+        <a:scrgbClr r="0" g="0" b="0"/>
+      </a:effectRef>
+      <a:fontRef idx="minor"/>
+    </dgm:style>
+  </dgm:styleLbl>
+  <dgm:styleLbl name="fgAcc4">
+    <dgm:scene3d>
+      <a:camera prst="orthographicFront"/>
+      <a:lightRig rig="threePt" dir="t"/>
+    </dgm:scene3d>
+    <dgm:sp3d/>
+    <dgm:txPr/>
+    <dgm:style>
+      <a:lnRef idx="2">
+        <a:scrgbClr r="0" g="0" b="0"/>
+      </a:lnRef>
+      <a:fillRef idx="1">
+        <a:scrgbClr r="0" g="0" b="0"/>
+      </a:fillRef>
+      <a:effectRef idx="0">
+        <a:scrgbClr r="0" g="0" b="0"/>
+      </a:effectRef>
+      <a:fontRef idx="minor"/>
+    </dgm:style>
+  </dgm:styleLbl>
+  <dgm:styleLbl name="bgShp">
+    <dgm:scene3d>
+      <a:camera prst="orthographicFront"/>
+      <a:lightRig rig="threePt" dir="t"/>
+    </dgm:scene3d>
+    <dgm:sp3d/>
+    <dgm:txPr/>
+    <dgm:style>
+      <a:lnRef idx="0">
+        <a:scrgbClr r="0" g="0" b="0"/>
+      </a:lnRef>
+      <a:fillRef idx="1">
+        <a:scrgbClr r="0" g="0" b="0"/>
+      </a:fillRef>
+      <a:effectRef idx="0">
+        <a:scrgbClr r="0" g="0" b="0"/>
+      </a:effectRef>
+      <a:fontRef idx="minor"/>
+    </dgm:style>
+  </dgm:styleLbl>
+  <dgm:styleLbl name="dkBgShp">
+    <dgm:scene3d>
+      <a:camera prst="orthographicFront"/>
+      <a:lightRig rig="threePt" dir="t"/>
+    </dgm:scene3d>
+    <dgm:sp3d/>
+    <dgm:txPr/>
+    <dgm:style>
+      <a:lnRef idx="0">
+        <a:scrgbClr r="0" g="0" b="0"/>
+      </a:lnRef>
+      <a:fillRef idx="1">
+        <a:scrgbClr r="0" g="0" b="0"/>
+      </a:fillRef>
+      <a:effectRef idx="0">
+        <a:scrgbClr r="0" g="0" b="0"/>
+      </a:effectRef>
+      <a:fontRef idx="minor"/>
+    </dgm:style>
+  </dgm:styleLbl>
+  <dgm:styleLbl name="trBgShp">
+    <dgm:scene3d>
+      <a:camera prst="orthographicFront"/>
+      <a:lightRig rig="threePt" dir="t"/>
+    </dgm:scene3d>
+    <dgm:sp3d/>
+    <dgm:txPr/>
+    <dgm:style>
+      <a:lnRef idx="0">
+        <a:scrgbClr r="0" g="0" b="0"/>
+      </a:lnRef>
+      <a:fillRef idx="1">
+        <a:scrgbClr r="0" g="0" b="0"/>
+      </a:fillRef>
+      <a:effectRef idx="0">
+        <a:scrgbClr r="0" g="0" b="0"/>
+      </a:effectRef>
+      <a:fontRef idx="minor"/>
+    </dgm:style>
+  </dgm:styleLbl>
+  <dgm:styleLbl name="fgShp">
+    <dgm:scene3d>
+      <a:camera prst="orthographicFront"/>
+      <a:lightRig rig="threePt" dir="t"/>
+    </dgm:scene3d>
+    <dgm:sp3d/>
+    <dgm:txPr/>
+    <dgm:style>
+      <a:lnRef idx="2">
+        <a:scrgbClr r="0" g="0" b="0"/>
+      </a:lnRef>
+      <a:fillRef idx="1">
+        <a:scrgbClr r="0" g="0" b="0"/>
+      </a:fillRef>
+      <a:effectRef idx="0">
+        <a:scrgbClr r="0" g="0" b="0"/>
+      </a:effectRef>
+      <a:fontRef idx="minor"/>
+    </dgm:style>
+  </dgm:styleLbl>
+  <dgm:styleLbl name="revTx">
+    <dgm:scene3d>
+      <a:camera prst="orthographicFront"/>
+      <a:lightRig rig="threePt" dir="t"/>
+    </dgm:scene3d>
+    <dgm:sp3d/>
+    <dgm:txPr/>
+    <dgm:style>
+      <a:lnRef idx="0">
+        <a:scrgbClr r="0" g="0" b="0"/>
+      </a:lnRef>
+      <a:fillRef idx="0">
+        <a:scrgbClr r="0" g="0" b="0"/>
+      </a:fillRef>
+      <a:effectRef idx="0">
+        <a:scrgbClr r="0" g="0" b="0"/>
+      </a:effectRef>
+      <a:fontRef idx="minor"/>
+    </dgm:style>
+  </dgm:styleLbl>
+</dgm:styleDef>
+</file>
+
+<file path=ppt/diagrams/quickStyle6.xml><?xml version="1.0" encoding="utf-8"?>
 <dgm:styleDef xmlns:dgm="http://schemas.openxmlformats.org/drawingml/2006/diagram" xmlns:a="http://schemas.openxmlformats.org/drawingml/2006/main" uniqueId="urn:microsoft.com/office/officeart/2005/8/quickstyle/simple1">
   <dgm:title val=""/>
   <dgm:desc val=""/>
@@ -15866,7 +18454,7 @@
           <a:p>
             <a:fld id="{8581789B-417A-45A8-BF59-3A91DCC030A1}" type="datetimeFigureOut">
               <a:rPr lang="en-GB" smtClean="0"/>
-              <a:t>08/09/2021</a:t>
+              <a:t>24/12/2021</a:t>
             </a:fld>
             <a:endParaRPr lang="en-GB"/>
           </a:p>
@@ -16414,17 +19002,14 @@
           <a:p>
             <a:r>
               <a:rPr lang="en-GB" dirty="0"/>
-              <a:t>My target audience is everyone in this meeting who works in the HPC area. You are all Linux professionals, regardless of your background being in software, infrastructure, data analysis, security or other areas. The common ability shared among you is that you’re all Linux users so you’ll have the foundational understanding to carry out offensive security engagements. </a:t>
+              <a:t>Target audiences in this course are very broad. The primary audiences being support staff within the DiRAC sites with backgrounds of security, networking, software development/engineering, data analysts and many more. This course is also a Linux focused course towards those who would like to develop a skillset of penetration testing Linux technologies.</a:t>
             </a:r>
           </a:p>
           <a:p>
             <a:endParaRPr lang="en-GB" dirty="0"/>
           </a:p>
           <a:p>
-            <a:r>
-              <a:rPr lang="en-GB" dirty="0"/>
-              <a:t>This course also applies to those who have interest in penetration testing/red team engagements. This course is purely based on offensive security tactics so you can successfully attack networks especially Linux. </a:t>
-            </a:r>
+            <a:endParaRPr lang="en-GB" dirty="0"/>
           </a:p>
         </p:txBody>
       </p:sp>
@@ -16454,7 +19039,7 @@
     </p:spTree>
     <p:extLst>
       <p:ext uri="{BB962C8B-B14F-4D97-AF65-F5344CB8AC3E}">
-        <p14:creationId xmlns:p14="http://schemas.microsoft.com/office/powerpoint/2010/main" val="229715109"/>
+        <p14:creationId xmlns:p14="http://schemas.microsoft.com/office/powerpoint/2010/main" val="4010441048"/>
       </p:ext>
     </p:extLst>
   </p:cSld>
@@ -16508,6 +19093,14 @@
           <a:bodyPr/>
           <a:lstStyle/>
           <a:p>
+            <a:r>
+              <a:rPr lang="en-GB" dirty="0"/>
+              <a:t>Since this is a course focusing on Linux security, an understanding of Linux command line and a proficiency of working with Linux is essential. For those who are support staff already tick this box including researchers. It is also required to have a general understanding of network security components such as firewalls, IDS systems, OS firewalls such as IPTables and understanding their purposes in network infrastructure. This course also focuses on automating your processes when testing in addition to developing custom tools/exploits where they can be used to gain further advantage upon infiltrating </a:t>
+            </a:r>
+            <a:r>
+              <a:rPr lang="en-GB"/>
+              <a:t>the system.</a:t>
+            </a:r>
             <a:endParaRPr lang="en-GB" dirty="0"/>
           </a:p>
         </p:txBody>
@@ -16538,7 +19131,7 @@
     </p:spTree>
     <p:extLst>
       <p:ext uri="{BB962C8B-B14F-4D97-AF65-F5344CB8AC3E}">
-        <p14:creationId xmlns:p14="http://schemas.microsoft.com/office/powerpoint/2010/main" val="4010441048"/>
+        <p14:creationId xmlns:p14="http://schemas.microsoft.com/office/powerpoint/2010/main" val="1118362493"/>
       </p:ext>
     </p:extLst>
   </p:cSld>
@@ -17072,7 +19665,7 @@
           <a:p>
             <a:fld id="{A4439BD6-68A8-4E1A-9A49-942B2585C2CF}" type="datetimeFigureOut">
               <a:rPr lang="en-GB" smtClean="0"/>
-              <a:t>08/09/2021</a:t>
+              <a:t>24/12/2021</a:t>
             </a:fld>
             <a:endParaRPr lang="en-GB"/>
           </a:p>
@@ -17272,7 +19865,7 @@
           <a:p>
             <a:fld id="{A4439BD6-68A8-4E1A-9A49-942B2585C2CF}" type="datetimeFigureOut">
               <a:rPr lang="en-GB" smtClean="0"/>
-              <a:t>08/09/2021</a:t>
+              <a:t>24/12/2021</a:t>
             </a:fld>
             <a:endParaRPr lang="en-GB"/>
           </a:p>
@@ -17482,7 +20075,7 @@
           <a:p>
             <a:fld id="{A4439BD6-68A8-4E1A-9A49-942B2585C2CF}" type="datetimeFigureOut">
               <a:rPr lang="en-GB" smtClean="0"/>
-              <a:t>08/09/2021</a:t>
+              <a:t>24/12/2021</a:t>
             </a:fld>
             <a:endParaRPr lang="en-GB"/>
           </a:p>
@@ -17682,7 +20275,7 @@
           <a:p>
             <a:fld id="{A4439BD6-68A8-4E1A-9A49-942B2585C2CF}" type="datetimeFigureOut">
               <a:rPr lang="en-GB" smtClean="0"/>
-              <a:t>08/09/2021</a:t>
+              <a:t>24/12/2021</a:t>
             </a:fld>
             <a:endParaRPr lang="en-GB"/>
           </a:p>
@@ -17958,7 +20551,7 @@
           <a:p>
             <a:fld id="{A4439BD6-68A8-4E1A-9A49-942B2585C2CF}" type="datetimeFigureOut">
               <a:rPr lang="en-GB" smtClean="0"/>
-              <a:t>08/09/2021</a:t>
+              <a:t>24/12/2021</a:t>
             </a:fld>
             <a:endParaRPr lang="en-GB"/>
           </a:p>
@@ -18226,7 +20819,7 @@
           <a:p>
             <a:fld id="{A4439BD6-68A8-4E1A-9A49-942B2585C2CF}" type="datetimeFigureOut">
               <a:rPr lang="en-GB" smtClean="0"/>
-              <a:t>08/09/2021</a:t>
+              <a:t>24/12/2021</a:t>
             </a:fld>
             <a:endParaRPr lang="en-GB"/>
           </a:p>
@@ -18641,7 +21234,7 @@
           <a:p>
             <a:fld id="{A4439BD6-68A8-4E1A-9A49-942B2585C2CF}" type="datetimeFigureOut">
               <a:rPr lang="en-GB" smtClean="0"/>
-              <a:t>08/09/2021</a:t>
+              <a:t>24/12/2021</a:t>
             </a:fld>
             <a:endParaRPr lang="en-GB"/>
           </a:p>
@@ -18783,7 +21376,7 @@
           <a:p>
             <a:fld id="{A4439BD6-68A8-4E1A-9A49-942B2585C2CF}" type="datetimeFigureOut">
               <a:rPr lang="en-GB" smtClean="0"/>
-              <a:t>08/09/2021</a:t>
+              <a:t>24/12/2021</a:t>
             </a:fld>
             <a:endParaRPr lang="en-GB"/>
           </a:p>
@@ -18896,7 +21489,7 @@
           <a:p>
             <a:fld id="{A4439BD6-68A8-4E1A-9A49-942B2585C2CF}" type="datetimeFigureOut">
               <a:rPr lang="en-GB" smtClean="0"/>
-              <a:t>08/09/2021</a:t>
+              <a:t>24/12/2021</a:t>
             </a:fld>
             <a:endParaRPr lang="en-GB"/>
           </a:p>
@@ -19209,7 +21802,7 @@
           <a:p>
             <a:fld id="{A4439BD6-68A8-4E1A-9A49-942B2585C2CF}" type="datetimeFigureOut">
               <a:rPr lang="en-GB" smtClean="0"/>
-              <a:t>08/09/2021</a:t>
+              <a:t>24/12/2021</a:t>
             </a:fld>
             <a:endParaRPr lang="en-GB"/>
           </a:p>
@@ -19498,7 +22091,7 @@
           <a:p>
             <a:fld id="{A4439BD6-68A8-4E1A-9A49-942B2585C2CF}" type="datetimeFigureOut">
               <a:rPr lang="en-GB" smtClean="0"/>
-              <a:t>08/09/2021</a:t>
+              <a:t>24/12/2021</a:t>
             </a:fld>
             <a:endParaRPr lang="en-GB"/>
           </a:p>
@@ -19741,7 +22334,7 @@
           <a:p>
             <a:fld id="{A4439BD6-68A8-4E1A-9A49-942B2585C2CF}" type="datetimeFigureOut">
               <a:rPr lang="en-GB" smtClean="0"/>
-              <a:t>08/09/2021</a:t>
+              <a:t>24/12/2021</a:t>
             </a:fld>
             <a:endParaRPr lang="en-GB"/>
           </a:p>
@@ -21235,6 +23828,8 @@
                 <a:solidFill>
                   <a:srgbClr val="FFFFFF"/>
                 </a:solidFill>
+                <a:latin typeface="Arial" panose="020B0604020202020204" pitchFamily="34" charset="0"/>
+                <a:cs typeface="Arial" panose="020B0604020202020204" pitchFamily="34" charset="0"/>
               </a:rPr>
               <a:t>What you will learn?</a:t>
             </a:r>
@@ -21257,7 +23852,7 @@
             <p:ph idx="1"/>
             <p:extLst>
               <p:ext uri="{D42A27DB-BD31-4B8C-83A1-F6EECF244321}">
-                <p14:modId xmlns:p14="http://schemas.microsoft.com/office/powerpoint/2010/main" val="3985325287"/>
+                <p14:modId xmlns:p14="http://schemas.microsoft.com/office/powerpoint/2010/main" val="1963205385"/>
               </p:ext>
             </p:extLst>
           </p:nvPr>
@@ -21400,7 +23995,7 @@
       </p:grpSpPr>
       <p:sp useBgFill="1">
         <p:nvSpPr>
-          <p:cNvPr id="56" name="Rectangle 55">
+          <p:cNvPr id="64" name="Rectangle 63">
             <a:extLst>
               <a:ext uri="{FF2B5EF4-FFF2-40B4-BE49-F238E27FC236}">
                 <a16:creationId xmlns:a16="http://schemas.microsoft.com/office/drawing/2014/main" id="{1B15ED52-F352-441B-82BF-E0EA34836D08}"/>
@@ -21476,7 +24071,7 @@
       </p:sp>
       <p:sp>
         <p:nvSpPr>
-          <p:cNvPr id="58" name="Rectangle 57">
+          <p:cNvPr id="66" name="Rectangle 65">
             <a:extLst>
               <a:ext uri="{FF2B5EF4-FFF2-40B4-BE49-F238E27FC236}">
                 <a16:creationId xmlns:a16="http://schemas.microsoft.com/office/drawing/2014/main" id="{3B2E3793-BFE6-45A2-9B7B-E18844431C99}"/>
@@ -21549,7 +24144,7 @@
       </p:sp>
       <p:sp>
         <p:nvSpPr>
-          <p:cNvPr id="60" name="Rectangle 59">
+          <p:cNvPr id="68" name="Rectangle 67">
             <a:extLst>
               <a:ext uri="{FF2B5EF4-FFF2-40B4-BE49-F238E27FC236}">
                 <a16:creationId xmlns:a16="http://schemas.microsoft.com/office/drawing/2014/main" id="{BC4C4868-CB8F-4AF9-9CDB-8108F2C19B67}"/>
@@ -21625,7 +24220,7 @@
       </p:sp>
       <p:sp>
         <p:nvSpPr>
-          <p:cNvPr id="62" name="Rectangle 61">
+          <p:cNvPr id="70" name="Rectangle 69">
             <a:extLst>
               <a:ext uri="{FF2B5EF4-FFF2-40B4-BE49-F238E27FC236}">
                 <a16:creationId xmlns:a16="http://schemas.microsoft.com/office/drawing/2014/main" id="{375E0459-6403-40CD-989D-56A4407CA12E}"/>
@@ -21700,7 +24295,7 @@
       </p:sp>
       <p:sp>
         <p:nvSpPr>
-          <p:cNvPr id="64" name="Rectangle 63">
+          <p:cNvPr id="72" name="Rectangle 71">
             <a:extLst>
               <a:ext uri="{FF2B5EF4-FFF2-40B4-BE49-F238E27FC236}">
                 <a16:creationId xmlns:a16="http://schemas.microsoft.com/office/drawing/2014/main" id="{53E5B1A8-3AC9-4BD1-9BBC-78CA94F2D1BA}"/>
@@ -21809,510 +24404,52 @@
                   <a:srgbClr val="FFFFFF"/>
                 </a:solidFill>
               </a:rPr>
-              <a:t>Target audience</a:t>
+              <a:t>Target Audiences</a:t>
             </a:r>
           </a:p>
         </p:txBody>
       </p:sp>
-      <p:sp>
-        <p:nvSpPr>
-          <p:cNvPr id="3" name="Content Placeholder 2">
+      <p:graphicFrame>
+        <p:nvGraphicFramePr>
+          <p:cNvPr id="74" name="Content Placeholder 2">
             <a:extLst>
               <a:ext uri="{FF2B5EF4-FFF2-40B4-BE49-F238E27FC236}">
-                <a16:creationId xmlns:a16="http://schemas.microsoft.com/office/drawing/2014/main" id="{7E5C1A92-B9B1-4FFE-87C8-8EA71403A9B6}"/>
+                <a16:creationId xmlns:a16="http://schemas.microsoft.com/office/drawing/2014/main" id="{4733E31E-3DA4-4DE3-84F1-3F603D3314CA}"/>
               </a:ext>
             </a:extLst>
           </p:cNvPr>
-          <p:cNvSpPr>
-            <a:spLocks noGrp="1"/>
-          </p:cNvSpPr>
+          <p:cNvGraphicFramePr>
+            <a:graphicFrameLocks noGrp="1"/>
+          </p:cNvGraphicFramePr>
           <p:nvPr>
             <p:ph idx="1"/>
+            <p:extLst>
+              <p:ext uri="{D42A27DB-BD31-4B8C-83A1-F6EECF244321}">
+                <p14:modId xmlns:p14="http://schemas.microsoft.com/office/powerpoint/2010/main" val="1275242480"/>
+              </p:ext>
+            </p:extLst>
           </p:nvPr>
-        </p:nvSpPr>
-        <p:spPr>
-          <a:xfrm>
-            <a:off x="1457558" y="3507314"/>
-            <a:ext cx="9724031" cy="1408684"/>
-          </a:xfrm>
-        </p:spPr>
-        <p:txBody>
-          <a:bodyPr anchor="ctr">
-            <a:normAutofit lnSpcReduction="10000"/>
-          </a:bodyPr>
-          <a:lstStyle/>
-          <a:p>
-            <a:pPr marL="0" indent="0">
-              <a:buNone/>
-            </a:pPr>
-            <a:endParaRPr lang="en-GB" sz="3200" dirty="0">
-              <a:latin typeface="Corbel" panose="020B0503020204020204" pitchFamily="34" charset="0"/>
-              <a:ea typeface="Cambria" panose="02040503050406030204" pitchFamily="18" charset="0"/>
-            </a:endParaRPr>
-          </a:p>
-          <a:p>
-            <a:r>
-              <a:rPr lang="en-GB" sz="3200" dirty="0">
-                <a:latin typeface="Corbel" panose="020B0503020204020204" pitchFamily="34" charset="0"/>
-                <a:ea typeface="Cambria" panose="02040503050406030204" pitchFamily="18" charset="0"/>
-              </a:rPr>
-              <a:t>Interest to become Penetration Testers/Red Team Operators</a:t>
-            </a:r>
-          </a:p>
-        </p:txBody>
-      </p:sp>
-      <p:sp>
-        <p:nvSpPr>
-          <p:cNvPr id="4" name="TextBox 3">
-            <a:extLst>
-              <a:ext uri="{FF2B5EF4-FFF2-40B4-BE49-F238E27FC236}">
-                <a16:creationId xmlns:a16="http://schemas.microsoft.com/office/drawing/2014/main" id="{853F3850-6388-4F95-9103-14ADCE501C9B}"/>
-              </a:ext>
-            </a:extLst>
-          </p:cNvPr>
-          <p:cNvSpPr txBox="1"/>
-          <p:nvPr/>
-        </p:nvSpPr>
-        <p:spPr>
-          <a:xfrm>
-            <a:off x="1371597" y="2195545"/>
-            <a:ext cx="9163050" cy="1569660"/>
-          </a:xfrm>
-          <a:prstGeom prst="rect">
-            <a:avLst/>
-          </a:prstGeom>
-          <a:noFill/>
-        </p:spPr>
-        <p:txBody>
-          <a:bodyPr wrap="square" rtlCol="0">
-            <a:spAutoFit/>
-          </a:bodyPr>
-          <a:lstStyle/>
-          <a:p>
-            <a:pPr marL="457200" indent="-457200">
-              <a:buFont typeface="Arial" panose="020B0604020202020204" pitchFamily="34" charset="0"/>
-              <a:buChar char="•"/>
-            </a:pPr>
-            <a:r>
-              <a:rPr lang="en-GB" sz="3200" dirty="0">
-                <a:latin typeface="Corbel" panose="020B0503020204020204" pitchFamily="34" charset="0"/>
-                <a:ea typeface="Cambria" panose="02040503050406030204" pitchFamily="18" charset="0"/>
-              </a:rPr>
-              <a:t>Linux Professionals (Security, Networking/Infrastructure, Software, Analysts)</a:t>
-            </a:r>
-          </a:p>
-          <a:p>
-            <a:pPr marL="457200" indent="-457200">
-              <a:buFont typeface="Arial" panose="020B0604020202020204" pitchFamily="34" charset="0"/>
-              <a:buChar char="•"/>
-            </a:pPr>
-            <a:endParaRPr lang="en-GB" sz="3200" dirty="0"/>
-          </a:p>
-        </p:txBody>
-      </p:sp>
-      <p:sp>
-        <p:nvSpPr>
-          <p:cNvPr id="10" name="Content Placeholder 2">
-            <a:extLst>
-              <a:ext uri="{FF2B5EF4-FFF2-40B4-BE49-F238E27FC236}">
-                <a16:creationId xmlns:a16="http://schemas.microsoft.com/office/drawing/2014/main" id="{CD2020C4-31C4-4F55-AC62-6A5EE35118D0}"/>
-              </a:ext>
-            </a:extLst>
-          </p:cNvPr>
-          <p:cNvSpPr txBox="1">
-            <a:spLocks/>
-          </p:cNvSpPr>
-          <p:nvPr/>
-        </p:nvSpPr>
-        <p:spPr>
-          <a:xfrm>
-            <a:off x="1371599" y="4830486"/>
-            <a:ext cx="9724031" cy="1408684"/>
-          </a:xfrm>
-          <a:prstGeom prst="rect">
-            <a:avLst/>
-          </a:prstGeom>
-        </p:spPr>
-        <p:txBody>
-          <a:bodyPr vert="horz" lIns="91440" tIns="45720" rIns="91440" bIns="45720" rtlCol="0" anchor="ctr">
-            <a:normAutofit lnSpcReduction="10000"/>
-          </a:bodyPr>
-          <a:lstStyle>
-            <a:lvl1pPr marL="228600" indent="-228600" algn="l" defTabSz="914400" rtl="0" eaLnBrk="1" latinLnBrk="0" hangingPunct="1">
-              <a:lnSpc>
-                <a:spcPct val="90000"/>
-              </a:lnSpc>
-              <a:spcBef>
-                <a:spcPts val="1000"/>
-              </a:spcBef>
-              <a:buFont typeface="Arial" panose="020B0604020202020204" pitchFamily="34" charset="0"/>
-              <a:buChar char="•"/>
-              <a:defRPr sz="2800" kern="1200">
-                <a:solidFill>
-                  <a:schemeClr val="tx1"/>
-                </a:solidFill>
-                <a:latin typeface="+mn-lt"/>
-                <a:ea typeface="+mn-ea"/>
-                <a:cs typeface="+mn-cs"/>
-              </a:defRPr>
-            </a:lvl1pPr>
-            <a:lvl2pPr marL="685800" indent="-228600" algn="l" defTabSz="914400" rtl="0" eaLnBrk="1" latinLnBrk="0" hangingPunct="1">
-              <a:lnSpc>
-                <a:spcPct val="90000"/>
-              </a:lnSpc>
-              <a:spcBef>
-                <a:spcPts val="500"/>
-              </a:spcBef>
-              <a:buFont typeface="Arial" panose="020B0604020202020204" pitchFamily="34" charset="0"/>
-              <a:buChar char="•"/>
-              <a:defRPr sz="2400" kern="1200">
-                <a:solidFill>
-                  <a:schemeClr val="tx1"/>
-                </a:solidFill>
-                <a:latin typeface="+mn-lt"/>
-                <a:ea typeface="+mn-ea"/>
-                <a:cs typeface="+mn-cs"/>
-              </a:defRPr>
-            </a:lvl2pPr>
-            <a:lvl3pPr marL="1143000" indent="-228600" algn="l" defTabSz="914400" rtl="0" eaLnBrk="1" latinLnBrk="0" hangingPunct="1">
-              <a:lnSpc>
-                <a:spcPct val="90000"/>
-              </a:lnSpc>
-              <a:spcBef>
-                <a:spcPts val="500"/>
-              </a:spcBef>
-              <a:buFont typeface="Arial" panose="020B0604020202020204" pitchFamily="34" charset="0"/>
-              <a:buChar char="•"/>
-              <a:defRPr sz="2000" kern="1200">
-                <a:solidFill>
-                  <a:schemeClr val="tx1"/>
-                </a:solidFill>
-                <a:latin typeface="+mn-lt"/>
-                <a:ea typeface="+mn-ea"/>
-                <a:cs typeface="+mn-cs"/>
-              </a:defRPr>
-            </a:lvl3pPr>
-            <a:lvl4pPr marL="1600200" indent="-228600" algn="l" defTabSz="914400" rtl="0" eaLnBrk="1" latinLnBrk="0" hangingPunct="1">
-              <a:lnSpc>
-                <a:spcPct val="90000"/>
-              </a:lnSpc>
-              <a:spcBef>
-                <a:spcPts val="500"/>
-              </a:spcBef>
-              <a:buFont typeface="Arial" panose="020B0604020202020204" pitchFamily="34" charset="0"/>
-              <a:buChar char="•"/>
-              <a:defRPr sz="1800" kern="1200">
-                <a:solidFill>
-                  <a:schemeClr val="tx1"/>
-                </a:solidFill>
-                <a:latin typeface="+mn-lt"/>
-                <a:ea typeface="+mn-ea"/>
-                <a:cs typeface="+mn-cs"/>
-              </a:defRPr>
-            </a:lvl4pPr>
-            <a:lvl5pPr marL="2057400" indent="-228600" algn="l" defTabSz="914400" rtl="0" eaLnBrk="1" latinLnBrk="0" hangingPunct="1">
-              <a:lnSpc>
-                <a:spcPct val="90000"/>
-              </a:lnSpc>
-              <a:spcBef>
-                <a:spcPts val="500"/>
-              </a:spcBef>
-              <a:buFont typeface="Arial" panose="020B0604020202020204" pitchFamily="34" charset="0"/>
-              <a:buChar char="•"/>
-              <a:defRPr sz="1800" kern="1200">
-                <a:solidFill>
-                  <a:schemeClr val="tx1"/>
-                </a:solidFill>
-                <a:latin typeface="+mn-lt"/>
-                <a:ea typeface="+mn-ea"/>
-                <a:cs typeface="+mn-cs"/>
-              </a:defRPr>
-            </a:lvl5pPr>
-            <a:lvl6pPr marL="2514600" indent="-228600" algn="l" defTabSz="914400" rtl="0" eaLnBrk="1" latinLnBrk="0" hangingPunct="1">
-              <a:lnSpc>
-                <a:spcPct val="90000"/>
-              </a:lnSpc>
-              <a:spcBef>
-                <a:spcPts val="500"/>
-              </a:spcBef>
-              <a:buFont typeface="Arial" panose="020B0604020202020204" pitchFamily="34" charset="0"/>
-              <a:buChar char="•"/>
-              <a:defRPr sz="1800" kern="1200">
-                <a:solidFill>
-                  <a:schemeClr val="tx1"/>
-                </a:solidFill>
-                <a:latin typeface="+mn-lt"/>
-                <a:ea typeface="+mn-ea"/>
-                <a:cs typeface="+mn-cs"/>
-              </a:defRPr>
-            </a:lvl6pPr>
-            <a:lvl7pPr marL="2971800" indent="-228600" algn="l" defTabSz="914400" rtl="0" eaLnBrk="1" latinLnBrk="0" hangingPunct="1">
-              <a:lnSpc>
-                <a:spcPct val="90000"/>
-              </a:lnSpc>
-              <a:spcBef>
-                <a:spcPts val="500"/>
-              </a:spcBef>
-              <a:buFont typeface="Arial" panose="020B0604020202020204" pitchFamily="34" charset="0"/>
-              <a:buChar char="•"/>
-              <a:defRPr sz="1800" kern="1200">
-                <a:solidFill>
-                  <a:schemeClr val="tx1"/>
-                </a:solidFill>
-                <a:latin typeface="+mn-lt"/>
-                <a:ea typeface="+mn-ea"/>
-                <a:cs typeface="+mn-cs"/>
-              </a:defRPr>
-            </a:lvl7pPr>
-            <a:lvl8pPr marL="3429000" indent="-228600" algn="l" defTabSz="914400" rtl="0" eaLnBrk="1" latinLnBrk="0" hangingPunct="1">
-              <a:lnSpc>
-                <a:spcPct val="90000"/>
-              </a:lnSpc>
-              <a:spcBef>
-                <a:spcPts val="500"/>
-              </a:spcBef>
-              <a:buFont typeface="Arial" panose="020B0604020202020204" pitchFamily="34" charset="0"/>
-              <a:buChar char="•"/>
-              <a:defRPr sz="1800" kern="1200">
-                <a:solidFill>
-                  <a:schemeClr val="tx1"/>
-                </a:solidFill>
-                <a:latin typeface="+mn-lt"/>
-                <a:ea typeface="+mn-ea"/>
-                <a:cs typeface="+mn-cs"/>
-              </a:defRPr>
-            </a:lvl8pPr>
-            <a:lvl9pPr marL="3886200" indent="-228600" algn="l" defTabSz="914400" rtl="0" eaLnBrk="1" latinLnBrk="0" hangingPunct="1">
-              <a:lnSpc>
-                <a:spcPct val="90000"/>
-              </a:lnSpc>
-              <a:spcBef>
-                <a:spcPts val="500"/>
-              </a:spcBef>
-              <a:buFont typeface="Arial" panose="020B0604020202020204" pitchFamily="34" charset="0"/>
-              <a:buChar char="•"/>
-              <a:defRPr sz="1800" kern="1200">
-                <a:solidFill>
-                  <a:schemeClr val="tx1"/>
-                </a:solidFill>
-                <a:latin typeface="+mn-lt"/>
-                <a:ea typeface="+mn-ea"/>
-                <a:cs typeface="+mn-cs"/>
-              </a:defRPr>
-            </a:lvl9pPr>
-          </a:lstStyle>
-          <a:p>
-            <a:pPr marL="0" indent="0">
-              <a:buFont typeface="Arial" panose="020B0604020202020204" pitchFamily="34" charset="0"/>
-              <a:buNone/>
-            </a:pPr>
-            <a:endParaRPr lang="en-GB" sz="3200" dirty="0">
-              <a:latin typeface="Corbel" panose="020B0503020204020204" pitchFamily="34" charset="0"/>
-              <a:ea typeface="Cambria" panose="02040503050406030204" pitchFamily="18" charset="0"/>
-            </a:endParaRPr>
-          </a:p>
-          <a:p>
-            <a:r>
-              <a:rPr lang="en-GB" sz="3200" dirty="0">
-                <a:latin typeface="Corbel" panose="020B0503020204020204" pitchFamily="34" charset="0"/>
-                <a:ea typeface="Cambria" panose="02040503050406030204" pitchFamily="18" charset="0"/>
-              </a:rPr>
-              <a:t>Blue teamers who would like to defend their networks better</a:t>
-            </a:r>
-          </a:p>
-        </p:txBody>
-      </p:sp>
+        </p:nvGraphicFramePr>
+        <p:xfrm>
+          <a:off x="1371599" y="2318197"/>
+          <a:ext cx="9724031" cy="3683358"/>
+        </p:xfrm>
+        <a:graphic>
+          <a:graphicData uri="http://schemas.openxmlformats.org/drawingml/2006/diagram">
+            <dgm:relIds xmlns:dgm="http://schemas.openxmlformats.org/drawingml/2006/diagram" xmlns:r="http://schemas.openxmlformats.org/officeDocument/2006/relationships" r:dm="rId3" r:lo="rId4" r:qs="rId5" r:cs="rId6"/>
+          </a:graphicData>
+        </a:graphic>
+      </p:graphicFrame>
     </p:spTree>
     <p:extLst>
       <p:ext uri="{BB962C8B-B14F-4D97-AF65-F5344CB8AC3E}">
-        <p14:creationId xmlns:p14="http://schemas.microsoft.com/office/powerpoint/2010/main" val="2789871974"/>
+        <p14:creationId xmlns:p14="http://schemas.microsoft.com/office/powerpoint/2010/main" val="180049161"/>
       </p:ext>
     </p:extLst>
   </p:cSld>
   <p:clrMapOvr>
     <a:masterClrMapping/>
   </p:clrMapOvr>
-  <p:timing>
-    <p:tnLst>
-      <p:par>
-        <p:cTn id="1" dur="indefinite" restart="never" nodeType="tmRoot">
-          <p:childTnLst>
-            <p:seq concurrent="1" nextAc="seek">
-              <p:cTn id="2" dur="indefinite" nodeType="mainSeq">
-                <p:childTnLst>
-                  <p:par>
-                    <p:cTn id="3" fill="hold">
-                      <p:stCondLst>
-                        <p:cond delay="indefinite"/>
-                      </p:stCondLst>
-                      <p:childTnLst>
-                        <p:par>
-                          <p:cTn id="4" fill="hold">
-                            <p:stCondLst>
-                              <p:cond delay="0"/>
-                            </p:stCondLst>
-                            <p:childTnLst>
-                              <p:par>
-                                <p:cTn id="5" presetID="1" presetClass="entr" presetSubtype="0" fill="hold" nodeType="clickEffect">
-                                  <p:stCondLst>
-                                    <p:cond delay="0"/>
-                                  </p:stCondLst>
-                                  <p:childTnLst>
-                                    <p:set>
-                                      <p:cBhvr>
-                                        <p:cTn id="6" dur="1" fill="hold">
-                                          <p:stCondLst>
-                                            <p:cond delay="0"/>
-                                          </p:stCondLst>
-                                        </p:cTn>
-                                        <p:tgtEl>
-                                          <p:spTgt spid="4">
-                                            <p:txEl>
-                                              <p:pRg st="0" end="0"/>
-                                            </p:txEl>
-                                          </p:spTgt>
-                                        </p:tgtEl>
-                                        <p:attrNameLst>
-                                          <p:attrName>style.visibility</p:attrName>
-                                        </p:attrNameLst>
-                                      </p:cBhvr>
-                                      <p:to>
-                                        <p:strVal val="visible"/>
-                                      </p:to>
-                                    </p:set>
-                                  </p:childTnLst>
-                                </p:cTn>
-                              </p:par>
-                            </p:childTnLst>
-                          </p:cTn>
-                        </p:par>
-                      </p:childTnLst>
-                    </p:cTn>
-                  </p:par>
-                  <p:par>
-                    <p:cTn id="7" fill="hold">
-                      <p:stCondLst>
-                        <p:cond delay="indefinite"/>
-                      </p:stCondLst>
-                      <p:childTnLst>
-                        <p:par>
-                          <p:cTn id="8" fill="hold">
-                            <p:stCondLst>
-                              <p:cond delay="0"/>
-                            </p:stCondLst>
-                            <p:childTnLst>
-                              <p:par>
-                                <p:cTn id="9" presetID="1" presetClass="entr" presetSubtype="0" fill="hold" grpId="0" nodeType="clickEffect">
-                                  <p:stCondLst>
-                                    <p:cond delay="0"/>
-                                  </p:stCondLst>
-                                  <p:childTnLst>
-                                    <p:set>
-                                      <p:cBhvr>
-                                        <p:cTn id="10" dur="1" fill="hold">
-                                          <p:stCondLst>
-                                            <p:cond delay="0"/>
-                                          </p:stCondLst>
-                                        </p:cTn>
-                                        <p:tgtEl>
-                                          <p:spTgt spid="3">
-                                            <p:txEl>
-                                              <p:pRg st="1" end="1"/>
-                                            </p:txEl>
-                                          </p:spTgt>
-                                        </p:tgtEl>
-                                        <p:attrNameLst>
-                                          <p:attrName>style.visibility</p:attrName>
-                                        </p:attrNameLst>
-                                      </p:cBhvr>
-                                      <p:to>
-                                        <p:strVal val="visible"/>
-                                      </p:to>
-                                    </p:set>
-                                  </p:childTnLst>
-                                </p:cTn>
-                              </p:par>
-                            </p:childTnLst>
-                          </p:cTn>
-                        </p:par>
-                      </p:childTnLst>
-                    </p:cTn>
-                  </p:par>
-                  <p:par>
-                    <p:cTn id="11" fill="hold">
-                      <p:stCondLst>
-                        <p:cond delay="indefinite"/>
-                      </p:stCondLst>
-                      <p:childTnLst>
-                        <p:par>
-                          <p:cTn id="12" fill="hold">
-                            <p:stCondLst>
-                              <p:cond delay="0"/>
-                            </p:stCondLst>
-                            <p:childTnLst>
-                              <p:par>
-                                <p:cTn id="13" presetID="1" presetClass="entr" presetSubtype="0" fill="hold" grpId="0" nodeType="clickEffect">
-                                  <p:stCondLst>
-                                    <p:cond delay="0"/>
-                                  </p:stCondLst>
-                                  <p:childTnLst>
-                                    <p:set>
-                                      <p:cBhvr>
-                                        <p:cTn id="14" dur="1" fill="hold">
-                                          <p:stCondLst>
-                                            <p:cond delay="0"/>
-                                          </p:stCondLst>
-                                        </p:cTn>
-                                        <p:tgtEl>
-                                          <p:spTgt spid="10">
-                                            <p:txEl>
-                                              <p:pRg st="1" end="1"/>
-                                            </p:txEl>
-                                          </p:spTgt>
-                                        </p:tgtEl>
-                                        <p:attrNameLst>
-                                          <p:attrName>style.visibility</p:attrName>
-                                        </p:attrNameLst>
-                                      </p:cBhvr>
-                                      <p:to>
-                                        <p:strVal val="visible"/>
-                                      </p:to>
-                                    </p:set>
-                                  </p:childTnLst>
-                                </p:cTn>
-                              </p:par>
-                            </p:childTnLst>
-                          </p:cTn>
-                        </p:par>
-                      </p:childTnLst>
-                    </p:cTn>
-                  </p:par>
-                </p:childTnLst>
-              </p:cTn>
-              <p:prevCondLst>
-                <p:cond evt="onPrev" delay="0">
-                  <p:tgtEl>
-                    <p:sldTgt/>
-                  </p:tgtEl>
-                </p:cond>
-              </p:prevCondLst>
-              <p:nextCondLst>
-                <p:cond evt="onNext" delay="0">
-                  <p:tgtEl>
-                    <p:sldTgt/>
-                  </p:tgtEl>
-                </p:cond>
-              </p:nextCondLst>
-            </p:seq>
-          </p:childTnLst>
-        </p:cTn>
-      </p:par>
-    </p:tnLst>
-    <p:bldLst>
-      <p:bldP spid="3" grpId="0" build="p"/>
-      <p:bldP spid="10" grpId="0" build="p"/>
-    </p:bldLst>
-  </p:timing>
 </p:sld>
 </file>
 
@@ -22771,6 +24908,11 @@
           </p:cNvGraphicFramePr>
           <p:nvPr>
             <p:ph idx="1"/>
+            <p:extLst>
+              <p:ext uri="{D42A27DB-BD31-4B8C-83A1-F6EECF244321}">
+                <p14:modId xmlns:p14="http://schemas.microsoft.com/office/powerpoint/2010/main" val="3858371652"/>
+              </p:ext>
+            </p:extLst>
           </p:nvPr>
         </p:nvGraphicFramePr>
         <p:xfrm>
@@ -22786,7 +24928,7 @@
     </p:spTree>
     <p:extLst>
       <p:ext uri="{BB962C8B-B14F-4D97-AF65-F5344CB8AC3E}">
-        <p14:creationId xmlns:p14="http://schemas.microsoft.com/office/powerpoint/2010/main" val="180049161"/>
+        <p14:creationId xmlns:p14="http://schemas.microsoft.com/office/powerpoint/2010/main" val="623116765"/>
       </p:ext>
     </p:extLst>
   </p:cSld>
@@ -23153,12 +25295,20 @@
           <a:p>
             <a:pPr algn="ctr"/>
             <a:r>
+              <a:rPr lang="en-GB" sz="4000" dirty="0">
+                <a:solidFill>
+                  <a:srgbClr val="FFFFFF"/>
+                </a:solidFill>
+              </a:rPr>
+              <a:t>What this course </a:t>
+            </a:r>
+            <a:r>
               <a:rPr lang="en-GB" sz="4000">
                 <a:solidFill>
                   <a:srgbClr val="FFFFFF"/>
                 </a:solidFill>
               </a:rPr>
-              <a:t>What this course is not?</a:t>
+              <a:t>is NOT?</a:t>
             </a:r>
             <a:endParaRPr lang="en-GB" sz="4000" dirty="0">
               <a:solidFill>
@@ -23184,7 +25334,7 @@
             <p:ph idx="1"/>
             <p:extLst>
               <p:ext uri="{D42A27DB-BD31-4B8C-83A1-F6EECF244321}">
-                <p14:modId xmlns:p14="http://schemas.microsoft.com/office/powerpoint/2010/main" val="3817929322"/>
+                <p14:modId xmlns:p14="http://schemas.microsoft.com/office/powerpoint/2010/main" val="2006176735"/>
               </p:ext>
             </p:extLst>
           </p:nvPr>
@@ -23423,7 +25573,7 @@
             <p:ph idx="1"/>
             <p:extLst>
               <p:ext uri="{D42A27DB-BD31-4B8C-83A1-F6EECF244321}">
-                <p14:modId xmlns:p14="http://schemas.microsoft.com/office/powerpoint/2010/main" val="1861139352"/>
+                <p14:modId xmlns:p14="http://schemas.microsoft.com/office/powerpoint/2010/main" val="2414050061"/>
               </p:ext>
             </p:extLst>
           </p:nvPr>
